--- a/Actividad 3 (INSECTICIDAS EN ÁRBOLES)/PRESENTATION EFFICACY TREATMENT - DAVID VALCÁRCEL.pptx
+++ b/Actividad 3 (INSECTICIDAS EN ÁRBOLES)/PRESENTATION EFFICACY TREATMENT - DAVID VALCÁRCEL.pptx
@@ -7,6 +7,10 @@
   <p:sldIdLst>
     <p:sldId id="256" r:id="rId2"/>
     <p:sldId id="257" r:id="rId3"/>
+    <p:sldId id="258" r:id="rId4"/>
+    <p:sldId id="259" r:id="rId5"/>
+    <p:sldId id="260" r:id="rId6"/>
+    <p:sldId id="261" r:id="rId7"/>
   </p:sldIdLst>
   <p:sldSz cx="12192000" cy="6858000"/>
   <p:notesSz cx="6858000" cy="9144000"/>
@@ -105,6 +109,11 @@
       </a:defRPr>
     </a:lvl9pPr>
   </p:defaultTextStyle>
+  <p:extLst>
+    <p:ext uri="{EFAFB233-063F-42B5-8137-9DF3F51BA10A}">
+      <p15:sldGuideLst xmlns:p15="http://schemas.microsoft.com/office/powerpoint/2012/main"/>
+    </p:ext>
+  </p:extLst>
 </p:presentation>
 </file>
 
@@ -247,7 +256,7 @@
           <a:p>
             <a:fld id="{6AF85D1D-B2D2-42D7-B1AD-D2C733C17524}" type="datetimeFigureOut">
               <a:rPr lang="es-ES" smtClean="0"/>
-              <a:t>16/07/2025</a:t>
+              <a:t>23/07/2025</a:t>
             </a:fld>
             <a:endParaRPr lang="es-ES"/>
           </a:p>
@@ -458,7 +467,7 @@
           <a:p>
             <a:fld id="{6AF85D1D-B2D2-42D7-B1AD-D2C733C17524}" type="datetimeFigureOut">
               <a:rPr lang="es-ES" smtClean="0"/>
-              <a:t>16/07/2025</a:t>
+              <a:t>23/07/2025</a:t>
             </a:fld>
             <a:endParaRPr lang="es-ES"/>
           </a:p>
@@ -673,7 +682,7 @@
           <a:p>
             <a:fld id="{6AF85D1D-B2D2-42D7-B1AD-D2C733C17524}" type="datetimeFigureOut">
               <a:rPr lang="es-ES" smtClean="0"/>
-              <a:t>16/07/2025</a:t>
+              <a:t>23/07/2025</a:t>
             </a:fld>
             <a:endParaRPr lang="es-ES"/>
           </a:p>
@@ -874,7 +883,7 @@
           <a:p>
             <a:fld id="{6AF85D1D-B2D2-42D7-B1AD-D2C733C17524}" type="datetimeFigureOut">
               <a:rPr lang="es-ES" smtClean="0"/>
-              <a:t>16/07/2025</a:t>
+              <a:t>23/07/2025</a:t>
             </a:fld>
             <a:endParaRPr lang="es-ES"/>
           </a:p>
@@ -1153,7 +1162,7 @@
           <a:p>
             <a:fld id="{6AF85D1D-B2D2-42D7-B1AD-D2C733C17524}" type="datetimeFigureOut">
               <a:rPr lang="es-ES" smtClean="0"/>
-              <a:t>16/07/2025</a:t>
+              <a:t>23/07/2025</a:t>
             </a:fld>
             <a:endParaRPr lang="es-ES"/>
           </a:p>
@@ -1421,7 +1430,7 @@
           <a:p>
             <a:fld id="{6AF85D1D-B2D2-42D7-B1AD-D2C733C17524}" type="datetimeFigureOut">
               <a:rPr lang="es-ES" smtClean="0"/>
-              <a:t>16/07/2025</a:t>
+              <a:t>23/07/2025</a:t>
             </a:fld>
             <a:endParaRPr lang="es-ES"/>
           </a:p>
@@ -1837,7 +1846,7 @@
           <a:p>
             <a:fld id="{6AF85D1D-B2D2-42D7-B1AD-D2C733C17524}" type="datetimeFigureOut">
               <a:rPr lang="es-ES" smtClean="0"/>
-              <a:t>16/07/2025</a:t>
+              <a:t>23/07/2025</a:t>
             </a:fld>
             <a:endParaRPr lang="es-ES"/>
           </a:p>
@@ -1986,7 +1995,7 @@
           <a:p>
             <a:fld id="{6AF85D1D-B2D2-42D7-B1AD-D2C733C17524}" type="datetimeFigureOut">
               <a:rPr lang="es-ES" smtClean="0"/>
-              <a:t>16/07/2025</a:t>
+              <a:t>23/07/2025</a:t>
             </a:fld>
             <a:endParaRPr lang="es-ES"/>
           </a:p>
@@ -2112,7 +2121,7 @@
           <a:p>
             <a:fld id="{6AF85D1D-B2D2-42D7-B1AD-D2C733C17524}" type="datetimeFigureOut">
               <a:rPr lang="es-ES" smtClean="0"/>
-              <a:t>16/07/2025</a:t>
+              <a:t>23/07/2025</a:t>
             </a:fld>
             <a:endParaRPr lang="es-ES"/>
           </a:p>
@@ -2363,7 +2372,7 @@
           <a:p>
             <a:fld id="{6AF85D1D-B2D2-42D7-B1AD-D2C733C17524}" type="datetimeFigureOut">
               <a:rPr lang="es-ES" smtClean="0"/>
-              <a:t>16/07/2025</a:t>
+              <a:t>23/07/2025</a:t>
             </a:fld>
             <a:endParaRPr lang="es-ES"/>
           </a:p>
@@ -2808,7 +2817,7 @@
           <a:p>
             <a:fld id="{6AF85D1D-B2D2-42D7-B1AD-D2C733C17524}" type="datetimeFigureOut">
               <a:rPr lang="es-ES" smtClean="0"/>
-              <a:t>16/07/2025</a:t>
+              <a:t>23/07/2025</a:t>
             </a:fld>
             <a:endParaRPr lang="es-ES"/>
           </a:p>
@@ -3135,7 +3144,7 @@
           <a:p>
             <a:fld id="{6AF85D1D-B2D2-42D7-B1AD-D2C733C17524}" type="datetimeFigureOut">
               <a:rPr lang="es-ES" smtClean="0"/>
-              <a:t>16/07/2025</a:t>
+              <a:t>23/07/2025</a:t>
             </a:fld>
             <a:endParaRPr lang="es-ES"/>
           </a:p>
@@ -3772,7 +3781,10 @@
           <a:bodyPr/>
           <a:lstStyle/>
           <a:p>
-            <a:endParaRPr lang="es-ES"/>
+            <a:r>
+              <a:rPr lang="es-ES" dirty="0"/>
+              <a:t>INTRODUCTION</a:t>
+            </a:r>
           </a:p>
         </p:txBody>
       </p:sp>
@@ -3805,6 +3817,532 @@
     <p:extLst>
       <p:ext uri="{BB962C8B-B14F-4D97-AF65-F5344CB8AC3E}">
         <p14:creationId xmlns:p14="http://schemas.microsoft.com/office/powerpoint/2010/main" val="2541220704"/>
+      </p:ext>
+    </p:extLst>
+  </p:cSld>
+  <p:clrMapOvr>
+    <a:masterClrMapping/>
+  </p:clrMapOvr>
+</p:sld>
+</file>
+
+<file path=ppt/slides/slide3.xml><?xml version="1.0" encoding="utf-8"?>
+<p:sld xmlns:a="http://schemas.openxmlformats.org/drawingml/2006/main" xmlns:r="http://schemas.openxmlformats.org/officeDocument/2006/relationships" xmlns:p="http://schemas.openxmlformats.org/presentationml/2006/main">
+  <p:cSld>
+    <p:spTree>
+      <p:nvGrpSpPr>
+        <p:cNvPr id="1" name=""/>
+        <p:cNvGrpSpPr/>
+        <p:nvPr/>
+      </p:nvGrpSpPr>
+      <p:grpSpPr>
+        <a:xfrm>
+          <a:off x="0" y="0"/>
+          <a:ext cx="0" cy="0"/>
+          <a:chOff x="0" y="0"/>
+          <a:chExt cx="0" cy="0"/>
+        </a:xfrm>
+      </p:grpSpPr>
+      <p:sp>
+        <p:nvSpPr>
+          <p:cNvPr id="2" name="Título 1">
+            <a:extLst>
+              <a:ext uri="{FF2B5EF4-FFF2-40B4-BE49-F238E27FC236}">
+                <a16:creationId xmlns:a16="http://schemas.microsoft.com/office/drawing/2014/main" id="{7DED5265-BE8F-2509-2993-7A253001523D}"/>
+              </a:ext>
+            </a:extLst>
+          </p:cNvPr>
+          <p:cNvSpPr>
+            <a:spLocks noGrp="1"/>
+          </p:cNvSpPr>
+          <p:nvPr>
+            <p:ph type="title"/>
+          </p:nvPr>
+        </p:nvSpPr>
+        <p:spPr/>
+        <p:txBody>
+          <a:bodyPr/>
+          <a:lstStyle/>
+          <a:p>
+            <a:r>
+              <a:rPr lang="es-ES" dirty="0"/>
+              <a:t>1. WHICH </a:t>
+            </a:r>
+            <a:r>
+              <a:rPr lang="es-ES" dirty="0" err="1"/>
+              <a:t>insect</a:t>
+            </a:r>
+            <a:r>
+              <a:rPr lang="es-ES" dirty="0"/>
+              <a:t> </a:t>
+            </a:r>
+            <a:r>
+              <a:rPr lang="es-ES" dirty="0" err="1"/>
+              <a:t>repellent</a:t>
+            </a:r>
+            <a:r>
+              <a:rPr lang="es-ES" dirty="0"/>
+              <a:t> </a:t>
+            </a:r>
+            <a:r>
+              <a:rPr lang="es-ES" dirty="0" err="1"/>
+              <a:t>is</a:t>
+            </a:r>
+            <a:r>
+              <a:rPr lang="es-ES" dirty="0"/>
+              <a:t> more </a:t>
+            </a:r>
+            <a:r>
+              <a:rPr lang="es-ES" dirty="0" err="1"/>
+              <a:t>effective</a:t>
+            </a:r>
+            <a:r>
+              <a:rPr lang="es-ES" dirty="0"/>
+              <a:t> </a:t>
+            </a:r>
+            <a:r>
+              <a:rPr lang="es-ES" dirty="0" err="1"/>
+              <a:t>against</a:t>
+            </a:r>
+            <a:r>
+              <a:rPr lang="es-ES" dirty="0"/>
+              <a:t> </a:t>
+            </a:r>
+            <a:r>
+              <a:rPr lang="es-ES" dirty="0" err="1"/>
+              <a:t>philaenus</a:t>
+            </a:r>
+            <a:r>
+              <a:rPr lang="es-ES" dirty="0"/>
+              <a:t> </a:t>
+            </a:r>
+            <a:r>
+              <a:rPr lang="es-ES" dirty="0" err="1"/>
+              <a:t>spumarius</a:t>
+            </a:r>
+            <a:r>
+              <a:rPr lang="es-ES" dirty="0"/>
+              <a:t>? (2017)</a:t>
+            </a:r>
+          </a:p>
+        </p:txBody>
+      </p:sp>
+      <p:sp>
+        <p:nvSpPr>
+          <p:cNvPr id="3" name="Marcador de contenido 2">
+            <a:extLst>
+              <a:ext uri="{FF2B5EF4-FFF2-40B4-BE49-F238E27FC236}">
+                <a16:creationId xmlns:a16="http://schemas.microsoft.com/office/drawing/2014/main" id="{F63E4EC9-FA53-551A-57E6-65AA6B7D9646}"/>
+              </a:ext>
+            </a:extLst>
+          </p:cNvPr>
+          <p:cNvSpPr>
+            <a:spLocks noGrp="1"/>
+          </p:cNvSpPr>
+          <p:nvPr>
+            <p:ph idx="1"/>
+          </p:nvPr>
+        </p:nvSpPr>
+        <p:spPr/>
+        <p:txBody>
+          <a:bodyPr/>
+          <a:lstStyle/>
+          <a:p>
+            <a:endParaRPr lang="es-ES"/>
+          </a:p>
+        </p:txBody>
+      </p:sp>
+    </p:spTree>
+    <p:extLst>
+      <p:ext uri="{BB962C8B-B14F-4D97-AF65-F5344CB8AC3E}">
+        <p14:creationId xmlns:p14="http://schemas.microsoft.com/office/powerpoint/2010/main" val="1459666830"/>
+      </p:ext>
+    </p:extLst>
+  </p:cSld>
+  <p:clrMapOvr>
+    <a:masterClrMapping/>
+  </p:clrMapOvr>
+</p:sld>
+</file>
+
+<file path=ppt/slides/slide4.xml><?xml version="1.0" encoding="utf-8"?>
+<p:sld xmlns:a="http://schemas.openxmlformats.org/drawingml/2006/main" xmlns:r="http://schemas.openxmlformats.org/officeDocument/2006/relationships" xmlns:p="http://schemas.openxmlformats.org/presentationml/2006/main">
+  <p:cSld>
+    <p:spTree>
+      <p:nvGrpSpPr>
+        <p:cNvPr id="1" name=""/>
+        <p:cNvGrpSpPr/>
+        <p:nvPr/>
+      </p:nvGrpSpPr>
+      <p:grpSpPr>
+        <a:xfrm>
+          <a:off x="0" y="0"/>
+          <a:ext cx="0" cy="0"/>
+          <a:chOff x="0" y="0"/>
+          <a:chExt cx="0" cy="0"/>
+        </a:xfrm>
+      </p:grpSpPr>
+      <p:sp>
+        <p:nvSpPr>
+          <p:cNvPr id="2" name="Título 1">
+            <a:extLst>
+              <a:ext uri="{FF2B5EF4-FFF2-40B4-BE49-F238E27FC236}">
+                <a16:creationId xmlns:a16="http://schemas.microsoft.com/office/drawing/2014/main" id="{435AFB6D-CAE7-BA31-6D16-DF43FA1155A8}"/>
+              </a:ext>
+            </a:extLst>
+          </p:cNvPr>
+          <p:cNvSpPr>
+            <a:spLocks noGrp="1"/>
+          </p:cNvSpPr>
+          <p:nvPr>
+            <p:ph type="title"/>
+          </p:nvPr>
+        </p:nvSpPr>
+        <p:spPr>
+          <a:xfrm>
+            <a:off x="1451578" y="966497"/>
+            <a:ext cx="9603275" cy="1049235"/>
+          </a:xfrm>
+        </p:spPr>
+        <p:txBody>
+          <a:bodyPr>
+            <a:normAutofit fontScale="90000"/>
+          </a:bodyPr>
+          <a:lstStyle/>
+          <a:p>
+            <a:r>
+              <a:rPr lang="es-ES" sz="2800" dirty="0"/>
+              <a:t>1.5. 1. WHICH </a:t>
+            </a:r>
+            <a:r>
+              <a:rPr lang="es-ES" sz="2800" dirty="0" err="1"/>
+              <a:t>insect</a:t>
+            </a:r>
+            <a:r>
+              <a:rPr lang="es-ES" sz="2800" dirty="0"/>
+              <a:t> </a:t>
+            </a:r>
+            <a:r>
+              <a:rPr lang="es-ES" sz="2800" dirty="0" err="1"/>
+              <a:t>repellent</a:t>
+            </a:r>
+            <a:r>
+              <a:rPr lang="es-ES" sz="2800" dirty="0"/>
+              <a:t> </a:t>
+            </a:r>
+            <a:r>
+              <a:rPr lang="es-ES" sz="2800" dirty="0" err="1"/>
+              <a:t>is</a:t>
+            </a:r>
+            <a:r>
+              <a:rPr lang="es-ES" sz="2800" dirty="0"/>
+              <a:t> more </a:t>
+            </a:r>
+            <a:r>
+              <a:rPr lang="es-ES" sz="2800" dirty="0" err="1"/>
+              <a:t>effective</a:t>
+            </a:r>
+            <a:r>
+              <a:rPr lang="es-ES" sz="2800" dirty="0"/>
+              <a:t> </a:t>
+            </a:r>
+            <a:r>
+              <a:rPr lang="es-ES" sz="2800" dirty="0" err="1"/>
+              <a:t>against</a:t>
+            </a:r>
+            <a:r>
+              <a:rPr lang="es-ES" sz="2800" dirty="0"/>
+              <a:t> </a:t>
+            </a:r>
+            <a:r>
+              <a:rPr lang="es-ES" sz="2800" dirty="0" err="1"/>
+              <a:t>philaenus</a:t>
+            </a:r>
+            <a:r>
+              <a:rPr lang="es-ES" sz="2800" dirty="0"/>
+              <a:t> </a:t>
+            </a:r>
+            <a:r>
+              <a:rPr lang="es-ES" sz="2800" dirty="0" err="1"/>
+              <a:t>spumarius</a:t>
+            </a:r>
+            <a:r>
+              <a:rPr lang="es-ES" sz="2800" dirty="0"/>
+              <a:t>? (</a:t>
+            </a:r>
+            <a:r>
+              <a:rPr lang="es-ES" sz="2800" dirty="0" err="1"/>
+              <a:t>variability</a:t>
+            </a:r>
+            <a:r>
+              <a:rPr lang="es-ES" sz="2800" dirty="0"/>
+              <a:t> </a:t>
+            </a:r>
+            <a:r>
+              <a:rPr lang="es-ES" sz="2800" dirty="0" err="1"/>
+              <a:t>between</a:t>
+            </a:r>
+            <a:r>
+              <a:rPr lang="es-ES" sz="2800" dirty="0"/>
+              <a:t> </a:t>
+            </a:r>
+            <a:r>
+              <a:rPr lang="es-ES" sz="2800" dirty="0" err="1"/>
+              <a:t>plots</a:t>
+            </a:r>
+            <a:r>
+              <a:rPr lang="es-ES" sz="2800" dirty="0"/>
+              <a:t>)</a:t>
+            </a:r>
+          </a:p>
+        </p:txBody>
+      </p:sp>
+      <p:sp>
+        <p:nvSpPr>
+          <p:cNvPr id="3" name="Marcador de contenido 2">
+            <a:extLst>
+              <a:ext uri="{FF2B5EF4-FFF2-40B4-BE49-F238E27FC236}">
+                <a16:creationId xmlns:a16="http://schemas.microsoft.com/office/drawing/2014/main" id="{571943F5-9A30-9901-EEDF-6B771F1AA3BA}"/>
+              </a:ext>
+            </a:extLst>
+          </p:cNvPr>
+          <p:cNvSpPr>
+            <a:spLocks noGrp="1"/>
+          </p:cNvSpPr>
+          <p:nvPr>
+            <p:ph idx="1"/>
+          </p:nvPr>
+        </p:nvSpPr>
+        <p:spPr/>
+        <p:txBody>
+          <a:bodyPr/>
+          <a:lstStyle/>
+          <a:p>
+            <a:endParaRPr lang="es-ES"/>
+          </a:p>
+        </p:txBody>
+      </p:sp>
+    </p:spTree>
+    <p:extLst>
+      <p:ext uri="{BB962C8B-B14F-4D97-AF65-F5344CB8AC3E}">
+        <p14:creationId xmlns:p14="http://schemas.microsoft.com/office/powerpoint/2010/main" val="2817751604"/>
+      </p:ext>
+    </p:extLst>
+  </p:cSld>
+  <p:clrMapOvr>
+    <a:masterClrMapping/>
+  </p:clrMapOvr>
+</p:sld>
+</file>
+
+<file path=ppt/slides/slide5.xml><?xml version="1.0" encoding="utf-8"?>
+<p:sld xmlns:a="http://schemas.openxmlformats.org/drawingml/2006/main" xmlns:r="http://schemas.openxmlformats.org/officeDocument/2006/relationships" xmlns:p="http://schemas.openxmlformats.org/presentationml/2006/main">
+  <p:cSld>
+    <p:spTree>
+      <p:nvGrpSpPr>
+        <p:cNvPr id="1" name=""/>
+        <p:cNvGrpSpPr/>
+        <p:nvPr/>
+      </p:nvGrpSpPr>
+      <p:grpSpPr>
+        <a:xfrm>
+          <a:off x="0" y="0"/>
+          <a:ext cx="0" cy="0"/>
+          <a:chOff x="0" y="0"/>
+          <a:chExt cx="0" cy="0"/>
+        </a:xfrm>
+      </p:grpSpPr>
+      <p:sp>
+        <p:nvSpPr>
+          <p:cNvPr id="2" name="Título 1">
+            <a:extLst>
+              <a:ext uri="{FF2B5EF4-FFF2-40B4-BE49-F238E27FC236}">
+                <a16:creationId xmlns:a16="http://schemas.microsoft.com/office/drawing/2014/main" id="{D3F6DECC-56BF-6FF1-A061-F5F4D8A2778F}"/>
+              </a:ext>
+            </a:extLst>
+          </p:cNvPr>
+          <p:cNvSpPr>
+            <a:spLocks noGrp="1"/>
+          </p:cNvSpPr>
+          <p:nvPr>
+            <p:ph type="title"/>
+          </p:nvPr>
+        </p:nvSpPr>
+        <p:spPr/>
+        <p:txBody>
+          <a:bodyPr/>
+          <a:lstStyle/>
+          <a:p>
+            <a:r>
+              <a:rPr lang="es-ES" dirty="0"/>
+              <a:t>2. </a:t>
+            </a:r>
+            <a:r>
+              <a:rPr lang="es-ES" dirty="0" err="1"/>
+              <a:t>Is</a:t>
+            </a:r>
+            <a:r>
+              <a:rPr lang="es-ES" dirty="0"/>
+              <a:t> </a:t>
+            </a:r>
+            <a:r>
+              <a:rPr lang="es-ES" dirty="0" err="1"/>
+              <a:t>it</a:t>
+            </a:r>
+            <a:r>
+              <a:rPr lang="es-ES" dirty="0"/>
+              <a:t> more </a:t>
+            </a:r>
+            <a:r>
+              <a:rPr lang="es-ES" dirty="0" err="1"/>
+              <a:t>efficient</a:t>
+            </a:r>
+            <a:r>
+              <a:rPr lang="es-ES" dirty="0"/>
+              <a:t> TO MAKE A FOLIAR APPLICATION OF A TREATMENT OR INJECT IT?</a:t>
+            </a:r>
+          </a:p>
+        </p:txBody>
+      </p:sp>
+      <p:sp>
+        <p:nvSpPr>
+          <p:cNvPr id="3" name="Marcador de contenido 2">
+            <a:extLst>
+              <a:ext uri="{FF2B5EF4-FFF2-40B4-BE49-F238E27FC236}">
+                <a16:creationId xmlns:a16="http://schemas.microsoft.com/office/drawing/2014/main" id="{F87A7F39-1AAA-C403-6194-E36BE7F9262A}"/>
+              </a:ext>
+            </a:extLst>
+          </p:cNvPr>
+          <p:cNvSpPr>
+            <a:spLocks noGrp="1"/>
+          </p:cNvSpPr>
+          <p:nvPr>
+            <p:ph idx="1"/>
+          </p:nvPr>
+        </p:nvSpPr>
+        <p:spPr/>
+        <p:txBody>
+          <a:bodyPr/>
+          <a:lstStyle/>
+          <a:p>
+            <a:endParaRPr lang="es-ES"/>
+          </a:p>
+        </p:txBody>
+      </p:sp>
+    </p:spTree>
+    <p:extLst>
+      <p:ext uri="{BB962C8B-B14F-4D97-AF65-F5344CB8AC3E}">
+        <p14:creationId xmlns:p14="http://schemas.microsoft.com/office/powerpoint/2010/main" val="1976488638"/>
+      </p:ext>
+    </p:extLst>
+  </p:cSld>
+  <p:clrMapOvr>
+    <a:masterClrMapping/>
+  </p:clrMapOvr>
+</p:sld>
+</file>
+
+<file path=ppt/slides/slide6.xml><?xml version="1.0" encoding="utf-8"?>
+<p:sld xmlns:a="http://schemas.openxmlformats.org/drawingml/2006/main" xmlns:r="http://schemas.openxmlformats.org/officeDocument/2006/relationships" xmlns:p="http://schemas.openxmlformats.org/presentationml/2006/main">
+  <p:cSld>
+    <p:spTree>
+      <p:nvGrpSpPr>
+        <p:cNvPr id="1" name="">
+          <a:extLst>
+            <a:ext uri="{FF2B5EF4-FFF2-40B4-BE49-F238E27FC236}">
+              <a16:creationId xmlns:a16="http://schemas.microsoft.com/office/drawing/2014/main" id="{7864BC69-A547-F9C3-F5CA-2E696BD3069E}"/>
+            </a:ext>
+          </a:extLst>
+        </p:cNvPr>
+        <p:cNvGrpSpPr/>
+        <p:nvPr/>
+      </p:nvGrpSpPr>
+      <p:grpSpPr>
+        <a:xfrm>
+          <a:off x="0" y="0"/>
+          <a:ext cx="0" cy="0"/>
+          <a:chOff x="0" y="0"/>
+          <a:chExt cx="0" cy="0"/>
+        </a:xfrm>
+      </p:grpSpPr>
+      <p:sp>
+        <p:nvSpPr>
+          <p:cNvPr id="2" name="Título 1">
+            <a:extLst>
+              <a:ext uri="{FF2B5EF4-FFF2-40B4-BE49-F238E27FC236}">
+                <a16:creationId xmlns:a16="http://schemas.microsoft.com/office/drawing/2014/main" id="{E1E326D2-0E2A-8538-5A13-E117BF12D10F}"/>
+              </a:ext>
+            </a:extLst>
+          </p:cNvPr>
+          <p:cNvSpPr>
+            <a:spLocks noGrp="1"/>
+          </p:cNvSpPr>
+          <p:nvPr>
+            <p:ph type="title"/>
+          </p:nvPr>
+        </p:nvSpPr>
+        <p:spPr/>
+        <p:txBody>
+          <a:bodyPr/>
+          <a:lstStyle/>
+          <a:p>
+            <a:r>
+              <a:rPr lang="es-ES" dirty="0"/>
+              <a:t>3. </a:t>
+            </a:r>
+            <a:r>
+              <a:rPr lang="es-ES" dirty="0" err="1"/>
+              <a:t>Is</a:t>
+            </a:r>
+            <a:r>
+              <a:rPr lang="es-ES" dirty="0"/>
+              <a:t> </a:t>
+            </a:r>
+            <a:r>
+              <a:rPr lang="es-ES" dirty="0" err="1"/>
+              <a:t>it</a:t>
+            </a:r>
+            <a:r>
+              <a:rPr lang="es-ES" dirty="0"/>
+              <a:t> </a:t>
+            </a:r>
+            <a:r>
+              <a:rPr lang="es-ES"/>
+              <a:t>more e56?</a:t>
+            </a:r>
+            <a:endParaRPr lang="es-ES" dirty="0"/>
+          </a:p>
+        </p:txBody>
+      </p:sp>
+      <p:sp>
+        <p:nvSpPr>
+          <p:cNvPr id="3" name="Marcador de contenido 2">
+            <a:extLst>
+              <a:ext uri="{FF2B5EF4-FFF2-40B4-BE49-F238E27FC236}">
+                <a16:creationId xmlns:a16="http://schemas.microsoft.com/office/drawing/2014/main" id="{1A1CDBEB-8836-9DA9-DF04-267AE0CA73D4}"/>
+              </a:ext>
+            </a:extLst>
+          </p:cNvPr>
+          <p:cNvSpPr>
+            <a:spLocks noGrp="1"/>
+          </p:cNvSpPr>
+          <p:nvPr>
+            <p:ph idx="1"/>
+          </p:nvPr>
+        </p:nvSpPr>
+        <p:spPr/>
+        <p:txBody>
+          <a:bodyPr/>
+          <a:lstStyle/>
+          <a:p>
+            <a:endParaRPr lang="es-ES"/>
+          </a:p>
+        </p:txBody>
+      </p:sp>
+    </p:spTree>
+    <p:extLst>
+      <p:ext uri="{BB962C8B-B14F-4D97-AF65-F5344CB8AC3E}">
+        <p14:creationId xmlns:p14="http://schemas.microsoft.com/office/powerpoint/2010/main" val="2293929668"/>
       </p:ext>
     </p:extLst>
   </p:cSld>

--- a/Actividad 3 (INSECTICIDAS EN ÁRBOLES)/PRESENTATION EFFICACY TREATMENT - DAVID VALCÁRCEL.pptx
+++ b/Actividad 3 (INSECTICIDAS EN ÁRBOLES)/PRESENTATION EFFICACY TREATMENT - DAVID VALCÁRCEL.pptx
@@ -2,15 +2,21 @@
 <file path=ppt/presentation.xml><?xml version="1.0" encoding="utf-8"?>
 <p:presentation xmlns:a="http://schemas.openxmlformats.org/drawingml/2006/main" xmlns:r="http://schemas.openxmlformats.org/officeDocument/2006/relationships" xmlns:p="http://schemas.openxmlformats.org/presentationml/2006/main" saveSubsetFonts="1">
   <p:sldMasterIdLst>
-    <p:sldMasterId id="2147483660" r:id="rId1"/>
+    <p:sldMasterId id="2147483684" r:id="rId1"/>
   </p:sldMasterIdLst>
   <p:sldIdLst>
     <p:sldId id="256" r:id="rId2"/>
     <p:sldId id="257" r:id="rId3"/>
-    <p:sldId id="258" r:id="rId4"/>
-    <p:sldId id="259" r:id="rId5"/>
-    <p:sldId id="260" r:id="rId6"/>
-    <p:sldId id="261" r:id="rId7"/>
+    <p:sldId id="262" r:id="rId4"/>
+    <p:sldId id="263" r:id="rId5"/>
+    <p:sldId id="266" r:id="rId6"/>
+    <p:sldId id="258" r:id="rId7"/>
+    <p:sldId id="268" r:id="rId8"/>
+    <p:sldId id="259" r:id="rId9"/>
+    <p:sldId id="260" r:id="rId10"/>
+    <p:sldId id="261" r:id="rId11"/>
+    <p:sldId id="264" r:id="rId12"/>
+    <p:sldId id="265" r:id="rId13"/>
   </p:sldIdLst>
   <p:sldSz cx="12192000" cy="6858000"/>
   <p:notesSz cx="6858000" cy="9144000"/>
@@ -118,7 +124,7 @@
 </file>
 
 <file path=ppt/slideLayouts/slideLayout1.xml><?xml version="1.0" encoding="utf-8"?>
-<p:sldLayout xmlns:a="http://schemas.openxmlformats.org/drawingml/2006/main" xmlns:r="http://schemas.openxmlformats.org/officeDocument/2006/relationships" xmlns:p="http://schemas.openxmlformats.org/presentationml/2006/main" type="title" preserve="1">
+<p:sldLayout xmlns:a="http://schemas.openxmlformats.org/drawingml/2006/main" xmlns:r="http://schemas.openxmlformats.org/officeDocument/2006/relationships" xmlns:p="http://schemas.openxmlformats.org/presentationml/2006/main" showMasterSp="0" type="title" preserve="1">
   <p:cSld name="Diapositiva de título">
     <p:spTree>
       <p:nvGrpSpPr>
@@ -134,6 +140,536 @@
           <a:chExt cx="0" cy="0"/>
         </a:xfrm>
       </p:grpSpPr>
+      <p:grpSp>
+        <p:nvGrpSpPr>
+          <p:cNvPr id="7" name="Group 6"/>
+          <p:cNvGrpSpPr/>
+          <p:nvPr/>
+        </p:nvGrpSpPr>
+        <p:grpSpPr>
+          <a:xfrm>
+            <a:off x="0" y="-8467"/>
+            <a:ext cx="12192000" cy="6866467"/>
+            <a:chOff x="0" y="-8467"/>
+            <a:chExt cx="12192000" cy="6866467"/>
+          </a:xfrm>
+        </p:grpSpPr>
+        <p:cxnSp>
+          <p:nvCxnSpPr>
+            <p:cNvPr id="32" name="Straight Connector 31"/>
+            <p:cNvCxnSpPr/>
+            <p:nvPr/>
+          </p:nvCxnSpPr>
+          <p:spPr>
+            <a:xfrm>
+              <a:off x="9371012" y="0"/>
+              <a:ext cx="1219200" cy="6858000"/>
+            </a:xfrm>
+            <a:prstGeom prst="line">
+              <a:avLst/>
+            </a:prstGeom>
+            <a:ln w="9525">
+              <a:solidFill>
+                <a:schemeClr val="bg1">
+                  <a:lumMod val="75000"/>
+                </a:schemeClr>
+              </a:solidFill>
+            </a:ln>
+          </p:spPr>
+          <p:style>
+            <a:lnRef idx="2">
+              <a:schemeClr val="accent1"/>
+            </a:lnRef>
+            <a:fillRef idx="0">
+              <a:schemeClr val="accent1"/>
+            </a:fillRef>
+            <a:effectRef idx="1">
+              <a:schemeClr val="accent1"/>
+            </a:effectRef>
+            <a:fontRef idx="minor">
+              <a:schemeClr val="tx1"/>
+            </a:fontRef>
+          </p:style>
+        </p:cxnSp>
+        <p:cxnSp>
+          <p:nvCxnSpPr>
+            <p:cNvPr id="21" name="Straight Connector 20"/>
+            <p:cNvCxnSpPr/>
+            <p:nvPr/>
+          </p:nvCxnSpPr>
+          <p:spPr>
+            <a:xfrm flipH="1">
+              <a:off x="7425267" y="3681413"/>
+              <a:ext cx="4763558" cy="3176587"/>
+            </a:xfrm>
+            <a:prstGeom prst="line">
+              <a:avLst/>
+            </a:prstGeom>
+            <a:ln w="9525">
+              <a:solidFill>
+                <a:schemeClr val="bg1">
+                  <a:lumMod val="85000"/>
+                </a:schemeClr>
+              </a:solidFill>
+            </a:ln>
+          </p:spPr>
+          <p:style>
+            <a:lnRef idx="2">
+              <a:schemeClr val="accent1"/>
+            </a:lnRef>
+            <a:fillRef idx="0">
+              <a:schemeClr val="accent1"/>
+            </a:fillRef>
+            <a:effectRef idx="1">
+              <a:schemeClr val="accent1"/>
+            </a:effectRef>
+            <a:fontRef idx="minor">
+              <a:schemeClr val="tx1"/>
+            </a:fontRef>
+          </p:style>
+        </p:cxnSp>
+        <p:sp>
+          <p:nvSpPr>
+            <p:cNvPr id="24" name="Rectangle 23"/>
+            <p:cNvSpPr/>
+            <p:nvPr/>
+          </p:nvSpPr>
+          <p:spPr>
+            <a:xfrm>
+              <a:off x="9181476" y="-8467"/>
+              <a:ext cx="3007349" cy="6866467"/>
+            </a:xfrm>
+            <a:custGeom>
+              <a:avLst/>
+              <a:gdLst/>
+              <a:ahLst/>
+              <a:cxnLst/>
+              <a:rect l="l" t="t" r="r" b="b"/>
+              <a:pathLst>
+                <a:path w="3007349" h="6866467">
+                  <a:moveTo>
+                    <a:pt x="2045532" y="0"/>
+                  </a:moveTo>
+                  <a:lnTo>
+                    <a:pt x="3007349" y="0"/>
+                  </a:lnTo>
+                  <a:lnTo>
+                    <a:pt x="3007349" y="6866467"/>
+                  </a:lnTo>
+                  <a:lnTo>
+                    <a:pt x="0" y="6866467"/>
+                  </a:lnTo>
+                  <a:lnTo>
+                    <a:pt x="2045532" y="0"/>
+                  </a:lnTo>
+                  <a:close/>
+                </a:path>
+              </a:pathLst>
+            </a:custGeom>
+            <a:solidFill>
+              <a:schemeClr val="accent1">
+                <a:alpha val="30000"/>
+              </a:schemeClr>
+            </a:solidFill>
+            <a:ln>
+              <a:noFill/>
+            </a:ln>
+            <a:effectLst/>
+          </p:spPr>
+          <p:style>
+            <a:lnRef idx="1">
+              <a:schemeClr val="accent1"/>
+            </a:lnRef>
+            <a:fillRef idx="3">
+              <a:schemeClr val="accent1"/>
+            </a:fillRef>
+            <a:effectRef idx="2">
+              <a:schemeClr val="accent1"/>
+            </a:effectRef>
+            <a:fontRef idx="minor">
+              <a:schemeClr val="lt1"/>
+            </a:fontRef>
+          </p:style>
+        </p:sp>
+        <p:sp>
+          <p:nvSpPr>
+            <p:cNvPr id="26" name="Rectangle 25"/>
+            <p:cNvSpPr/>
+            <p:nvPr/>
+          </p:nvSpPr>
+          <p:spPr>
+            <a:xfrm>
+              <a:off x="9603442" y="-8467"/>
+              <a:ext cx="2588558" cy="6866467"/>
+            </a:xfrm>
+            <a:custGeom>
+              <a:avLst/>
+              <a:gdLst/>
+              <a:ahLst/>
+              <a:cxnLst/>
+              <a:rect l="l" t="t" r="r" b="b"/>
+              <a:pathLst>
+                <a:path w="2573311" h="6866467">
+                  <a:moveTo>
+                    <a:pt x="0" y="0"/>
+                  </a:moveTo>
+                  <a:lnTo>
+                    <a:pt x="2573311" y="0"/>
+                  </a:lnTo>
+                  <a:lnTo>
+                    <a:pt x="2573311" y="6866467"/>
+                  </a:lnTo>
+                  <a:lnTo>
+                    <a:pt x="1202336" y="6866467"/>
+                  </a:lnTo>
+                  <a:lnTo>
+                    <a:pt x="0" y="0"/>
+                  </a:lnTo>
+                  <a:close/>
+                </a:path>
+              </a:pathLst>
+            </a:custGeom>
+            <a:solidFill>
+              <a:schemeClr val="accent1">
+                <a:alpha val="20000"/>
+              </a:schemeClr>
+            </a:solidFill>
+            <a:ln>
+              <a:noFill/>
+            </a:ln>
+            <a:effectLst/>
+          </p:spPr>
+          <p:style>
+            <a:lnRef idx="1">
+              <a:schemeClr val="accent1"/>
+            </a:lnRef>
+            <a:fillRef idx="3">
+              <a:schemeClr val="accent1"/>
+            </a:fillRef>
+            <a:effectRef idx="2">
+              <a:schemeClr val="accent1"/>
+            </a:effectRef>
+            <a:fontRef idx="minor">
+              <a:schemeClr val="lt1"/>
+            </a:fontRef>
+          </p:style>
+        </p:sp>
+        <p:sp>
+          <p:nvSpPr>
+            <p:cNvPr id="27" name="Isosceles Triangle 26"/>
+            <p:cNvSpPr/>
+            <p:nvPr/>
+          </p:nvSpPr>
+          <p:spPr>
+            <a:xfrm>
+              <a:off x="8932333" y="3048000"/>
+              <a:ext cx="3259667" cy="3810000"/>
+            </a:xfrm>
+            <a:prstGeom prst="triangle">
+              <a:avLst>
+                <a:gd name="adj" fmla="val 100000"/>
+              </a:avLst>
+            </a:prstGeom>
+            <a:solidFill>
+              <a:schemeClr val="accent2">
+                <a:alpha val="72000"/>
+              </a:schemeClr>
+            </a:solidFill>
+            <a:ln>
+              <a:noFill/>
+            </a:ln>
+            <a:effectLst/>
+          </p:spPr>
+          <p:style>
+            <a:lnRef idx="1">
+              <a:schemeClr val="accent1"/>
+            </a:lnRef>
+            <a:fillRef idx="3">
+              <a:schemeClr val="accent1"/>
+            </a:fillRef>
+            <a:effectRef idx="2">
+              <a:schemeClr val="accent1"/>
+            </a:effectRef>
+            <a:fontRef idx="minor">
+              <a:schemeClr val="lt1"/>
+            </a:fontRef>
+          </p:style>
+        </p:sp>
+        <p:sp>
+          <p:nvSpPr>
+            <p:cNvPr id="28" name="Rectangle 27"/>
+            <p:cNvSpPr/>
+            <p:nvPr/>
+          </p:nvSpPr>
+          <p:spPr>
+            <a:xfrm>
+              <a:off x="9334500" y="-8467"/>
+              <a:ext cx="2854326" cy="6866467"/>
+            </a:xfrm>
+            <a:custGeom>
+              <a:avLst/>
+              <a:gdLst/>
+              <a:ahLst/>
+              <a:cxnLst/>
+              <a:rect l="l" t="t" r="r" b="b"/>
+              <a:pathLst>
+                <a:path w="2858013" h="6866467">
+                  <a:moveTo>
+                    <a:pt x="0" y="0"/>
+                  </a:moveTo>
+                  <a:lnTo>
+                    <a:pt x="2858013" y="0"/>
+                  </a:lnTo>
+                  <a:lnTo>
+                    <a:pt x="2858013" y="6866467"/>
+                  </a:lnTo>
+                  <a:lnTo>
+                    <a:pt x="2473942" y="6866467"/>
+                  </a:lnTo>
+                  <a:lnTo>
+                    <a:pt x="0" y="0"/>
+                  </a:lnTo>
+                  <a:close/>
+                </a:path>
+              </a:pathLst>
+            </a:custGeom>
+            <a:solidFill>
+              <a:schemeClr val="accent2">
+                <a:lumMod val="75000"/>
+                <a:alpha val="70000"/>
+              </a:schemeClr>
+            </a:solidFill>
+            <a:ln>
+              <a:noFill/>
+            </a:ln>
+            <a:effectLst/>
+          </p:spPr>
+          <p:style>
+            <a:lnRef idx="1">
+              <a:schemeClr val="accent1"/>
+            </a:lnRef>
+            <a:fillRef idx="3">
+              <a:schemeClr val="accent1"/>
+            </a:fillRef>
+            <a:effectRef idx="2">
+              <a:schemeClr val="accent1"/>
+            </a:effectRef>
+            <a:fontRef idx="minor">
+              <a:schemeClr val="lt1"/>
+            </a:fontRef>
+          </p:style>
+        </p:sp>
+        <p:sp>
+          <p:nvSpPr>
+            <p:cNvPr id="29" name="Rectangle 28"/>
+            <p:cNvSpPr/>
+            <p:nvPr/>
+          </p:nvSpPr>
+          <p:spPr>
+            <a:xfrm>
+              <a:off x="10898730" y="-8467"/>
+              <a:ext cx="1290094" cy="6866467"/>
+            </a:xfrm>
+            <a:custGeom>
+              <a:avLst/>
+              <a:gdLst/>
+              <a:ahLst/>
+              <a:cxnLst/>
+              <a:rect l="l" t="t" r="r" b="b"/>
+              <a:pathLst>
+                <a:path w="1290094" h="6858000">
+                  <a:moveTo>
+                    <a:pt x="1019735" y="0"/>
+                  </a:moveTo>
+                  <a:lnTo>
+                    <a:pt x="1290094" y="0"/>
+                  </a:lnTo>
+                  <a:lnTo>
+                    <a:pt x="1290094" y="6858000"/>
+                  </a:lnTo>
+                  <a:lnTo>
+                    <a:pt x="0" y="6858000"/>
+                  </a:lnTo>
+                  <a:lnTo>
+                    <a:pt x="1019735" y="0"/>
+                  </a:lnTo>
+                  <a:close/>
+                </a:path>
+              </a:pathLst>
+            </a:custGeom>
+            <a:solidFill>
+              <a:schemeClr val="accent1">
+                <a:lumMod val="60000"/>
+                <a:lumOff val="40000"/>
+                <a:alpha val="70000"/>
+              </a:schemeClr>
+            </a:solidFill>
+            <a:ln>
+              <a:noFill/>
+            </a:ln>
+            <a:effectLst/>
+          </p:spPr>
+          <p:style>
+            <a:lnRef idx="1">
+              <a:schemeClr val="accent1"/>
+            </a:lnRef>
+            <a:fillRef idx="3">
+              <a:schemeClr val="accent1"/>
+            </a:fillRef>
+            <a:effectRef idx="2">
+              <a:schemeClr val="accent1"/>
+            </a:effectRef>
+            <a:fontRef idx="minor">
+              <a:schemeClr val="lt1"/>
+            </a:fontRef>
+          </p:style>
+        </p:sp>
+        <p:sp>
+          <p:nvSpPr>
+            <p:cNvPr id="30" name="Rectangle 29"/>
+            <p:cNvSpPr/>
+            <p:nvPr/>
+          </p:nvSpPr>
+          <p:spPr>
+            <a:xfrm>
+              <a:off x="10938999" y="-8467"/>
+              <a:ext cx="1249825" cy="6866467"/>
+            </a:xfrm>
+            <a:custGeom>
+              <a:avLst/>
+              <a:gdLst/>
+              <a:ahLst/>
+              <a:cxnLst/>
+              <a:rect l="l" t="t" r="r" b="b"/>
+              <a:pathLst>
+                <a:path w="1249825" h="6858000">
+                  <a:moveTo>
+                    <a:pt x="0" y="0"/>
+                  </a:moveTo>
+                  <a:lnTo>
+                    <a:pt x="1249825" y="0"/>
+                  </a:lnTo>
+                  <a:lnTo>
+                    <a:pt x="1249825" y="6858000"/>
+                  </a:lnTo>
+                  <a:lnTo>
+                    <a:pt x="1109382" y="6858000"/>
+                  </a:lnTo>
+                  <a:lnTo>
+                    <a:pt x="0" y="0"/>
+                  </a:lnTo>
+                  <a:close/>
+                </a:path>
+              </a:pathLst>
+            </a:custGeom>
+            <a:solidFill>
+              <a:schemeClr val="accent1">
+                <a:alpha val="65000"/>
+              </a:schemeClr>
+            </a:solidFill>
+            <a:ln>
+              <a:noFill/>
+            </a:ln>
+            <a:effectLst/>
+          </p:spPr>
+          <p:style>
+            <a:lnRef idx="1">
+              <a:schemeClr val="accent1"/>
+            </a:lnRef>
+            <a:fillRef idx="3">
+              <a:schemeClr val="accent1"/>
+            </a:fillRef>
+            <a:effectRef idx="2">
+              <a:schemeClr val="accent1"/>
+            </a:effectRef>
+            <a:fontRef idx="minor">
+              <a:schemeClr val="lt1"/>
+            </a:fontRef>
+          </p:style>
+        </p:sp>
+        <p:sp>
+          <p:nvSpPr>
+            <p:cNvPr id="31" name="Isosceles Triangle 30"/>
+            <p:cNvSpPr/>
+            <p:nvPr/>
+          </p:nvSpPr>
+          <p:spPr>
+            <a:xfrm>
+              <a:off x="10371666" y="3589867"/>
+              <a:ext cx="1817159" cy="3268133"/>
+            </a:xfrm>
+            <a:prstGeom prst="triangle">
+              <a:avLst>
+                <a:gd name="adj" fmla="val 100000"/>
+              </a:avLst>
+            </a:prstGeom>
+            <a:solidFill>
+              <a:schemeClr val="accent1">
+                <a:alpha val="80000"/>
+              </a:schemeClr>
+            </a:solidFill>
+            <a:ln>
+              <a:noFill/>
+            </a:ln>
+            <a:effectLst/>
+          </p:spPr>
+          <p:style>
+            <a:lnRef idx="1">
+              <a:schemeClr val="accent1"/>
+            </a:lnRef>
+            <a:fillRef idx="3">
+              <a:schemeClr val="accent1"/>
+            </a:fillRef>
+            <a:effectRef idx="2">
+              <a:schemeClr val="accent1"/>
+            </a:effectRef>
+            <a:fontRef idx="minor">
+              <a:schemeClr val="lt1"/>
+            </a:fontRef>
+          </p:style>
+        </p:sp>
+        <p:sp>
+          <p:nvSpPr>
+            <p:cNvPr id="19" name="Isosceles Triangle 18"/>
+            <p:cNvSpPr/>
+            <p:nvPr/>
+          </p:nvSpPr>
+          <p:spPr>
+            <a:xfrm rot="10800000">
+              <a:off x="0" y="0"/>
+              <a:ext cx="842596" cy="5666154"/>
+            </a:xfrm>
+            <a:prstGeom prst="triangle">
+              <a:avLst>
+                <a:gd name="adj" fmla="val 100000"/>
+              </a:avLst>
+            </a:prstGeom>
+            <a:solidFill>
+              <a:schemeClr val="accent1">
+                <a:alpha val="85000"/>
+              </a:schemeClr>
+            </a:solidFill>
+            <a:ln>
+              <a:noFill/>
+            </a:ln>
+            <a:effectLst/>
+          </p:spPr>
+          <p:style>
+            <a:lnRef idx="1">
+              <a:schemeClr val="accent1"/>
+            </a:lnRef>
+            <a:fillRef idx="3">
+              <a:schemeClr val="accent1"/>
+            </a:fillRef>
+            <a:effectRef idx="2">
+              <a:schemeClr val="accent1"/>
+            </a:effectRef>
+            <a:fontRef idx="minor">
+              <a:schemeClr val="lt1"/>
+            </a:fontRef>
+          </p:style>
+        </p:sp>
+      </p:grpSp>
       <p:sp>
         <p:nvSpPr>
           <p:cNvPr id="2" name="Title 1"/>
@@ -146,17 +682,21 @@
         </p:nvSpPr>
         <p:spPr>
           <a:xfrm>
-            <a:off x="2417779" y="802298"/>
-            <a:ext cx="8637073" cy="2541431"/>
+            <a:off x="1507067" y="2404534"/>
+            <a:ext cx="7766936" cy="1646302"/>
           </a:xfrm>
         </p:spPr>
         <p:txBody>
-          <a:bodyPr bIns="0" anchor="b">
-            <a:normAutofit/>
+          <a:bodyPr anchor="b">
+            <a:noAutofit/>
           </a:bodyPr>
           <a:lstStyle>
-            <a:lvl1pPr algn="l">
-              <a:defRPr sz="6600"/>
+            <a:lvl1pPr algn="r">
+              <a:defRPr sz="5400">
+                <a:solidFill>
+                  <a:schemeClr val="accent1"/>
+                </a:solidFill>
+              </a:defRPr>
             </a:lvl1pPr>
           </a:lstStyle>
           <a:p>
@@ -180,54 +720,103 @@
         </p:nvSpPr>
         <p:spPr>
           <a:xfrm>
-            <a:off x="2417780" y="3531204"/>
-            <a:ext cx="8637072" cy="977621"/>
+            <a:off x="1507067" y="4050833"/>
+            <a:ext cx="7766936" cy="1096899"/>
           </a:xfrm>
         </p:spPr>
         <p:txBody>
-          <a:bodyPr tIns="91440" bIns="91440">
-            <a:normAutofit/>
-          </a:bodyPr>
+          <a:bodyPr anchor="t"/>
           <a:lstStyle>
-            <a:lvl1pPr marL="0" indent="0" algn="l">
-              <a:buNone/>
-              <a:defRPr sz="1800" b="0" cap="all" baseline="0">
+            <a:lvl1pPr marL="0" indent="0" algn="r">
+              <a:buNone/>
+              <a:defRPr>
                 <a:solidFill>
-                  <a:schemeClr val="tx1"/>
+                  <a:schemeClr val="tx1">
+                    <a:lumMod val="50000"/>
+                    <a:lumOff val="50000"/>
+                  </a:schemeClr>
                 </a:solidFill>
               </a:defRPr>
             </a:lvl1pPr>
             <a:lvl2pPr marL="457200" indent="0" algn="ctr">
               <a:buNone/>
-              <a:defRPr sz="1800"/>
+              <a:defRPr>
+                <a:solidFill>
+                  <a:schemeClr val="tx1">
+                    <a:tint val="75000"/>
+                  </a:schemeClr>
+                </a:solidFill>
+              </a:defRPr>
             </a:lvl2pPr>
             <a:lvl3pPr marL="914400" indent="0" algn="ctr">
               <a:buNone/>
-              <a:defRPr sz="1800"/>
+              <a:defRPr>
+                <a:solidFill>
+                  <a:schemeClr val="tx1">
+                    <a:tint val="75000"/>
+                  </a:schemeClr>
+                </a:solidFill>
+              </a:defRPr>
             </a:lvl3pPr>
             <a:lvl4pPr marL="1371600" indent="0" algn="ctr">
               <a:buNone/>
-              <a:defRPr sz="1600"/>
+              <a:defRPr>
+                <a:solidFill>
+                  <a:schemeClr val="tx1">
+                    <a:tint val="75000"/>
+                  </a:schemeClr>
+                </a:solidFill>
+              </a:defRPr>
             </a:lvl4pPr>
             <a:lvl5pPr marL="1828800" indent="0" algn="ctr">
               <a:buNone/>
-              <a:defRPr sz="1600"/>
+              <a:defRPr>
+                <a:solidFill>
+                  <a:schemeClr val="tx1">
+                    <a:tint val="75000"/>
+                  </a:schemeClr>
+                </a:solidFill>
+              </a:defRPr>
             </a:lvl5pPr>
             <a:lvl6pPr marL="2286000" indent="0" algn="ctr">
               <a:buNone/>
-              <a:defRPr sz="1600"/>
+              <a:defRPr>
+                <a:solidFill>
+                  <a:schemeClr val="tx1">
+                    <a:tint val="75000"/>
+                  </a:schemeClr>
+                </a:solidFill>
+              </a:defRPr>
             </a:lvl6pPr>
             <a:lvl7pPr marL="2743200" indent="0" algn="ctr">
               <a:buNone/>
-              <a:defRPr sz="1600"/>
+              <a:defRPr>
+                <a:solidFill>
+                  <a:schemeClr val="tx1">
+                    <a:tint val="75000"/>
+                  </a:schemeClr>
+                </a:solidFill>
+              </a:defRPr>
             </a:lvl7pPr>
             <a:lvl8pPr marL="3200400" indent="0" algn="ctr">
               <a:buNone/>
-              <a:defRPr sz="1600"/>
+              <a:defRPr>
+                <a:solidFill>
+                  <a:schemeClr val="tx1">
+                    <a:tint val="75000"/>
+                  </a:schemeClr>
+                </a:solidFill>
+              </a:defRPr>
             </a:lvl8pPr>
             <a:lvl9pPr marL="3657600" indent="0" algn="ctr">
               <a:buNone/>
-              <a:defRPr sz="1600"/>
+              <a:defRPr>
+                <a:solidFill>
+                  <a:schemeClr val="tx1">
+                    <a:tint val="75000"/>
+                  </a:schemeClr>
+                </a:solidFill>
+              </a:defRPr>
             </a:lvl9pPr>
           </a:lstStyle>
           <a:p>
@@ -256,7 +845,7 @@
           <a:p>
             <a:fld id="{6AF85D1D-B2D2-42D7-B1AD-D2C733C17524}" type="datetimeFigureOut">
               <a:rPr lang="es-ES" smtClean="0"/>
-              <a:t>23/07/2025</a:t>
+              <a:t>25/07/2025</a:t>
             </a:fld>
             <a:endParaRPr lang="es-ES"/>
           </a:p>
@@ -272,12 +861,7 @@
             <p:ph type="ftr" sz="quarter" idx="11"/>
           </p:nvPr>
         </p:nvSpPr>
-        <p:spPr>
-          <a:xfrm>
-            <a:off x="2416500" y="329307"/>
-            <a:ext cx="4973915" cy="309201"/>
-          </a:xfrm>
-        </p:spPr>
+        <p:spPr/>
         <p:txBody>
           <a:bodyPr/>
           <a:lstStyle/>
@@ -296,12 +880,7 @@
             <p:ph type="sldNum" sz="quarter" idx="12"/>
           </p:nvPr>
         </p:nvSpPr>
-        <p:spPr>
-          <a:xfrm>
-            <a:off x="1437664" y="798973"/>
-            <a:ext cx="811019" cy="503578"/>
-          </a:xfrm>
-        </p:spPr>
+        <p:spPr/>
         <p:txBody>
           <a:bodyPr/>
           <a:lstStyle/>
@@ -314,41 +893,10 @@
           </a:p>
         </p:txBody>
       </p:sp>
-      <p:cxnSp>
-        <p:nvCxnSpPr>
-          <p:cNvPr id="15" name="Straight Connector 14"/>
-          <p:cNvCxnSpPr/>
-          <p:nvPr/>
-        </p:nvCxnSpPr>
-        <p:spPr>
-          <a:xfrm>
-            <a:off x="2417780" y="3528542"/>
-            <a:ext cx="8637072" cy="0"/>
-          </a:xfrm>
-          <a:prstGeom prst="line">
-            <a:avLst/>
-          </a:prstGeom>
-          <a:ln w="31750"/>
-        </p:spPr>
-        <p:style>
-          <a:lnRef idx="3">
-            <a:schemeClr val="accent1"/>
-          </a:lnRef>
-          <a:fillRef idx="0">
-            <a:schemeClr val="accent1"/>
-          </a:fillRef>
-          <a:effectRef idx="2">
-            <a:schemeClr val="accent1"/>
-          </a:effectRef>
-          <a:fontRef idx="minor">
-            <a:schemeClr val="tx1"/>
-          </a:fontRef>
-        </p:style>
-      </p:cxnSp>
     </p:spTree>
     <p:extLst>
       <p:ext uri="{BB962C8B-B14F-4D97-AF65-F5344CB8AC3E}">
-        <p14:creationId xmlns:p14="http://schemas.microsoft.com/office/powerpoint/2010/main" val="3795168802"/>
+        <p14:creationId xmlns:p14="http://schemas.microsoft.com/office/powerpoint/2010/main" val="567894564"/>
       </p:ext>
     </p:extLst>
   </p:cSld>
@@ -359,6 +907,1619 @@
 </file>
 
 <file path=ppt/slideLayouts/slideLayout10.xml><?xml version="1.0" encoding="utf-8"?>
+<p:sldLayout xmlns:a="http://schemas.openxmlformats.org/drawingml/2006/main" xmlns:r="http://schemas.openxmlformats.org/officeDocument/2006/relationships" xmlns:p="http://schemas.openxmlformats.org/presentationml/2006/main" preserve="1">
+  <p:cSld name="Título y descripción">
+    <p:spTree>
+      <p:nvGrpSpPr>
+        <p:cNvPr id="1" name=""/>
+        <p:cNvGrpSpPr/>
+        <p:nvPr/>
+      </p:nvGrpSpPr>
+      <p:grpSpPr>
+        <a:xfrm>
+          <a:off x="0" y="0"/>
+          <a:ext cx="0" cy="0"/>
+          <a:chOff x="0" y="0"/>
+          <a:chExt cx="0" cy="0"/>
+        </a:xfrm>
+      </p:grpSpPr>
+      <p:sp>
+        <p:nvSpPr>
+          <p:cNvPr id="2" name="Title 1"/>
+          <p:cNvSpPr>
+            <a:spLocks noGrp="1"/>
+          </p:cNvSpPr>
+          <p:nvPr>
+            <p:ph type="title"/>
+          </p:nvPr>
+        </p:nvSpPr>
+        <p:spPr>
+          <a:xfrm>
+            <a:off x="677335" y="609600"/>
+            <a:ext cx="8596668" cy="3403600"/>
+          </a:xfrm>
+        </p:spPr>
+        <p:txBody>
+          <a:bodyPr anchor="ctr">
+            <a:normAutofit/>
+          </a:bodyPr>
+          <a:lstStyle>
+            <a:lvl1pPr algn="l">
+              <a:defRPr sz="4400" b="0" cap="none"/>
+            </a:lvl1pPr>
+          </a:lstStyle>
+          <a:p>
+            <a:r>
+              <a:rPr lang="es-ES"/>
+              <a:t>Haga clic para modificar el estilo de título del patrón</a:t>
+            </a:r>
+            <a:endParaRPr lang="en-US" dirty="0"/>
+          </a:p>
+        </p:txBody>
+      </p:sp>
+      <p:sp>
+        <p:nvSpPr>
+          <p:cNvPr id="3" name="Text Placeholder 2"/>
+          <p:cNvSpPr>
+            <a:spLocks noGrp="1"/>
+          </p:cNvSpPr>
+          <p:nvPr>
+            <p:ph type="body" idx="1"/>
+          </p:nvPr>
+        </p:nvSpPr>
+        <p:spPr>
+          <a:xfrm>
+            <a:off x="677335" y="4470400"/>
+            <a:ext cx="8596668" cy="1570962"/>
+          </a:xfrm>
+        </p:spPr>
+        <p:txBody>
+          <a:bodyPr anchor="ctr">
+            <a:normAutofit/>
+          </a:bodyPr>
+          <a:lstStyle>
+            <a:lvl1pPr marL="0" indent="0" algn="l">
+              <a:buNone/>
+              <a:defRPr sz="1800">
+                <a:solidFill>
+                  <a:schemeClr val="tx1">
+                    <a:lumMod val="75000"/>
+                    <a:lumOff val="25000"/>
+                  </a:schemeClr>
+                </a:solidFill>
+              </a:defRPr>
+            </a:lvl1pPr>
+            <a:lvl2pPr marL="457200" indent="0">
+              <a:buNone/>
+              <a:defRPr sz="1800">
+                <a:solidFill>
+                  <a:schemeClr val="tx1">
+                    <a:tint val="75000"/>
+                  </a:schemeClr>
+                </a:solidFill>
+              </a:defRPr>
+            </a:lvl2pPr>
+            <a:lvl3pPr marL="914400" indent="0">
+              <a:buNone/>
+              <a:defRPr sz="1600">
+                <a:solidFill>
+                  <a:schemeClr val="tx1">
+                    <a:tint val="75000"/>
+                  </a:schemeClr>
+                </a:solidFill>
+              </a:defRPr>
+            </a:lvl3pPr>
+            <a:lvl4pPr marL="1371600" indent="0">
+              <a:buNone/>
+              <a:defRPr sz="1400">
+                <a:solidFill>
+                  <a:schemeClr val="tx1">
+                    <a:tint val="75000"/>
+                  </a:schemeClr>
+                </a:solidFill>
+              </a:defRPr>
+            </a:lvl4pPr>
+            <a:lvl5pPr marL="1828800" indent="0">
+              <a:buNone/>
+              <a:defRPr sz="1400">
+                <a:solidFill>
+                  <a:schemeClr val="tx1">
+                    <a:tint val="75000"/>
+                  </a:schemeClr>
+                </a:solidFill>
+              </a:defRPr>
+            </a:lvl5pPr>
+            <a:lvl6pPr marL="2286000" indent="0">
+              <a:buNone/>
+              <a:defRPr sz="1400">
+                <a:solidFill>
+                  <a:schemeClr val="tx1">
+                    <a:tint val="75000"/>
+                  </a:schemeClr>
+                </a:solidFill>
+              </a:defRPr>
+            </a:lvl6pPr>
+            <a:lvl7pPr marL="2743200" indent="0">
+              <a:buNone/>
+              <a:defRPr sz="1400">
+                <a:solidFill>
+                  <a:schemeClr val="tx1">
+                    <a:tint val="75000"/>
+                  </a:schemeClr>
+                </a:solidFill>
+              </a:defRPr>
+            </a:lvl7pPr>
+            <a:lvl8pPr marL="3200400" indent="0">
+              <a:buNone/>
+              <a:defRPr sz="1400">
+                <a:solidFill>
+                  <a:schemeClr val="tx1">
+                    <a:tint val="75000"/>
+                  </a:schemeClr>
+                </a:solidFill>
+              </a:defRPr>
+            </a:lvl8pPr>
+            <a:lvl9pPr marL="3657600" indent="0">
+              <a:buNone/>
+              <a:defRPr sz="1400">
+                <a:solidFill>
+                  <a:schemeClr val="tx1">
+                    <a:tint val="75000"/>
+                  </a:schemeClr>
+                </a:solidFill>
+              </a:defRPr>
+            </a:lvl9pPr>
+          </a:lstStyle>
+          <a:p>
+            <a:pPr lvl="0"/>
+            <a:r>
+              <a:rPr lang="es-ES"/>
+              <a:t>Haga clic para modificar los estilos de texto del patrón</a:t>
+            </a:r>
+          </a:p>
+        </p:txBody>
+      </p:sp>
+      <p:sp>
+        <p:nvSpPr>
+          <p:cNvPr id="4" name="Date Placeholder 3"/>
+          <p:cNvSpPr>
+            <a:spLocks noGrp="1"/>
+          </p:cNvSpPr>
+          <p:nvPr>
+            <p:ph type="dt" sz="half" idx="10"/>
+          </p:nvPr>
+        </p:nvSpPr>
+        <p:spPr/>
+        <p:txBody>
+          <a:bodyPr/>
+          <a:lstStyle/>
+          <a:p>
+            <a:fld id="{6AF85D1D-B2D2-42D7-B1AD-D2C733C17524}" type="datetimeFigureOut">
+              <a:rPr lang="es-ES" smtClean="0"/>
+              <a:t>25/07/2025</a:t>
+            </a:fld>
+            <a:endParaRPr lang="es-ES"/>
+          </a:p>
+        </p:txBody>
+      </p:sp>
+      <p:sp>
+        <p:nvSpPr>
+          <p:cNvPr id="5" name="Footer Placeholder 4"/>
+          <p:cNvSpPr>
+            <a:spLocks noGrp="1"/>
+          </p:cNvSpPr>
+          <p:nvPr>
+            <p:ph type="ftr" sz="quarter" idx="11"/>
+          </p:nvPr>
+        </p:nvSpPr>
+        <p:spPr/>
+        <p:txBody>
+          <a:bodyPr/>
+          <a:lstStyle/>
+          <a:p>
+            <a:endParaRPr lang="es-ES"/>
+          </a:p>
+        </p:txBody>
+      </p:sp>
+      <p:sp>
+        <p:nvSpPr>
+          <p:cNvPr id="6" name="Slide Number Placeholder 5"/>
+          <p:cNvSpPr>
+            <a:spLocks noGrp="1"/>
+          </p:cNvSpPr>
+          <p:nvPr>
+            <p:ph type="sldNum" sz="quarter" idx="12"/>
+          </p:nvPr>
+        </p:nvSpPr>
+        <p:spPr/>
+        <p:txBody>
+          <a:bodyPr/>
+          <a:lstStyle/>
+          <a:p>
+            <a:fld id="{DB401DC3-F7B5-4482-857B-2E500A5287D7}" type="slidenum">
+              <a:rPr lang="es-ES" smtClean="0"/>
+              <a:t>‹Nº›</a:t>
+            </a:fld>
+            <a:endParaRPr lang="es-ES"/>
+          </a:p>
+        </p:txBody>
+      </p:sp>
+    </p:spTree>
+    <p:extLst>
+      <p:ext uri="{BB962C8B-B14F-4D97-AF65-F5344CB8AC3E}">
+        <p14:creationId xmlns:p14="http://schemas.microsoft.com/office/powerpoint/2010/main" val="1668827261"/>
+      </p:ext>
+    </p:extLst>
+  </p:cSld>
+  <p:clrMapOvr>
+    <a:masterClrMapping/>
+  </p:clrMapOvr>
+</p:sldLayout>
+</file>
+
+<file path=ppt/slideLayouts/slideLayout11.xml><?xml version="1.0" encoding="utf-8"?>
+<p:sldLayout xmlns:a="http://schemas.openxmlformats.org/drawingml/2006/main" xmlns:r="http://schemas.openxmlformats.org/officeDocument/2006/relationships" xmlns:p="http://schemas.openxmlformats.org/presentationml/2006/main" preserve="1">
+  <p:cSld name="Cita con descripción">
+    <p:spTree>
+      <p:nvGrpSpPr>
+        <p:cNvPr id="1" name=""/>
+        <p:cNvGrpSpPr/>
+        <p:nvPr/>
+      </p:nvGrpSpPr>
+      <p:grpSpPr>
+        <a:xfrm>
+          <a:off x="0" y="0"/>
+          <a:ext cx="0" cy="0"/>
+          <a:chOff x="0" y="0"/>
+          <a:chExt cx="0" cy="0"/>
+        </a:xfrm>
+      </p:grpSpPr>
+      <p:sp>
+        <p:nvSpPr>
+          <p:cNvPr id="2" name="Title 1"/>
+          <p:cNvSpPr>
+            <a:spLocks noGrp="1"/>
+          </p:cNvSpPr>
+          <p:nvPr>
+            <p:ph type="title"/>
+          </p:nvPr>
+        </p:nvSpPr>
+        <p:spPr>
+          <a:xfrm>
+            <a:off x="931334" y="609600"/>
+            <a:ext cx="8094134" cy="3022600"/>
+          </a:xfrm>
+        </p:spPr>
+        <p:txBody>
+          <a:bodyPr anchor="ctr">
+            <a:normAutofit/>
+          </a:bodyPr>
+          <a:lstStyle>
+            <a:lvl1pPr algn="l">
+              <a:defRPr sz="4400" b="0" cap="none"/>
+            </a:lvl1pPr>
+          </a:lstStyle>
+          <a:p>
+            <a:r>
+              <a:rPr lang="es-ES"/>
+              <a:t>Haga clic para modificar el estilo de título del patrón</a:t>
+            </a:r>
+            <a:endParaRPr lang="en-US" dirty="0"/>
+          </a:p>
+        </p:txBody>
+      </p:sp>
+      <p:sp>
+        <p:nvSpPr>
+          <p:cNvPr id="23" name="Text Placeholder 9"/>
+          <p:cNvSpPr>
+            <a:spLocks noGrp="1"/>
+          </p:cNvSpPr>
+          <p:nvPr>
+            <p:ph type="body" sz="quarter" idx="13"/>
+          </p:nvPr>
+        </p:nvSpPr>
+        <p:spPr>
+          <a:xfrm>
+            <a:off x="1366139" y="3632200"/>
+            <a:ext cx="7224524" cy="381000"/>
+          </a:xfrm>
+        </p:spPr>
+        <p:txBody>
+          <a:bodyPr anchor="ctr">
+            <a:noAutofit/>
+          </a:bodyPr>
+          <a:lstStyle>
+            <a:lvl1pPr marL="0" indent="0">
+              <a:buFontTx/>
+              <a:buNone/>
+              <a:defRPr sz="1600">
+                <a:solidFill>
+                  <a:schemeClr val="tx1">
+                    <a:lumMod val="50000"/>
+                    <a:lumOff val="50000"/>
+                  </a:schemeClr>
+                </a:solidFill>
+              </a:defRPr>
+            </a:lvl1pPr>
+            <a:lvl2pPr marL="457200" indent="0">
+              <a:buFontTx/>
+              <a:buNone/>
+              <a:defRPr/>
+            </a:lvl2pPr>
+            <a:lvl3pPr marL="914400" indent="0">
+              <a:buFontTx/>
+              <a:buNone/>
+              <a:defRPr/>
+            </a:lvl3pPr>
+            <a:lvl4pPr marL="1371600" indent="0">
+              <a:buFontTx/>
+              <a:buNone/>
+              <a:defRPr/>
+            </a:lvl4pPr>
+            <a:lvl5pPr marL="1828800" indent="0">
+              <a:buFontTx/>
+              <a:buNone/>
+              <a:defRPr/>
+            </a:lvl5pPr>
+          </a:lstStyle>
+          <a:p>
+            <a:pPr lvl="0"/>
+            <a:r>
+              <a:rPr lang="es-ES"/>
+              <a:t>Haga clic para modificar los estilos de texto del patrón</a:t>
+            </a:r>
+          </a:p>
+        </p:txBody>
+      </p:sp>
+      <p:sp>
+        <p:nvSpPr>
+          <p:cNvPr id="3" name="Text Placeholder 2"/>
+          <p:cNvSpPr>
+            <a:spLocks noGrp="1"/>
+          </p:cNvSpPr>
+          <p:nvPr>
+            <p:ph type="body" idx="1"/>
+          </p:nvPr>
+        </p:nvSpPr>
+        <p:spPr>
+          <a:xfrm>
+            <a:off x="677335" y="4470400"/>
+            <a:ext cx="8596668" cy="1570962"/>
+          </a:xfrm>
+        </p:spPr>
+        <p:txBody>
+          <a:bodyPr anchor="ctr">
+            <a:normAutofit/>
+          </a:bodyPr>
+          <a:lstStyle>
+            <a:lvl1pPr marL="0" indent="0" algn="l">
+              <a:buNone/>
+              <a:defRPr sz="1800">
+                <a:solidFill>
+                  <a:schemeClr val="tx1">
+                    <a:lumMod val="75000"/>
+                    <a:lumOff val="25000"/>
+                  </a:schemeClr>
+                </a:solidFill>
+              </a:defRPr>
+            </a:lvl1pPr>
+            <a:lvl2pPr marL="457200" indent="0">
+              <a:buNone/>
+              <a:defRPr sz="1800">
+                <a:solidFill>
+                  <a:schemeClr val="tx1">
+                    <a:tint val="75000"/>
+                  </a:schemeClr>
+                </a:solidFill>
+              </a:defRPr>
+            </a:lvl2pPr>
+            <a:lvl3pPr marL="914400" indent="0">
+              <a:buNone/>
+              <a:defRPr sz="1600">
+                <a:solidFill>
+                  <a:schemeClr val="tx1">
+                    <a:tint val="75000"/>
+                  </a:schemeClr>
+                </a:solidFill>
+              </a:defRPr>
+            </a:lvl3pPr>
+            <a:lvl4pPr marL="1371600" indent="0">
+              <a:buNone/>
+              <a:defRPr sz="1400">
+                <a:solidFill>
+                  <a:schemeClr val="tx1">
+                    <a:tint val="75000"/>
+                  </a:schemeClr>
+                </a:solidFill>
+              </a:defRPr>
+            </a:lvl4pPr>
+            <a:lvl5pPr marL="1828800" indent="0">
+              <a:buNone/>
+              <a:defRPr sz="1400">
+                <a:solidFill>
+                  <a:schemeClr val="tx1">
+                    <a:tint val="75000"/>
+                  </a:schemeClr>
+                </a:solidFill>
+              </a:defRPr>
+            </a:lvl5pPr>
+            <a:lvl6pPr marL="2286000" indent="0">
+              <a:buNone/>
+              <a:defRPr sz="1400">
+                <a:solidFill>
+                  <a:schemeClr val="tx1">
+                    <a:tint val="75000"/>
+                  </a:schemeClr>
+                </a:solidFill>
+              </a:defRPr>
+            </a:lvl6pPr>
+            <a:lvl7pPr marL="2743200" indent="0">
+              <a:buNone/>
+              <a:defRPr sz="1400">
+                <a:solidFill>
+                  <a:schemeClr val="tx1">
+                    <a:tint val="75000"/>
+                  </a:schemeClr>
+                </a:solidFill>
+              </a:defRPr>
+            </a:lvl7pPr>
+            <a:lvl8pPr marL="3200400" indent="0">
+              <a:buNone/>
+              <a:defRPr sz="1400">
+                <a:solidFill>
+                  <a:schemeClr val="tx1">
+                    <a:tint val="75000"/>
+                  </a:schemeClr>
+                </a:solidFill>
+              </a:defRPr>
+            </a:lvl8pPr>
+            <a:lvl9pPr marL="3657600" indent="0">
+              <a:buNone/>
+              <a:defRPr sz="1400">
+                <a:solidFill>
+                  <a:schemeClr val="tx1">
+                    <a:tint val="75000"/>
+                  </a:schemeClr>
+                </a:solidFill>
+              </a:defRPr>
+            </a:lvl9pPr>
+          </a:lstStyle>
+          <a:p>
+            <a:pPr lvl="0"/>
+            <a:r>
+              <a:rPr lang="es-ES"/>
+              <a:t>Haga clic para modificar los estilos de texto del patrón</a:t>
+            </a:r>
+          </a:p>
+        </p:txBody>
+      </p:sp>
+      <p:sp>
+        <p:nvSpPr>
+          <p:cNvPr id="4" name="Date Placeholder 3"/>
+          <p:cNvSpPr>
+            <a:spLocks noGrp="1"/>
+          </p:cNvSpPr>
+          <p:nvPr>
+            <p:ph type="dt" sz="half" idx="10"/>
+          </p:nvPr>
+        </p:nvSpPr>
+        <p:spPr/>
+        <p:txBody>
+          <a:bodyPr/>
+          <a:lstStyle/>
+          <a:p>
+            <a:fld id="{6AF85D1D-B2D2-42D7-B1AD-D2C733C17524}" type="datetimeFigureOut">
+              <a:rPr lang="es-ES" smtClean="0"/>
+              <a:t>25/07/2025</a:t>
+            </a:fld>
+            <a:endParaRPr lang="es-ES"/>
+          </a:p>
+        </p:txBody>
+      </p:sp>
+      <p:sp>
+        <p:nvSpPr>
+          <p:cNvPr id="5" name="Footer Placeholder 4"/>
+          <p:cNvSpPr>
+            <a:spLocks noGrp="1"/>
+          </p:cNvSpPr>
+          <p:nvPr>
+            <p:ph type="ftr" sz="quarter" idx="11"/>
+          </p:nvPr>
+        </p:nvSpPr>
+        <p:spPr/>
+        <p:txBody>
+          <a:bodyPr/>
+          <a:lstStyle/>
+          <a:p>
+            <a:endParaRPr lang="es-ES"/>
+          </a:p>
+        </p:txBody>
+      </p:sp>
+      <p:sp>
+        <p:nvSpPr>
+          <p:cNvPr id="6" name="Slide Number Placeholder 5"/>
+          <p:cNvSpPr>
+            <a:spLocks noGrp="1"/>
+          </p:cNvSpPr>
+          <p:nvPr>
+            <p:ph type="sldNum" sz="quarter" idx="12"/>
+          </p:nvPr>
+        </p:nvSpPr>
+        <p:spPr/>
+        <p:txBody>
+          <a:bodyPr/>
+          <a:lstStyle/>
+          <a:p>
+            <a:fld id="{DB401DC3-F7B5-4482-857B-2E500A5287D7}" type="slidenum">
+              <a:rPr lang="es-ES" smtClean="0"/>
+              <a:t>‹Nº›</a:t>
+            </a:fld>
+            <a:endParaRPr lang="es-ES"/>
+          </a:p>
+        </p:txBody>
+      </p:sp>
+      <p:sp>
+        <p:nvSpPr>
+          <p:cNvPr id="20" name="TextBox 19"/>
+          <p:cNvSpPr txBox="1"/>
+          <p:nvPr/>
+        </p:nvSpPr>
+        <p:spPr>
+          <a:xfrm>
+            <a:off x="541870" y="790378"/>
+            <a:ext cx="609600" cy="584776"/>
+          </a:xfrm>
+          <a:prstGeom prst="rect">
+            <a:avLst/>
+          </a:prstGeom>
+        </p:spPr>
+        <p:txBody>
+          <a:bodyPr vert="horz" lIns="91440" tIns="45720" rIns="91440" bIns="45720" rtlCol="0" anchor="ctr">
+            <a:noAutofit/>
+          </a:bodyPr>
+          <a:lstStyle/>
+          <a:p>
+            <a:pPr lvl="0"/>
+            <a:r>
+              <a:rPr lang="en-US" sz="8000" baseline="0" dirty="0">
+                <a:ln w="3175" cmpd="sng">
+                  <a:noFill/>
+                </a:ln>
+                <a:solidFill>
+                  <a:schemeClr val="accent1">
+                    <a:lumMod val="60000"/>
+                    <a:lumOff val="40000"/>
+                  </a:schemeClr>
+                </a:solidFill>
+                <a:effectLst/>
+                <a:latin typeface="Arial"/>
+              </a:rPr>
+              <a:t>“</a:t>
+            </a:r>
+          </a:p>
+        </p:txBody>
+      </p:sp>
+      <p:sp>
+        <p:nvSpPr>
+          <p:cNvPr id="22" name="TextBox 21"/>
+          <p:cNvSpPr txBox="1"/>
+          <p:nvPr/>
+        </p:nvSpPr>
+        <p:spPr>
+          <a:xfrm>
+            <a:off x="8893011" y="2886556"/>
+            <a:ext cx="609600" cy="584776"/>
+          </a:xfrm>
+          <a:prstGeom prst="rect">
+            <a:avLst/>
+          </a:prstGeom>
+        </p:spPr>
+        <p:txBody>
+          <a:bodyPr vert="horz" lIns="91440" tIns="45720" rIns="91440" bIns="45720" rtlCol="0" anchor="ctr">
+            <a:noAutofit/>
+          </a:bodyPr>
+          <a:lstStyle/>
+          <a:p>
+            <a:pPr lvl="0"/>
+            <a:r>
+              <a:rPr lang="en-US" sz="8000" baseline="0" dirty="0">
+                <a:ln w="3175" cmpd="sng">
+                  <a:noFill/>
+                </a:ln>
+                <a:solidFill>
+                  <a:schemeClr val="accent1">
+                    <a:lumMod val="60000"/>
+                    <a:lumOff val="40000"/>
+                  </a:schemeClr>
+                </a:solidFill>
+                <a:latin typeface="Arial"/>
+              </a:rPr>
+              <a:t>”</a:t>
+            </a:r>
+            <a:endParaRPr lang="en-US" dirty="0">
+              <a:solidFill>
+                <a:schemeClr val="accent1">
+                  <a:lumMod val="60000"/>
+                  <a:lumOff val="40000"/>
+                </a:schemeClr>
+              </a:solidFill>
+              <a:latin typeface="Arial"/>
+            </a:endParaRPr>
+          </a:p>
+        </p:txBody>
+      </p:sp>
+    </p:spTree>
+    <p:extLst>
+      <p:ext uri="{BB962C8B-B14F-4D97-AF65-F5344CB8AC3E}">
+        <p14:creationId xmlns:p14="http://schemas.microsoft.com/office/powerpoint/2010/main" val="3013901577"/>
+      </p:ext>
+    </p:extLst>
+  </p:cSld>
+  <p:clrMapOvr>
+    <a:masterClrMapping/>
+  </p:clrMapOvr>
+</p:sldLayout>
+</file>
+
+<file path=ppt/slideLayouts/slideLayout12.xml><?xml version="1.0" encoding="utf-8"?>
+<p:sldLayout xmlns:a="http://schemas.openxmlformats.org/drawingml/2006/main" xmlns:r="http://schemas.openxmlformats.org/officeDocument/2006/relationships" xmlns:p="http://schemas.openxmlformats.org/presentationml/2006/main" preserve="1">
+  <p:cSld name="Tarjeta de nombre">
+    <p:spTree>
+      <p:nvGrpSpPr>
+        <p:cNvPr id="1" name=""/>
+        <p:cNvGrpSpPr/>
+        <p:nvPr/>
+      </p:nvGrpSpPr>
+      <p:grpSpPr>
+        <a:xfrm>
+          <a:off x="0" y="0"/>
+          <a:ext cx="0" cy="0"/>
+          <a:chOff x="0" y="0"/>
+          <a:chExt cx="0" cy="0"/>
+        </a:xfrm>
+      </p:grpSpPr>
+      <p:sp>
+        <p:nvSpPr>
+          <p:cNvPr id="2" name="Title 1"/>
+          <p:cNvSpPr>
+            <a:spLocks noGrp="1"/>
+          </p:cNvSpPr>
+          <p:nvPr>
+            <p:ph type="title"/>
+          </p:nvPr>
+        </p:nvSpPr>
+        <p:spPr>
+          <a:xfrm>
+            <a:off x="677335" y="1931988"/>
+            <a:ext cx="8596668" cy="2595460"/>
+          </a:xfrm>
+        </p:spPr>
+        <p:txBody>
+          <a:bodyPr anchor="b">
+            <a:normAutofit/>
+          </a:bodyPr>
+          <a:lstStyle>
+            <a:lvl1pPr algn="l">
+              <a:defRPr sz="4400" b="0" cap="none"/>
+            </a:lvl1pPr>
+          </a:lstStyle>
+          <a:p>
+            <a:r>
+              <a:rPr lang="es-ES"/>
+              <a:t>Haga clic para modificar el estilo de título del patrón</a:t>
+            </a:r>
+            <a:endParaRPr lang="en-US" dirty="0"/>
+          </a:p>
+        </p:txBody>
+      </p:sp>
+      <p:sp>
+        <p:nvSpPr>
+          <p:cNvPr id="3" name="Text Placeholder 2"/>
+          <p:cNvSpPr>
+            <a:spLocks noGrp="1"/>
+          </p:cNvSpPr>
+          <p:nvPr>
+            <p:ph type="body" idx="1"/>
+          </p:nvPr>
+        </p:nvSpPr>
+        <p:spPr>
+          <a:xfrm>
+            <a:off x="677335" y="4527448"/>
+            <a:ext cx="8596668" cy="1513914"/>
+          </a:xfrm>
+        </p:spPr>
+        <p:txBody>
+          <a:bodyPr anchor="t">
+            <a:normAutofit/>
+          </a:bodyPr>
+          <a:lstStyle>
+            <a:lvl1pPr marL="0" indent="0" algn="l">
+              <a:buNone/>
+              <a:defRPr sz="1800">
+                <a:solidFill>
+                  <a:schemeClr val="tx1">
+                    <a:lumMod val="75000"/>
+                    <a:lumOff val="25000"/>
+                  </a:schemeClr>
+                </a:solidFill>
+              </a:defRPr>
+            </a:lvl1pPr>
+            <a:lvl2pPr marL="457200" indent="0">
+              <a:buNone/>
+              <a:defRPr sz="1800">
+                <a:solidFill>
+                  <a:schemeClr val="tx1">
+                    <a:tint val="75000"/>
+                  </a:schemeClr>
+                </a:solidFill>
+              </a:defRPr>
+            </a:lvl2pPr>
+            <a:lvl3pPr marL="914400" indent="0">
+              <a:buNone/>
+              <a:defRPr sz="1600">
+                <a:solidFill>
+                  <a:schemeClr val="tx1">
+                    <a:tint val="75000"/>
+                  </a:schemeClr>
+                </a:solidFill>
+              </a:defRPr>
+            </a:lvl3pPr>
+            <a:lvl4pPr marL="1371600" indent="0">
+              <a:buNone/>
+              <a:defRPr sz="1400">
+                <a:solidFill>
+                  <a:schemeClr val="tx1">
+                    <a:tint val="75000"/>
+                  </a:schemeClr>
+                </a:solidFill>
+              </a:defRPr>
+            </a:lvl4pPr>
+            <a:lvl5pPr marL="1828800" indent="0">
+              <a:buNone/>
+              <a:defRPr sz="1400">
+                <a:solidFill>
+                  <a:schemeClr val="tx1">
+                    <a:tint val="75000"/>
+                  </a:schemeClr>
+                </a:solidFill>
+              </a:defRPr>
+            </a:lvl5pPr>
+            <a:lvl6pPr marL="2286000" indent="0">
+              <a:buNone/>
+              <a:defRPr sz="1400">
+                <a:solidFill>
+                  <a:schemeClr val="tx1">
+                    <a:tint val="75000"/>
+                  </a:schemeClr>
+                </a:solidFill>
+              </a:defRPr>
+            </a:lvl6pPr>
+            <a:lvl7pPr marL="2743200" indent="0">
+              <a:buNone/>
+              <a:defRPr sz="1400">
+                <a:solidFill>
+                  <a:schemeClr val="tx1">
+                    <a:tint val="75000"/>
+                  </a:schemeClr>
+                </a:solidFill>
+              </a:defRPr>
+            </a:lvl7pPr>
+            <a:lvl8pPr marL="3200400" indent="0">
+              <a:buNone/>
+              <a:defRPr sz="1400">
+                <a:solidFill>
+                  <a:schemeClr val="tx1">
+                    <a:tint val="75000"/>
+                  </a:schemeClr>
+                </a:solidFill>
+              </a:defRPr>
+            </a:lvl8pPr>
+            <a:lvl9pPr marL="3657600" indent="0">
+              <a:buNone/>
+              <a:defRPr sz="1400">
+                <a:solidFill>
+                  <a:schemeClr val="tx1">
+                    <a:tint val="75000"/>
+                  </a:schemeClr>
+                </a:solidFill>
+              </a:defRPr>
+            </a:lvl9pPr>
+          </a:lstStyle>
+          <a:p>
+            <a:pPr lvl="0"/>
+            <a:r>
+              <a:rPr lang="es-ES"/>
+              <a:t>Haga clic para modificar los estilos de texto del patrón</a:t>
+            </a:r>
+          </a:p>
+        </p:txBody>
+      </p:sp>
+      <p:sp>
+        <p:nvSpPr>
+          <p:cNvPr id="4" name="Date Placeholder 3"/>
+          <p:cNvSpPr>
+            <a:spLocks noGrp="1"/>
+          </p:cNvSpPr>
+          <p:nvPr>
+            <p:ph type="dt" sz="half" idx="10"/>
+          </p:nvPr>
+        </p:nvSpPr>
+        <p:spPr/>
+        <p:txBody>
+          <a:bodyPr/>
+          <a:lstStyle/>
+          <a:p>
+            <a:fld id="{6AF85D1D-B2D2-42D7-B1AD-D2C733C17524}" type="datetimeFigureOut">
+              <a:rPr lang="es-ES" smtClean="0"/>
+              <a:t>25/07/2025</a:t>
+            </a:fld>
+            <a:endParaRPr lang="es-ES"/>
+          </a:p>
+        </p:txBody>
+      </p:sp>
+      <p:sp>
+        <p:nvSpPr>
+          <p:cNvPr id="5" name="Footer Placeholder 4"/>
+          <p:cNvSpPr>
+            <a:spLocks noGrp="1"/>
+          </p:cNvSpPr>
+          <p:nvPr>
+            <p:ph type="ftr" sz="quarter" idx="11"/>
+          </p:nvPr>
+        </p:nvSpPr>
+        <p:spPr/>
+        <p:txBody>
+          <a:bodyPr/>
+          <a:lstStyle/>
+          <a:p>
+            <a:endParaRPr lang="es-ES"/>
+          </a:p>
+        </p:txBody>
+      </p:sp>
+      <p:sp>
+        <p:nvSpPr>
+          <p:cNvPr id="6" name="Slide Number Placeholder 5"/>
+          <p:cNvSpPr>
+            <a:spLocks noGrp="1"/>
+          </p:cNvSpPr>
+          <p:nvPr>
+            <p:ph type="sldNum" sz="quarter" idx="12"/>
+          </p:nvPr>
+        </p:nvSpPr>
+        <p:spPr/>
+        <p:txBody>
+          <a:bodyPr/>
+          <a:lstStyle/>
+          <a:p>
+            <a:fld id="{DB401DC3-F7B5-4482-857B-2E500A5287D7}" type="slidenum">
+              <a:rPr lang="es-ES" smtClean="0"/>
+              <a:t>‹Nº›</a:t>
+            </a:fld>
+            <a:endParaRPr lang="es-ES"/>
+          </a:p>
+        </p:txBody>
+      </p:sp>
+    </p:spTree>
+    <p:extLst>
+      <p:ext uri="{BB962C8B-B14F-4D97-AF65-F5344CB8AC3E}">
+        <p14:creationId xmlns:p14="http://schemas.microsoft.com/office/powerpoint/2010/main" val="3314914926"/>
+      </p:ext>
+    </p:extLst>
+  </p:cSld>
+  <p:clrMapOvr>
+    <a:masterClrMapping/>
+  </p:clrMapOvr>
+</p:sldLayout>
+</file>
+
+<file path=ppt/slideLayouts/slideLayout13.xml><?xml version="1.0" encoding="utf-8"?>
+<p:sldLayout xmlns:a="http://schemas.openxmlformats.org/drawingml/2006/main" xmlns:r="http://schemas.openxmlformats.org/officeDocument/2006/relationships" xmlns:p="http://schemas.openxmlformats.org/presentationml/2006/main" preserve="1">
+  <p:cSld name="Citar la tarjeta de nombre">
+    <p:spTree>
+      <p:nvGrpSpPr>
+        <p:cNvPr id="1" name=""/>
+        <p:cNvGrpSpPr/>
+        <p:nvPr/>
+      </p:nvGrpSpPr>
+      <p:grpSpPr>
+        <a:xfrm>
+          <a:off x="0" y="0"/>
+          <a:ext cx="0" cy="0"/>
+          <a:chOff x="0" y="0"/>
+          <a:chExt cx="0" cy="0"/>
+        </a:xfrm>
+      </p:grpSpPr>
+      <p:sp>
+        <p:nvSpPr>
+          <p:cNvPr id="2" name="Title 1"/>
+          <p:cNvSpPr>
+            <a:spLocks noGrp="1"/>
+          </p:cNvSpPr>
+          <p:nvPr>
+            <p:ph type="title"/>
+          </p:nvPr>
+        </p:nvSpPr>
+        <p:spPr>
+          <a:xfrm>
+            <a:off x="931334" y="609600"/>
+            <a:ext cx="8094134" cy="3022600"/>
+          </a:xfrm>
+        </p:spPr>
+        <p:txBody>
+          <a:bodyPr anchor="ctr">
+            <a:normAutofit/>
+          </a:bodyPr>
+          <a:lstStyle>
+            <a:lvl1pPr algn="l">
+              <a:defRPr sz="4400" b="0" cap="none"/>
+            </a:lvl1pPr>
+          </a:lstStyle>
+          <a:p>
+            <a:r>
+              <a:rPr lang="es-ES"/>
+              <a:t>Haga clic para modificar el estilo de título del patrón</a:t>
+            </a:r>
+            <a:endParaRPr lang="en-US" dirty="0"/>
+          </a:p>
+        </p:txBody>
+      </p:sp>
+      <p:sp>
+        <p:nvSpPr>
+          <p:cNvPr id="23" name="Text Placeholder 9"/>
+          <p:cNvSpPr>
+            <a:spLocks noGrp="1"/>
+          </p:cNvSpPr>
+          <p:nvPr>
+            <p:ph type="body" sz="quarter" idx="13"/>
+          </p:nvPr>
+        </p:nvSpPr>
+        <p:spPr>
+          <a:xfrm>
+            <a:off x="677332" y="4013200"/>
+            <a:ext cx="8596669" cy="514248"/>
+          </a:xfrm>
+        </p:spPr>
+        <p:txBody>
+          <a:bodyPr anchor="b">
+            <a:noAutofit/>
+          </a:bodyPr>
+          <a:lstStyle>
+            <a:lvl1pPr marL="0" indent="0">
+              <a:buFontTx/>
+              <a:buNone/>
+              <a:defRPr sz="2400">
+                <a:solidFill>
+                  <a:schemeClr val="tx1">
+                    <a:lumMod val="75000"/>
+                    <a:lumOff val="25000"/>
+                  </a:schemeClr>
+                </a:solidFill>
+              </a:defRPr>
+            </a:lvl1pPr>
+            <a:lvl2pPr marL="457200" indent="0">
+              <a:buFontTx/>
+              <a:buNone/>
+              <a:defRPr/>
+            </a:lvl2pPr>
+            <a:lvl3pPr marL="914400" indent="0">
+              <a:buFontTx/>
+              <a:buNone/>
+              <a:defRPr/>
+            </a:lvl3pPr>
+            <a:lvl4pPr marL="1371600" indent="0">
+              <a:buFontTx/>
+              <a:buNone/>
+              <a:defRPr/>
+            </a:lvl4pPr>
+            <a:lvl5pPr marL="1828800" indent="0">
+              <a:buFontTx/>
+              <a:buNone/>
+              <a:defRPr/>
+            </a:lvl5pPr>
+          </a:lstStyle>
+          <a:p>
+            <a:pPr lvl="0"/>
+            <a:r>
+              <a:rPr lang="es-ES"/>
+              <a:t>Haga clic para modificar los estilos de texto del patrón</a:t>
+            </a:r>
+          </a:p>
+        </p:txBody>
+      </p:sp>
+      <p:sp>
+        <p:nvSpPr>
+          <p:cNvPr id="3" name="Text Placeholder 2"/>
+          <p:cNvSpPr>
+            <a:spLocks noGrp="1"/>
+          </p:cNvSpPr>
+          <p:nvPr>
+            <p:ph type="body" idx="1"/>
+          </p:nvPr>
+        </p:nvSpPr>
+        <p:spPr>
+          <a:xfrm>
+            <a:off x="677335" y="4527448"/>
+            <a:ext cx="8596668" cy="1513914"/>
+          </a:xfrm>
+        </p:spPr>
+        <p:txBody>
+          <a:bodyPr anchor="t">
+            <a:normAutofit/>
+          </a:bodyPr>
+          <a:lstStyle>
+            <a:lvl1pPr marL="0" indent="0" algn="l">
+              <a:buNone/>
+              <a:defRPr sz="1800">
+                <a:solidFill>
+                  <a:schemeClr val="tx1">
+                    <a:lumMod val="50000"/>
+                    <a:lumOff val="50000"/>
+                  </a:schemeClr>
+                </a:solidFill>
+              </a:defRPr>
+            </a:lvl1pPr>
+            <a:lvl2pPr marL="457200" indent="0">
+              <a:buNone/>
+              <a:defRPr sz="1800">
+                <a:solidFill>
+                  <a:schemeClr val="tx1">
+                    <a:tint val="75000"/>
+                  </a:schemeClr>
+                </a:solidFill>
+              </a:defRPr>
+            </a:lvl2pPr>
+            <a:lvl3pPr marL="914400" indent="0">
+              <a:buNone/>
+              <a:defRPr sz="1600">
+                <a:solidFill>
+                  <a:schemeClr val="tx1">
+                    <a:tint val="75000"/>
+                  </a:schemeClr>
+                </a:solidFill>
+              </a:defRPr>
+            </a:lvl3pPr>
+            <a:lvl4pPr marL="1371600" indent="0">
+              <a:buNone/>
+              <a:defRPr sz="1400">
+                <a:solidFill>
+                  <a:schemeClr val="tx1">
+                    <a:tint val="75000"/>
+                  </a:schemeClr>
+                </a:solidFill>
+              </a:defRPr>
+            </a:lvl4pPr>
+            <a:lvl5pPr marL="1828800" indent="0">
+              <a:buNone/>
+              <a:defRPr sz="1400">
+                <a:solidFill>
+                  <a:schemeClr val="tx1">
+                    <a:tint val="75000"/>
+                  </a:schemeClr>
+                </a:solidFill>
+              </a:defRPr>
+            </a:lvl5pPr>
+            <a:lvl6pPr marL="2286000" indent="0">
+              <a:buNone/>
+              <a:defRPr sz="1400">
+                <a:solidFill>
+                  <a:schemeClr val="tx1">
+                    <a:tint val="75000"/>
+                  </a:schemeClr>
+                </a:solidFill>
+              </a:defRPr>
+            </a:lvl6pPr>
+            <a:lvl7pPr marL="2743200" indent="0">
+              <a:buNone/>
+              <a:defRPr sz="1400">
+                <a:solidFill>
+                  <a:schemeClr val="tx1">
+                    <a:tint val="75000"/>
+                  </a:schemeClr>
+                </a:solidFill>
+              </a:defRPr>
+            </a:lvl7pPr>
+            <a:lvl8pPr marL="3200400" indent="0">
+              <a:buNone/>
+              <a:defRPr sz="1400">
+                <a:solidFill>
+                  <a:schemeClr val="tx1">
+                    <a:tint val="75000"/>
+                  </a:schemeClr>
+                </a:solidFill>
+              </a:defRPr>
+            </a:lvl8pPr>
+            <a:lvl9pPr marL="3657600" indent="0">
+              <a:buNone/>
+              <a:defRPr sz="1400">
+                <a:solidFill>
+                  <a:schemeClr val="tx1">
+                    <a:tint val="75000"/>
+                  </a:schemeClr>
+                </a:solidFill>
+              </a:defRPr>
+            </a:lvl9pPr>
+          </a:lstStyle>
+          <a:p>
+            <a:pPr lvl="0"/>
+            <a:r>
+              <a:rPr lang="es-ES"/>
+              <a:t>Haga clic para modificar los estilos de texto del patrón</a:t>
+            </a:r>
+          </a:p>
+        </p:txBody>
+      </p:sp>
+      <p:sp>
+        <p:nvSpPr>
+          <p:cNvPr id="4" name="Date Placeholder 3"/>
+          <p:cNvSpPr>
+            <a:spLocks noGrp="1"/>
+          </p:cNvSpPr>
+          <p:nvPr>
+            <p:ph type="dt" sz="half" idx="10"/>
+          </p:nvPr>
+        </p:nvSpPr>
+        <p:spPr/>
+        <p:txBody>
+          <a:bodyPr/>
+          <a:lstStyle/>
+          <a:p>
+            <a:fld id="{6AF85D1D-B2D2-42D7-B1AD-D2C733C17524}" type="datetimeFigureOut">
+              <a:rPr lang="es-ES" smtClean="0"/>
+              <a:t>25/07/2025</a:t>
+            </a:fld>
+            <a:endParaRPr lang="es-ES"/>
+          </a:p>
+        </p:txBody>
+      </p:sp>
+      <p:sp>
+        <p:nvSpPr>
+          <p:cNvPr id="5" name="Footer Placeholder 4"/>
+          <p:cNvSpPr>
+            <a:spLocks noGrp="1"/>
+          </p:cNvSpPr>
+          <p:nvPr>
+            <p:ph type="ftr" sz="quarter" idx="11"/>
+          </p:nvPr>
+        </p:nvSpPr>
+        <p:spPr/>
+        <p:txBody>
+          <a:bodyPr/>
+          <a:lstStyle/>
+          <a:p>
+            <a:endParaRPr lang="es-ES"/>
+          </a:p>
+        </p:txBody>
+      </p:sp>
+      <p:sp>
+        <p:nvSpPr>
+          <p:cNvPr id="6" name="Slide Number Placeholder 5"/>
+          <p:cNvSpPr>
+            <a:spLocks noGrp="1"/>
+          </p:cNvSpPr>
+          <p:nvPr>
+            <p:ph type="sldNum" sz="quarter" idx="12"/>
+          </p:nvPr>
+        </p:nvSpPr>
+        <p:spPr/>
+        <p:txBody>
+          <a:bodyPr/>
+          <a:lstStyle/>
+          <a:p>
+            <a:fld id="{DB401DC3-F7B5-4482-857B-2E500A5287D7}" type="slidenum">
+              <a:rPr lang="es-ES" smtClean="0"/>
+              <a:t>‹Nº›</a:t>
+            </a:fld>
+            <a:endParaRPr lang="es-ES"/>
+          </a:p>
+        </p:txBody>
+      </p:sp>
+      <p:sp>
+        <p:nvSpPr>
+          <p:cNvPr id="24" name="TextBox 23"/>
+          <p:cNvSpPr txBox="1"/>
+          <p:nvPr/>
+        </p:nvSpPr>
+        <p:spPr>
+          <a:xfrm>
+            <a:off x="541870" y="790378"/>
+            <a:ext cx="609600" cy="584776"/>
+          </a:xfrm>
+          <a:prstGeom prst="rect">
+            <a:avLst/>
+          </a:prstGeom>
+        </p:spPr>
+        <p:txBody>
+          <a:bodyPr vert="horz" lIns="91440" tIns="45720" rIns="91440" bIns="45720" rtlCol="0" anchor="ctr">
+            <a:noAutofit/>
+          </a:bodyPr>
+          <a:lstStyle/>
+          <a:p>
+            <a:pPr lvl="0"/>
+            <a:r>
+              <a:rPr lang="en-US" sz="8000" baseline="0" dirty="0">
+                <a:ln w="3175" cmpd="sng">
+                  <a:noFill/>
+                </a:ln>
+                <a:solidFill>
+                  <a:schemeClr val="accent1">
+                    <a:lumMod val="60000"/>
+                    <a:lumOff val="40000"/>
+                  </a:schemeClr>
+                </a:solidFill>
+                <a:effectLst/>
+                <a:latin typeface="Arial"/>
+              </a:rPr>
+              <a:t>“</a:t>
+            </a:r>
+          </a:p>
+        </p:txBody>
+      </p:sp>
+      <p:sp>
+        <p:nvSpPr>
+          <p:cNvPr id="25" name="TextBox 24"/>
+          <p:cNvSpPr txBox="1"/>
+          <p:nvPr/>
+        </p:nvSpPr>
+        <p:spPr>
+          <a:xfrm>
+            <a:off x="8893011" y="2886556"/>
+            <a:ext cx="609600" cy="584776"/>
+          </a:xfrm>
+          <a:prstGeom prst="rect">
+            <a:avLst/>
+          </a:prstGeom>
+        </p:spPr>
+        <p:txBody>
+          <a:bodyPr vert="horz" lIns="91440" tIns="45720" rIns="91440" bIns="45720" rtlCol="0" anchor="ctr">
+            <a:noAutofit/>
+          </a:bodyPr>
+          <a:lstStyle/>
+          <a:p>
+            <a:pPr lvl="0"/>
+            <a:r>
+              <a:rPr lang="en-US" sz="8000" baseline="0" dirty="0">
+                <a:ln w="3175" cmpd="sng">
+                  <a:noFill/>
+                </a:ln>
+                <a:solidFill>
+                  <a:schemeClr val="accent1">
+                    <a:lumMod val="60000"/>
+                    <a:lumOff val="40000"/>
+                  </a:schemeClr>
+                </a:solidFill>
+                <a:effectLst/>
+                <a:latin typeface="Arial"/>
+              </a:rPr>
+              <a:t>”</a:t>
+            </a:r>
+          </a:p>
+        </p:txBody>
+      </p:sp>
+    </p:spTree>
+    <p:extLst>
+      <p:ext uri="{BB962C8B-B14F-4D97-AF65-F5344CB8AC3E}">
+        <p14:creationId xmlns:p14="http://schemas.microsoft.com/office/powerpoint/2010/main" val="3714116057"/>
+      </p:ext>
+    </p:extLst>
+  </p:cSld>
+  <p:clrMapOvr>
+    <a:masterClrMapping/>
+  </p:clrMapOvr>
+</p:sldLayout>
+</file>
+
+<file path=ppt/slideLayouts/slideLayout14.xml><?xml version="1.0" encoding="utf-8"?>
+<p:sldLayout xmlns:a="http://schemas.openxmlformats.org/drawingml/2006/main" xmlns:r="http://schemas.openxmlformats.org/officeDocument/2006/relationships" xmlns:p="http://schemas.openxmlformats.org/presentationml/2006/main" preserve="1">
+  <p:cSld name="Verdadero o falso">
+    <p:spTree>
+      <p:nvGrpSpPr>
+        <p:cNvPr id="1" name=""/>
+        <p:cNvGrpSpPr/>
+        <p:nvPr/>
+      </p:nvGrpSpPr>
+      <p:grpSpPr>
+        <a:xfrm>
+          <a:off x="0" y="0"/>
+          <a:ext cx="0" cy="0"/>
+          <a:chOff x="0" y="0"/>
+          <a:chExt cx="0" cy="0"/>
+        </a:xfrm>
+      </p:grpSpPr>
+      <p:sp>
+        <p:nvSpPr>
+          <p:cNvPr id="2" name="Title 1"/>
+          <p:cNvSpPr>
+            <a:spLocks noGrp="1"/>
+          </p:cNvSpPr>
+          <p:nvPr>
+            <p:ph type="title"/>
+          </p:nvPr>
+        </p:nvSpPr>
+        <p:spPr>
+          <a:xfrm>
+            <a:off x="685799" y="609600"/>
+            <a:ext cx="8588203" cy="3022600"/>
+          </a:xfrm>
+        </p:spPr>
+        <p:txBody>
+          <a:bodyPr anchor="ctr">
+            <a:normAutofit/>
+          </a:bodyPr>
+          <a:lstStyle>
+            <a:lvl1pPr algn="l">
+              <a:defRPr sz="4400" b="0" cap="none"/>
+            </a:lvl1pPr>
+          </a:lstStyle>
+          <a:p>
+            <a:r>
+              <a:rPr lang="es-ES"/>
+              <a:t>Haga clic para modificar el estilo de título del patrón</a:t>
+            </a:r>
+            <a:endParaRPr lang="en-US" dirty="0"/>
+          </a:p>
+        </p:txBody>
+      </p:sp>
+      <p:sp>
+        <p:nvSpPr>
+          <p:cNvPr id="23" name="Text Placeholder 9"/>
+          <p:cNvSpPr>
+            <a:spLocks noGrp="1"/>
+          </p:cNvSpPr>
+          <p:nvPr>
+            <p:ph type="body" sz="quarter" idx="13"/>
+          </p:nvPr>
+        </p:nvSpPr>
+        <p:spPr>
+          <a:xfrm>
+            <a:off x="677332" y="4013200"/>
+            <a:ext cx="8596669" cy="514248"/>
+          </a:xfrm>
+        </p:spPr>
+        <p:txBody>
+          <a:bodyPr anchor="b">
+            <a:noAutofit/>
+          </a:bodyPr>
+          <a:lstStyle>
+            <a:lvl1pPr marL="0" indent="0">
+              <a:buFontTx/>
+              <a:buNone/>
+              <a:defRPr sz="2400">
+                <a:solidFill>
+                  <a:schemeClr val="accent1"/>
+                </a:solidFill>
+              </a:defRPr>
+            </a:lvl1pPr>
+            <a:lvl2pPr marL="457200" indent="0">
+              <a:buFontTx/>
+              <a:buNone/>
+              <a:defRPr/>
+            </a:lvl2pPr>
+            <a:lvl3pPr marL="914400" indent="0">
+              <a:buFontTx/>
+              <a:buNone/>
+              <a:defRPr/>
+            </a:lvl3pPr>
+            <a:lvl4pPr marL="1371600" indent="0">
+              <a:buFontTx/>
+              <a:buNone/>
+              <a:defRPr/>
+            </a:lvl4pPr>
+            <a:lvl5pPr marL="1828800" indent="0">
+              <a:buFontTx/>
+              <a:buNone/>
+              <a:defRPr/>
+            </a:lvl5pPr>
+          </a:lstStyle>
+          <a:p>
+            <a:pPr lvl="0"/>
+            <a:r>
+              <a:rPr lang="es-ES"/>
+              <a:t>Haga clic para modificar los estilos de texto del patrón</a:t>
+            </a:r>
+          </a:p>
+        </p:txBody>
+      </p:sp>
+      <p:sp>
+        <p:nvSpPr>
+          <p:cNvPr id="3" name="Text Placeholder 2"/>
+          <p:cNvSpPr>
+            <a:spLocks noGrp="1"/>
+          </p:cNvSpPr>
+          <p:nvPr>
+            <p:ph type="body" idx="1"/>
+          </p:nvPr>
+        </p:nvSpPr>
+        <p:spPr>
+          <a:xfrm>
+            <a:off x="677335" y="4527448"/>
+            <a:ext cx="8596668" cy="1513914"/>
+          </a:xfrm>
+        </p:spPr>
+        <p:txBody>
+          <a:bodyPr anchor="t">
+            <a:normAutofit/>
+          </a:bodyPr>
+          <a:lstStyle>
+            <a:lvl1pPr marL="0" indent="0" algn="l">
+              <a:buNone/>
+              <a:defRPr sz="1800">
+                <a:solidFill>
+                  <a:schemeClr val="tx1">
+                    <a:lumMod val="50000"/>
+                    <a:lumOff val="50000"/>
+                  </a:schemeClr>
+                </a:solidFill>
+              </a:defRPr>
+            </a:lvl1pPr>
+            <a:lvl2pPr marL="457200" indent="0">
+              <a:buNone/>
+              <a:defRPr sz="1800">
+                <a:solidFill>
+                  <a:schemeClr val="tx1">
+                    <a:tint val="75000"/>
+                  </a:schemeClr>
+                </a:solidFill>
+              </a:defRPr>
+            </a:lvl2pPr>
+            <a:lvl3pPr marL="914400" indent="0">
+              <a:buNone/>
+              <a:defRPr sz="1600">
+                <a:solidFill>
+                  <a:schemeClr val="tx1">
+                    <a:tint val="75000"/>
+                  </a:schemeClr>
+                </a:solidFill>
+              </a:defRPr>
+            </a:lvl3pPr>
+            <a:lvl4pPr marL="1371600" indent="0">
+              <a:buNone/>
+              <a:defRPr sz="1400">
+                <a:solidFill>
+                  <a:schemeClr val="tx1">
+                    <a:tint val="75000"/>
+                  </a:schemeClr>
+                </a:solidFill>
+              </a:defRPr>
+            </a:lvl4pPr>
+            <a:lvl5pPr marL="1828800" indent="0">
+              <a:buNone/>
+              <a:defRPr sz="1400">
+                <a:solidFill>
+                  <a:schemeClr val="tx1">
+                    <a:tint val="75000"/>
+                  </a:schemeClr>
+                </a:solidFill>
+              </a:defRPr>
+            </a:lvl5pPr>
+            <a:lvl6pPr marL="2286000" indent="0">
+              <a:buNone/>
+              <a:defRPr sz="1400">
+                <a:solidFill>
+                  <a:schemeClr val="tx1">
+                    <a:tint val="75000"/>
+                  </a:schemeClr>
+                </a:solidFill>
+              </a:defRPr>
+            </a:lvl6pPr>
+            <a:lvl7pPr marL="2743200" indent="0">
+              <a:buNone/>
+              <a:defRPr sz="1400">
+                <a:solidFill>
+                  <a:schemeClr val="tx1">
+                    <a:tint val="75000"/>
+                  </a:schemeClr>
+                </a:solidFill>
+              </a:defRPr>
+            </a:lvl7pPr>
+            <a:lvl8pPr marL="3200400" indent="0">
+              <a:buNone/>
+              <a:defRPr sz="1400">
+                <a:solidFill>
+                  <a:schemeClr val="tx1">
+                    <a:tint val="75000"/>
+                  </a:schemeClr>
+                </a:solidFill>
+              </a:defRPr>
+            </a:lvl8pPr>
+            <a:lvl9pPr marL="3657600" indent="0">
+              <a:buNone/>
+              <a:defRPr sz="1400">
+                <a:solidFill>
+                  <a:schemeClr val="tx1">
+                    <a:tint val="75000"/>
+                  </a:schemeClr>
+                </a:solidFill>
+              </a:defRPr>
+            </a:lvl9pPr>
+          </a:lstStyle>
+          <a:p>
+            <a:pPr lvl="0"/>
+            <a:r>
+              <a:rPr lang="es-ES"/>
+              <a:t>Haga clic para modificar los estilos de texto del patrón</a:t>
+            </a:r>
+          </a:p>
+        </p:txBody>
+      </p:sp>
+      <p:sp>
+        <p:nvSpPr>
+          <p:cNvPr id="4" name="Date Placeholder 3"/>
+          <p:cNvSpPr>
+            <a:spLocks noGrp="1"/>
+          </p:cNvSpPr>
+          <p:nvPr>
+            <p:ph type="dt" sz="half" idx="10"/>
+          </p:nvPr>
+        </p:nvSpPr>
+        <p:spPr/>
+        <p:txBody>
+          <a:bodyPr/>
+          <a:lstStyle/>
+          <a:p>
+            <a:fld id="{6AF85D1D-B2D2-42D7-B1AD-D2C733C17524}" type="datetimeFigureOut">
+              <a:rPr lang="es-ES" smtClean="0"/>
+              <a:t>25/07/2025</a:t>
+            </a:fld>
+            <a:endParaRPr lang="es-ES"/>
+          </a:p>
+        </p:txBody>
+      </p:sp>
+      <p:sp>
+        <p:nvSpPr>
+          <p:cNvPr id="5" name="Footer Placeholder 4"/>
+          <p:cNvSpPr>
+            <a:spLocks noGrp="1"/>
+          </p:cNvSpPr>
+          <p:nvPr>
+            <p:ph type="ftr" sz="quarter" idx="11"/>
+          </p:nvPr>
+        </p:nvSpPr>
+        <p:spPr/>
+        <p:txBody>
+          <a:bodyPr/>
+          <a:lstStyle/>
+          <a:p>
+            <a:endParaRPr lang="es-ES"/>
+          </a:p>
+        </p:txBody>
+      </p:sp>
+      <p:sp>
+        <p:nvSpPr>
+          <p:cNvPr id="6" name="Slide Number Placeholder 5"/>
+          <p:cNvSpPr>
+            <a:spLocks noGrp="1"/>
+          </p:cNvSpPr>
+          <p:nvPr>
+            <p:ph type="sldNum" sz="quarter" idx="12"/>
+          </p:nvPr>
+        </p:nvSpPr>
+        <p:spPr/>
+        <p:txBody>
+          <a:bodyPr/>
+          <a:lstStyle/>
+          <a:p>
+            <a:fld id="{DB401DC3-F7B5-4482-857B-2E500A5287D7}" type="slidenum">
+              <a:rPr lang="es-ES" smtClean="0"/>
+              <a:t>‹Nº›</a:t>
+            </a:fld>
+            <a:endParaRPr lang="es-ES"/>
+          </a:p>
+        </p:txBody>
+      </p:sp>
+    </p:spTree>
+    <p:extLst>
+      <p:ext uri="{BB962C8B-B14F-4D97-AF65-F5344CB8AC3E}">
+        <p14:creationId xmlns:p14="http://schemas.microsoft.com/office/powerpoint/2010/main" val="2285076701"/>
+      </p:ext>
+    </p:extLst>
+  </p:cSld>
+  <p:clrMapOvr>
+    <a:masterClrMapping/>
+  </p:clrMapOvr>
+</p:sldLayout>
+</file>
+
+<file path=ppt/slideLayouts/slideLayout15.xml><?xml version="1.0" encoding="utf-8"?>
 <p:sldLayout xmlns:a="http://schemas.openxmlformats.org/drawingml/2006/main" xmlns:r="http://schemas.openxmlformats.org/officeDocument/2006/relationships" xmlns:p="http://schemas.openxmlformats.org/presentationml/2006/main" type="vertTx" preserve="1">
   <p:cSld name="Título y texto vertical">
     <p:spTree>
@@ -467,7 +2628,7 @@
           <a:p>
             <a:fld id="{6AF85D1D-B2D2-42D7-B1AD-D2C733C17524}" type="datetimeFigureOut">
               <a:rPr lang="es-ES" smtClean="0"/>
-              <a:t>23/07/2025</a:t>
+              <a:t>25/07/2025</a:t>
             </a:fld>
             <a:endParaRPr lang="es-ES"/>
           </a:p>
@@ -515,41 +2676,10 @@
           </a:p>
         </p:txBody>
       </p:sp>
-      <p:cxnSp>
-        <p:nvCxnSpPr>
-          <p:cNvPr id="26" name="Straight Connector 25"/>
-          <p:cNvCxnSpPr/>
-          <p:nvPr/>
-        </p:nvCxnSpPr>
-        <p:spPr>
-          <a:xfrm>
-            <a:off x="1453896" y="1847088"/>
-            <a:ext cx="9607522" cy="0"/>
-          </a:xfrm>
-          <a:prstGeom prst="line">
-            <a:avLst/>
-          </a:prstGeom>
-          <a:ln w="31750"/>
-        </p:spPr>
-        <p:style>
-          <a:lnRef idx="3">
-            <a:schemeClr val="accent1"/>
-          </a:lnRef>
-          <a:fillRef idx="0">
-            <a:schemeClr val="accent1"/>
-          </a:fillRef>
-          <a:effectRef idx="2">
-            <a:schemeClr val="accent1"/>
-          </a:effectRef>
-          <a:fontRef idx="minor">
-            <a:schemeClr val="tx1"/>
-          </a:fontRef>
-        </p:style>
-      </p:cxnSp>
     </p:spTree>
     <p:extLst>
       <p:ext uri="{BB962C8B-B14F-4D97-AF65-F5344CB8AC3E}">
-        <p14:creationId xmlns:p14="http://schemas.microsoft.com/office/powerpoint/2010/main" val="2402957198"/>
+        <p14:creationId xmlns:p14="http://schemas.microsoft.com/office/powerpoint/2010/main" val="115988301"/>
       </p:ext>
     </p:extLst>
   </p:cSld>
@@ -559,7 +2689,7 @@
 </p:sldLayout>
 </file>
 
-<file path=ppt/slideLayouts/slideLayout11.xml><?xml version="1.0" encoding="utf-8"?>
+<file path=ppt/slideLayouts/slideLayout16.xml><?xml version="1.0" encoding="utf-8"?>
 <p:sldLayout xmlns:a="http://schemas.openxmlformats.org/drawingml/2006/main" xmlns:r="http://schemas.openxmlformats.org/officeDocument/2006/relationships" xmlns:p="http://schemas.openxmlformats.org/presentationml/2006/main" type="vertTitleAndTx" preserve="1">
   <p:cSld name="Título vertical y texto">
     <p:spTree>
@@ -588,17 +2718,13 @@
         </p:nvSpPr>
         <p:spPr>
           <a:xfrm>
-            <a:off x="9439111" y="798973"/>
-            <a:ext cx="1615742" cy="4659889"/>
+            <a:off x="7967673" y="609599"/>
+            <a:ext cx="1304743" cy="5251451"/>
           </a:xfrm>
         </p:spPr>
         <p:txBody>
-          <a:bodyPr vert="eaVert"/>
-          <a:lstStyle>
-            <a:lvl1pPr algn="l">
-              <a:defRPr/>
-            </a:lvl1pPr>
-          </a:lstStyle>
+          <a:bodyPr vert="eaVert" anchor="ctr"/>
+          <a:lstStyle/>
           <a:p>
             <a:r>
               <a:rPr lang="es-ES"/>
@@ -620,8 +2746,8 @@
         </p:nvSpPr>
         <p:spPr>
           <a:xfrm>
-            <a:off x="1444672" y="798973"/>
-            <a:ext cx="7828830" cy="4659889"/>
+            <a:off x="677335" y="609600"/>
+            <a:ext cx="7060150" cy="5251450"/>
           </a:xfrm>
         </p:spPr>
         <p:txBody>
@@ -682,7 +2808,7 @@
           <a:p>
             <a:fld id="{6AF85D1D-B2D2-42D7-B1AD-D2C733C17524}" type="datetimeFigureOut">
               <a:rPr lang="es-ES" smtClean="0"/>
-              <a:t>23/07/2025</a:t>
+              <a:t>25/07/2025</a:t>
             </a:fld>
             <a:endParaRPr lang="es-ES"/>
           </a:p>
@@ -730,41 +2856,10 @@
           </a:p>
         </p:txBody>
       </p:sp>
-      <p:cxnSp>
-        <p:nvCxnSpPr>
-          <p:cNvPr id="15" name="Straight Connector 14"/>
-          <p:cNvCxnSpPr/>
-          <p:nvPr/>
-        </p:nvCxnSpPr>
-        <p:spPr>
-          <a:xfrm>
-            <a:off x="9439111" y="798973"/>
-            <a:ext cx="0" cy="4659889"/>
-          </a:xfrm>
-          <a:prstGeom prst="line">
-            <a:avLst/>
-          </a:prstGeom>
-          <a:ln w="31750"/>
-        </p:spPr>
-        <p:style>
-          <a:lnRef idx="3">
-            <a:schemeClr val="accent1"/>
-          </a:lnRef>
-          <a:fillRef idx="0">
-            <a:schemeClr val="accent1"/>
-          </a:fillRef>
-          <a:effectRef idx="2">
-            <a:schemeClr val="accent1"/>
-          </a:effectRef>
-          <a:fontRef idx="minor">
-            <a:schemeClr val="tx1"/>
-          </a:fontRef>
-        </p:style>
-      </p:cxnSp>
     </p:spTree>
     <p:extLst>
       <p:ext uri="{BB962C8B-B14F-4D97-AF65-F5344CB8AC3E}">
-        <p14:creationId xmlns:p14="http://schemas.microsoft.com/office/powerpoint/2010/main" val="1863854771"/>
+        <p14:creationId xmlns:p14="http://schemas.microsoft.com/office/powerpoint/2010/main" val="2990285401"/>
       </p:ext>
     </p:extLst>
   </p:cSld>
@@ -803,32 +2898,38 @@
         </p:nvSpPr>
         <p:spPr/>
         <p:txBody>
+          <a:bodyPr>
+            <a:normAutofit/>
+          </a:bodyPr>
+          <a:lstStyle>
+            <a:lvl1pPr>
+              <a:defRPr sz="3600"/>
+            </a:lvl1pPr>
+          </a:lstStyle>
+          <a:p>
+            <a:r>
+              <a:rPr lang="es-ES"/>
+              <a:t>Haga clic para modificar el estilo de título del patrón</a:t>
+            </a:r>
+            <a:endParaRPr lang="en-US" dirty="0"/>
+          </a:p>
+        </p:txBody>
+      </p:sp>
+      <p:sp>
+        <p:nvSpPr>
+          <p:cNvPr id="3" name="Content Placeholder 2"/>
+          <p:cNvSpPr>
+            <a:spLocks noGrp="1"/>
+          </p:cNvSpPr>
+          <p:nvPr>
+            <p:ph idx="1"/>
+          </p:nvPr>
+        </p:nvSpPr>
+        <p:spPr/>
+        <p:txBody>
           <a:bodyPr/>
           <a:lstStyle/>
           <a:p>
-            <a:r>
-              <a:rPr lang="es-ES"/>
-              <a:t>Haga clic para modificar el estilo de título del patrón</a:t>
-            </a:r>
-            <a:endParaRPr lang="en-US" dirty="0"/>
-          </a:p>
-        </p:txBody>
-      </p:sp>
-      <p:sp>
-        <p:nvSpPr>
-          <p:cNvPr id="3" name="Content Placeholder 2"/>
-          <p:cNvSpPr>
-            <a:spLocks noGrp="1"/>
-          </p:cNvSpPr>
-          <p:nvPr>
-            <p:ph idx="1"/>
-          </p:nvPr>
-        </p:nvSpPr>
-        <p:spPr/>
-        <p:txBody>
-          <a:bodyPr anchor="t"/>
-          <a:lstStyle/>
-          <a:p>
             <a:pPr lvl="0"/>
             <a:r>
               <a:rPr lang="es-ES"/>
@@ -883,7 +2984,7 @@
           <a:p>
             <a:fld id="{6AF85D1D-B2D2-42D7-B1AD-D2C733C17524}" type="datetimeFigureOut">
               <a:rPr lang="es-ES" smtClean="0"/>
-              <a:t>23/07/2025</a:t>
+              <a:t>25/07/2025</a:t>
             </a:fld>
             <a:endParaRPr lang="es-ES"/>
           </a:p>
@@ -931,41 +3032,10 @@
           </a:p>
         </p:txBody>
       </p:sp>
-      <p:cxnSp>
-        <p:nvCxnSpPr>
-          <p:cNvPr id="33" name="Straight Connector 32"/>
-          <p:cNvCxnSpPr/>
-          <p:nvPr/>
-        </p:nvCxnSpPr>
-        <p:spPr>
-          <a:xfrm>
-            <a:off x="1453896" y="1847088"/>
-            <a:ext cx="9607522" cy="0"/>
-          </a:xfrm>
-          <a:prstGeom prst="line">
-            <a:avLst/>
-          </a:prstGeom>
-          <a:ln w="31750"/>
-        </p:spPr>
-        <p:style>
-          <a:lnRef idx="3">
-            <a:schemeClr val="accent1"/>
-          </a:lnRef>
-          <a:fillRef idx="0">
-            <a:schemeClr val="accent1"/>
-          </a:fillRef>
-          <a:effectRef idx="2">
-            <a:schemeClr val="accent1"/>
-          </a:effectRef>
-          <a:fontRef idx="minor">
-            <a:schemeClr val="tx1"/>
-          </a:fontRef>
-        </p:style>
-      </p:cxnSp>
     </p:spTree>
     <p:extLst>
       <p:ext uri="{BB962C8B-B14F-4D97-AF65-F5344CB8AC3E}">
-        <p14:creationId xmlns:p14="http://schemas.microsoft.com/office/powerpoint/2010/main" val="615968329"/>
+        <p14:creationId xmlns:p14="http://schemas.microsoft.com/office/powerpoint/2010/main" val="2982390615"/>
       </p:ext>
     </p:extLst>
   </p:cSld>
@@ -1004,17 +3074,15 @@
         </p:nvSpPr>
         <p:spPr>
           <a:xfrm>
-            <a:off x="1454239" y="1756130"/>
-            <a:ext cx="8643154" cy="1887950"/>
+            <a:off x="677335" y="2700867"/>
+            <a:ext cx="8596668" cy="1826581"/>
           </a:xfrm>
         </p:spPr>
         <p:txBody>
-          <a:bodyPr anchor="b">
-            <a:normAutofit/>
-          </a:bodyPr>
+          <a:bodyPr anchor="b"/>
           <a:lstStyle>
             <a:lvl1pPr algn="l">
-              <a:defRPr sz="3600"/>
+              <a:defRPr sz="4000" b="0" cap="none"/>
             </a:lvl1pPr>
           </a:lstStyle>
           <a:p>
@@ -1038,20 +3106,21 @@
         </p:nvSpPr>
         <p:spPr>
           <a:xfrm>
-            <a:off x="1454239" y="3806195"/>
-            <a:ext cx="8630446" cy="1012929"/>
+            <a:off x="677335" y="4527448"/>
+            <a:ext cx="8596668" cy="860400"/>
           </a:xfrm>
         </p:spPr>
         <p:txBody>
-          <a:bodyPr tIns="91440">
-            <a:normAutofit/>
-          </a:bodyPr>
+          <a:bodyPr anchor="t"/>
           <a:lstStyle>
             <a:lvl1pPr marL="0" indent="0" algn="l">
               <a:buNone/>
-              <a:defRPr sz="1800">
+              <a:defRPr sz="2000">
                 <a:solidFill>
-                  <a:schemeClr val="tx1"/>
+                  <a:schemeClr val="tx1">
+                    <a:lumMod val="50000"/>
+                    <a:lumOff val="50000"/>
+                  </a:schemeClr>
                 </a:solidFill>
               </a:defRPr>
             </a:lvl1pPr>
@@ -1067,7 +3136,7 @@
             </a:lvl2pPr>
             <a:lvl3pPr marL="914400" indent="0">
               <a:buNone/>
-              <a:defRPr sz="1800">
+              <a:defRPr sz="1600">
                 <a:solidFill>
                   <a:schemeClr val="tx1">
                     <a:tint val="75000"/>
@@ -1077,7 +3146,7 @@
             </a:lvl3pPr>
             <a:lvl4pPr marL="1371600" indent="0">
               <a:buNone/>
-              <a:defRPr sz="1600">
+              <a:defRPr sz="1400">
                 <a:solidFill>
                   <a:schemeClr val="tx1">
                     <a:tint val="75000"/>
@@ -1087,7 +3156,7 @@
             </a:lvl4pPr>
             <a:lvl5pPr marL="1828800" indent="0">
               <a:buNone/>
-              <a:defRPr sz="1600">
+              <a:defRPr sz="1400">
                 <a:solidFill>
                   <a:schemeClr val="tx1">
                     <a:tint val="75000"/>
@@ -1097,7 +3166,7 @@
             </a:lvl5pPr>
             <a:lvl6pPr marL="2286000" indent="0">
               <a:buNone/>
-              <a:defRPr sz="1600">
+              <a:defRPr sz="1400">
                 <a:solidFill>
                   <a:schemeClr val="tx1">
                     <a:tint val="75000"/>
@@ -1107,7 +3176,7 @@
             </a:lvl6pPr>
             <a:lvl7pPr marL="2743200" indent="0">
               <a:buNone/>
-              <a:defRPr sz="1600">
+              <a:defRPr sz="1400">
                 <a:solidFill>
                   <a:schemeClr val="tx1">
                     <a:tint val="75000"/>
@@ -1117,7 +3186,7 @@
             </a:lvl7pPr>
             <a:lvl8pPr marL="3200400" indent="0">
               <a:buNone/>
-              <a:defRPr sz="1600">
+              <a:defRPr sz="1400">
                 <a:solidFill>
                   <a:schemeClr val="tx1">
                     <a:tint val="75000"/>
@@ -1127,7 +3196,7 @@
             </a:lvl8pPr>
             <a:lvl9pPr marL="3657600" indent="0">
               <a:buNone/>
-              <a:defRPr sz="1600">
+              <a:defRPr sz="1400">
                 <a:solidFill>
                   <a:schemeClr val="tx1">
                     <a:tint val="75000"/>
@@ -1162,7 +3231,7 @@
           <a:p>
             <a:fld id="{6AF85D1D-B2D2-42D7-B1AD-D2C733C17524}" type="datetimeFigureOut">
               <a:rPr lang="es-ES" smtClean="0"/>
-              <a:t>23/07/2025</a:t>
+              <a:t>25/07/2025</a:t>
             </a:fld>
             <a:endParaRPr lang="es-ES"/>
           </a:p>
@@ -1210,41 +3279,10 @@
           </a:p>
         </p:txBody>
       </p:sp>
-      <p:cxnSp>
-        <p:nvCxnSpPr>
-          <p:cNvPr id="15" name="Straight Connector 14"/>
-          <p:cNvCxnSpPr/>
-          <p:nvPr/>
-        </p:nvCxnSpPr>
-        <p:spPr>
-          <a:xfrm>
-            <a:off x="1454239" y="3804985"/>
-            <a:ext cx="8630446" cy="0"/>
-          </a:xfrm>
-          <a:prstGeom prst="line">
-            <a:avLst/>
-          </a:prstGeom>
-          <a:ln w="31750"/>
-        </p:spPr>
-        <p:style>
-          <a:lnRef idx="3">
-            <a:schemeClr val="accent1"/>
-          </a:lnRef>
-          <a:fillRef idx="0">
-            <a:schemeClr val="accent1"/>
-          </a:fillRef>
-          <a:effectRef idx="2">
-            <a:schemeClr val="accent1"/>
-          </a:effectRef>
-          <a:fontRef idx="minor">
-            <a:schemeClr val="tx1"/>
-          </a:fontRef>
-        </p:style>
-      </p:cxnSp>
     </p:spTree>
     <p:extLst>
       <p:ext uri="{BB962C8B-B14F-4D97-AF65-F5344CB8AC3E}">
-        <p14:creationId xmlns:p14="http://schemas.microsoft.com/office/powerpoint/2010/main" val="1396297402"/>
+        <p14:creationId xmlns:p14="http://schemas.microsoft.com/office/powerpoint/2010/main" val="340068295"/>
       </p:ext>
     </p:extLst>
   </p:cSld>
@@ -1281,19 +3319,71 @@
             <p:ph type="title"/>
           </p:nvPr>
         </p:nvSpPr>
+        <p:spPr/>
+        <p:txBody>
+          <a:bodyPr/>
+          <a:lstStyle/>
+          <a:p>
+            <a:r>
+              <a:rPr lang="es-ES"/>
+              <a:t>Haga clic para modificar el estilo de título del patrón</a:t>
+            </a:r>
+            <a:endParaRPr lang="en-US" dirty="0"/>
+          </a:p>
+        </p:txBody>
+      </p:sp>
+      <p:sp>
+        <p:nvSpPr>
+          <p:cNvPr id="3" name="Content Placeholder 2"/>
+          <p:cNvSpPr>
+            <a:spLocks noGrp="1"/>
+          </p:cNvSpPr>
+          <p:nvPr>
+            <p:ph sz="half" idx="1"/>
+          </p:nvPr>
+        </p:nvSpPr>
         <p:spPr>
           <a:xfrm>
-            <a:off x="1449217" y="804889"/>
-            <a:ext cx="9605635" cy="1059305"/>
+            <a:off x="677334" y="2160589"/>
+            <a:ext cx="4184035" cy="3880772"/>
           </a:xfrm>
         </p:spPr>
         <p:txBody>
           <a:bodyPr/>
           <a:lstStyle/>
           <a:p>
+            <a:pPr lvl="0"/>
             <a:r>
               <a:rPr lang="es-ES"/>
-              <a:t>Haga clic para modificar el estilo de título del patrón</a:t>
+              <a:t>Haga clic para modificar los estilos de texto del patrón</a:t>
+            </a:r>
+          </a:p>
+          <a:p>
+            <a:pPr lvl="1"/>
+            <a:r>
+              <a:rPr lang="es-ES"/>
+              <a:t>Segundo nivel</a:t>
+            </a:r>
+          </a:p>
+          <a:p>
+            <a:pPr lvl="2"/>
+            <a:r>
+              <a:rPr lang="es-ES"/>
+              <a:t>Tercer nivel</a:t>
+            </a:r>
+          </a:p>
+          <a:p>
+            <a:pPr lvl="3"/>
+            <a:r>
+              <a:rPr lang="es-ES"/>
+              <a:t>Cuarto nivel</a:t>
+            </a:r>
+          </a:p>
+          <a:p>
+            <a:pPr lvl="4"/>
+            <a:r>
+              <a:rPr lang="es-ES"/>
+              <a:t>Quinto nivel</a:t>
             </a:r>
             <a:endParaRPr lang="en-US" dirty="0"/>
           </a:p>
@@ -1301,18 +3391,18 @@
       </p:sp>
       <p:sp>
         <p:nvSpPr>
-          <p:cNvPr id="3" name="Content Placeholder 2"/>
-          <p:cNvSpPr>
-            <a:spLocks noGrp="1"/>
-          </p:cNvSpPr>
-          <p:nvPr>
-            <p:ph sz="half" idx="1"/>
+          <p:cNvPr id="4" name="Content Placeholder 3"/>
+          <p:cNvSpPr>
+            <a:spLocks noGrp="1"/>
+          </p:cNvSpPr>
+          <p:nvPr>
+            <p:ph sz="half" idx="2"/>
           </p:nvPr>
         </p:nvSpPr>
         <p:spPr>
           <a:xfrm>
-            <a:off x="1447331" y="2010878"/>
-            <a:ext cx="4645152" cy="3448595"/>
+            <a:off x="5089970" y="2160589"/>
+            <a:ext cx="4184034" cy="3880773"/>
           </a:xfrm>
         </p:spPr>
         <p:txBody>
@@ -1358,79 +3448,22 @@
       </p:sp>
       <p:sp>
         <p:nvSpPr>
-          <p:cNvPr id="4" name="Content Placeholder 3"/>
-          <p:cNvSpPr>
-            <a:spLocks noGrp="1"/>
-          </p:cNvSpPr>
-          <p:nvPr>
-            <p:ph sz="half" idx="2"/>
-          </p:nvPr>
-        </p:nvSpPr>
-        <p:spPr>
-          <a:xfrm>
-            <a:off x="6413771" y="2017343"/>
-            <a:ext cx="4645152" cy="3441520"/>
-          </a:xfrm>
-        </p:spPr>
+          <p:cNvPr id="5" name="Date Placeholder 4"/>
+          <p:cNvSpPr>
+            <a:spLocks noGrp="1"/>
+          </p:cNvSpPr>
+          <p:nvPr>
+            <p:ph type="dt" sz="half" idx="10"/>
+          </p:nvPr>
+        </p:nvSpPr>
+        <p:spPr/>
         <p:txBody>
           <a:bodyPr/>
           <a:lstStyle/>
           <a:p>
-            <a:pPr lvl="0"/>
-            <a:r>
-              <a:rPr lang="es-ES"/>
-              <a:t>Haga clic para modificar los estilos de texto del patrón</a:t>
-            </a:r>
-          </a:p>
-          <a:p>
-            <a:pPr lvl="1"/>
-            <a:r>
-              <a:rPr lang="es-ES"/>
-              <a:t>Segundo nivel</a:t>
-            </a:r>
-          </a:p>
-          <a:p>
-            <a:pPr lvl="2"/>
-            <a:r>
-              <a:rPr lang="es-ES"/>
-              <a:t>Tercer nivel</a:t>
-            </a:r>
-          </a:p>
-          <a:p>
-            <a:pPr lvl="3"/>
-            <a:r>
-              <a:rPr lang="es-ES"/>
-              <a:t>Cuarto nivel</a:t>
-            </a:r>
-          </a:p>
-          <a:p>
-            <a:pPr lvl="4"/>
-            <a:r>
-              <a:rPr lang="es-ES"/>
-              <a:t>Quinto nivel</a:t>
-            </a:r>
-            <a:endParaRPr lang="en-US" dirty="0"/>
-          </a:p>
-        </p:txBody>
-      </p:sp>
-      <p:sp>
-        <p:nvSpPr>
-          <p:cNvPr id="5" name="Date Placeholder 4"/>
-          <p:cNvSpPr>
-            <a:spLocks noGrp="1"/>
-          </p:cNvSpPr>
-          <p:nvPr>
-            <p:ph type="dt" sz="half" idx="10"/>
-          </p:nvPr>
-        </p:nvSpPr>
-        <p:spPr/>
-        <p:txBody>
-          <a:bodyPr/>
-          <a:lstStyle/>
-          <a:p>
             <a:fld id="{6AF85D1D-B2D2-42D7-B1AD-D2C733C17524}" type="datetimeFigureOut">
               <a:rPr lang="es-ES" smtClean="0"/>
-              <a:t>23/07/2025</a:t>
+              <a:t>25/07/2025</a:t>
             </a:fld>
             <a:endParaRPr lang="es-ES"/>
           </a:p>
@@ -1478,41 +3511,10 @@
           </a:p>
         </p:txBody>
       </p:sp>
-      <p:cxnSp>
-        <p:nvCxnSpPr>
-          <p:cNvPr id="35" name="Straight Connector 34"/>
-          <p:cNvCxnSpPr/>
-          <p:nvPr/>
-        </p:nvCxnSpPr>
-        <p:spPr>
-          <a:xfrm>
-            <a:off x="1453896" y="1847088"/>
-            <a:ext cx="9607522" cy="0"/>
-          </a:xfrm>
-          <a:prstGeom prst="line">
-            <a:avLst/>
-          </a:prstGeom>
-          <a:ln w="31750"/>
-        </p:spPr>
-        <p:style>
-          <a:lnRef idx="3">
-            <a:schemeClr val="accent1"/>
-          </a:lnRef>
-          <a:fillRef idx="0">
-            <a:schemeClr val="accent1"/>
-          </a:fillRef>
-          <a:effectRef idx="2">
-            <a:schemeClr val="accent1"/>
-          </a:effectRef>
-          <a:fontRef idx="minor">
-            <a:schemeClr val="tx1"/>
-          </a:fontRef>
-        </p:style>
-      </p:cxnSp>
     </p:spTree>
     <p:extLst>
       <p:ext uri="{BB962C8B-B14F-4D97-AF65-F5344CB8AC3E}">
-        <p14:creationId xmlns:p14="http://schemas.microsoft.com/office/powerpoint/2010/main" val="4136749067"/>
+        <p14:creationId xmlns:p14="http://schemas.microsoft.com/office/powerpoint/2010/main" val="3097244847"/>
       </p:ext>
     </p:extLst>
   </p:cSld>
@@ -1549,55 +3551,47 @@
             <p:ph type="title"/>
           </p:nvPr>
         </p:nvSpPr>
+        <p:spPr/>
+        <p:txBody>
+          <a:bodyPr/>
+          <a:lstStyle>
+            <a:lvl1pPr>
+              <a:defRPr/>
+            </a:lvl1pPr>
+          </a:lstStyle>
+          <a:p>
+            <a:r>
+              <a:rPr lang="es-ES"/>
+              <a:t>Haga clic para modificar el estilo de título del patrón</a:t>
+            </a:r>
+            <a:endParaRPr lang="en-US" dirty="0"/>
+          </a:p>
+        </p:txBody>
+      </p:sp>
+      <p:sp>
+        <p:nvSpPr>
+          <p:cNvPr id="3" name="Text Placeholder 2"/>
+          <p:cNvSpPr>
+            <a:spLocks noGrp="1"/>
+          </p:cNvSpPr>
+          <p:nvPr>
+            <p:ph type="body" idx="1"/>
+          </p:nvPr>
+        </p:nvSpPr>
         <p:spPr>
           <a:xfrm>
-            <a:off x="1447191" y="804163"/>
-            <a:ext cx="9607661" cy="1056319"/>
+            <a:off x="675745" y="2160983"/>
+            <a:ext cx="4185623" cy="576262"/>
           </a:xfrm>
         </p:spPr>
         <p:txBody>
-          <a:bodyPr/>
-          <a:lstStyle/>
-          <a:p>
-            <a:r>
-              <a:rPr lang="es-ES"/>
-              <a:t>Haga clic para modificar el estilo de título del patrón</a:t>
-            </a:r>
-            <a:endParaRPr lang="en-US" dirty="0"/>
-          </a:p>
-        </p:txBody>
-      </p:sp>
-      <p:sp>
-        <p:nvSpPr>
-          <p:cNvPr id="3" name="Text Placeholder 2"/>
-          <p:cNvSpPr>
-            <a:spLocks noGrp="1"/>
-          </p:cNvSpPr>
-          <p:nvPr>
-            <p:ph type="body" idx="1"/>
-          </p:nvPr>
-        </p:nvSpPr>
-        <p:spPr>
-          <a:xfrm>
-            <a:off x="1447191" y="2019549"/>
-            <a:ext cx="4645152" cy="801943"/>
-          </a:xfrm>
-        </p:spPr>
-        <p:txBody>
           <a:bodyPr anchor="b">
-            <a:normAutofit/>
+            <a:noAutofit/>
           </a:bodyPr>
           <a:lstStyle>
             <a:lvl1pPr marL="0" indent="0">
-              <a:lnSpc>
-                <a:spcPct val="100000"/>
-              </a:lnSpc>
-              <a:buNone/>
-              <a:defRPr sz="2200" b="0" cap="all" baseline="0">
-                <a:solidFill>
-                  <a:schemeClr val="accent1"/>
-                </a:solidFill>
-              </a:defRPr>
+              <a:buNone/>
+              <a:defRPr sz="2400" b="0"/>
             </a:lvl1pPr>
             <a:lvl2pPr marL="457200" indent="0">
               <a:buNone/>
@@ -1653,12 +3647,14 @@
         </p:nvSpPr>
         <p:spPr>
           <a:xfrm>
-            <a:off x="1447191" y="2824269"/>
-            <a:ext cx="4645152" cy="2644457"/>
+            <a:off x="675745" y="2737245"/>
+            <a:ext cx="4185623" cy="3304117"/>
           </a:xfrm>
         </p:spPr>
         <p:txBody>
-          <a:bodyPr/>
+          <a:bodyPr>
+            <a:normAutofit/>
+          </a:bodyPr>
           <a:lstStyle/>
           <a:p>
             <a:pPr lvl="0"/>
@@ -1710,25 +3706,18 @@
         </p:nvSpPr>
         <p:spPr>
           <a:xfrm>
-            <a:off x="6412362" y="2023003"/>
-            <a:ext cx="4645152" cy="802237"/>
+            <a:off x="5088383" y="2160983"/>
+            <a:ext cx="4185618" cy="576262"/>
           </a:xfrm>
         </p:spPr>
         <p:txBody>
           <a:bodyPr anchor="b">
-            <a:normAutofit/>
+            <a:noAutofit/>
           </a:bodyPr>
           <a:lstStyle>
             <a:lvl1pPr marL="0" indent="0">
-              <a:lnSpc>
-                <a:spcPct val="100000"/>
-              </a:lnSpc>
-              <a:buNone/>
-              <a:defRPr sz="2200" b="0" cap="all" baseline="0">
-                <a:solidFill>
-                  <a:schemeClr val="accent1"/>
-                </a:solidFill>
-              </a:defRPr>
+              <a:buNone/>
+              <a:defRPr sz="2400" b="0"/>
             </a:lvl1pPr>
             <a:lvl2pPr marL="457200" indent="0">
               <a:buNone/>
@@ -1784,69 +3773,71 @@
         </p:nvSpPr>
         <p:spPr>
           <a:xfrm>
-            <a:off x="6412362" y="2821491"/>
-            <a:ext cx="4645152" cy="2637371"/>
+            <a:off x="5088384" y="2737245"/>
+            <a:ext cx="4185617" cy="3304117"/>
           </a:xfrm>
         </p:spPr>
         <p:txBody>
+          <a:bodyPr>
+            <a:normAutofit/>
+          </a:bodyPr>
+          <a:lstStyle/>
+          <a:p>
+            <a:pPr lvl="0"/>
+            <a:r>
+              <a:rPr lang="es-ES"/>
+              <a:t>Haga clic para modificar los estilos de texto del patrón</a:t>
+            </a:r>
+          </a:p>
+          <a:p>
+            <a:pPr lvl="1"/>
+            <a:r>
+              <a:rPr lang="es-ES"/>
+              <a:t>Segundo nivel</a:t>
+            </a:r>
+          </a:p>
+          <a:p>
+            <a:pPr lvl="2"/>
+            <a:r>
+              <a:rPr lang="es-ES"/>
+              <a:t>Tercer nivel</a:t>
+            </a:r>
+          </a:p>
+          <a:p>
+            <a:pPr lvl="3"/>
+            <a:r>
+              <a:rPr lang="es-ES"/>
+              <a:t>Cuarto nivel</a:t>
+            </a:r>
+          </a:p>
+          <a:p>
+            <a:pPr lvl="4"/>
+            <a:r>
+              <a:rPr lang="es-ES"/>
+              <a:t>Quinto nivel</a:t>
+            </a:r>
+            <a:endParaRPr lang="en-US" dirty="0"/>
+          </a:p>
+        </p:txBody>
+      </p:sp>
+      <p:sp>
+        <p:nvSpPr>
+          <p:cNvPr id="7" name="Date Placeholder 6"/>
+          <p:cNvSpPr>
+            <a:spLocks noGrp="1"/>
+          </p:cNvSpPr>
+          <p:nvPr>
+            <p:ph type="dt" sz="half" idx="10"/>
+          </p:nvPr>
+        </p:nvSpPr>
+        <p:spPr/>
+        <p:txBody>
           <a:bodyPr/>
           <a:lstStyle/>
           <a:p>
-            <a:pPr lvl="0"/>
-            <a:r>
-              <a:rPr lang="es-ES"/>
-              <a:t>Haga clic para modificar los estilos de texto del patrón</a:t>
-            </a:r>
-          </a:p>
-          <a:p>
-            <a:pPr lvl="1"/>
-            <a:r>
-              <a:rPr lang="es-ES"/>
-              <a:t>Segundo nivel</a:t>
-            </a:r>
-          </a:p>
-          <a:p>
-            <a:pPr lvl="2"/>
-            <a:r>
-              <a:rPr lang="es-ES"/>
-              <a:t>Tercer nivel</a:t>
-            </a:r>
-          </a:p>
-          <a:p>
-            <a:pPr lvl="3"/>
-            <a:r>
-              <a:rPr lang="es-ES"/>
-              <a:t>Cuarto nivel</a:t>
-            </a:r>
-          </a:p>
-          <a:p>
-            <a:pPr lvl="4"/>
-            <a:r>
-              <a:rPr lang="es-ES"/>
-              <a:t>Quinto nivel</a:t>
-            </a:r>
-            <a:endParaRPr lang="en-US" dirty="0"/>
-          </a:p>
-        </p:txBody>
-      </p:sp>
-      <p:sp>
-        <p:nvSpPr>
-          <p:cNvPr id="7" name="Date Placeholder 6"/>
-          <p:cNvSpPr>
-            <a:spLocks noGrp="1"/>
-          </p:cNvSpPr>
-          <p:nvPr>
-            <p:ph type="dt" sz="half" idx="10"/>
-          </p:nvPr>
-        </p:nvSpPr>
-        <p:spPr/>
-        <p:txBody>
-          <a:bodyPr/>
-          <a:lstStyle/>
-          <a:p>
             <a:fld id="{6AF85D1D-B2D2-42D7-B1AD-D2C733C17524}" type="datetimeFigureOut">
               <a:rPr lang="es-ES" smtClean="0"/>
-              <a:t>23/07/2025</a:t>
+              <a:t>25/07/2025</a:t>
             </a:fld>
             <a:endParaRPr lang="es-ES"/>
           </a:p>
@@ -1894,41 +3885,10 @@
           </a:p>
         </p:txBody>
       </p:sp>
-      <p:cxnSp>
-        <p:nvCxnSpPr>
-          <p:cNvPr id="29" name="Straight Connector 28"/>
-          <p:cNvCxnSpPr/>
-          <p:nvPr/>
-        </p:nvCxnSpPr>
-        <p:spPr>
-          <a:xfrm>
-            <a:off x="1453896" y="1847088"/>
-            <a:ext cx="9607522" cy="0"/>
-          </a:xfrm>
-          <a:prstGeom prst="line">
-            <a:avLst/>
-          </a:prstGeom>
-          <a:ln w="31750"/>
-        </p:spPr>
-        <p:style>
-          <a:lnRef idx="3">
-            <a:schemeClr val="accent1"/>
-          </a:lnRef>
-          <a:fillRef idx="0">
-            <a:schemeClr val="accent1"/>
-          </a:fillRef>
-          <a:effectRef idx="2">
-            <a:schemeClr val="accent1"/>
-          </a:effectRef>
-          <a:fontRef idx="minor">
-            <a:schemeClr val="tx1"/>
-          </a:fontRef>
-        </p:style>
-      </p:cxnSp>
     </p:spTree>
     <p:extLst>
       <p:ext uri="{BB962C8B-B14F-4D97-AF65-F5344CB8AC3E}">
-        <p14:creationId xmlns:p14="http://schemas.microsoft.com/office/powerpoint/2010/main" val="1641070358"/>
+        <p14:creationId xmlns:p14="http://schemas.microsoft.com/office/powerpoint/2010/main" val="1304127567"/>
       </p:ext>
     </p:extLst>
   </p:cSld>
@@ -1965,7 +3925,12 @@
             <p:ph type="title"/>
           </p:nvPr>
         </p:nvSpPr>
-        <p:spPr/>
+        <p:spPr>
+          <a:xfrm>
+            <a:off x="677334" y="609600"/>
+            <a:ext cx="8596668" cy="1320800"/>
+          </a:xfrm>
+        </p:spPr>
         <p:txBody>
           <a:bodyPr/>
           <a:lstStyle/>
@@ -1995,7 +3960,7 @@
           <a:p>
             <a:fld id="{6AF85D1D-B2D2-42D7-B1AD-D2C733C17524}" type="datetimeFigureOut">
               <a:rPr lang="es-ES" smtClean="0"/>
-              <a:t>23/07/2025</a:t>
+              <a:t>25/07/2025</a:t>
             </a:fld>
             <a:endParaRPr lang="es-ES"/>
           </a:p>
@@ -2043,41 +4008,10 @@
           </a:p>
         </p:txBody>
       </p:sp>
-      <p:cxnSp>
-        <p:nvCxnSpPr>
-          <p:cNvPr id="25" name="Straight Connector 24"/>
-          <p:cNvCxnSpPr/>
-          <p:nvPr/>
-        </p:nvCxnSpPr>
-        <p:spPr>
-          <a:xfrm>
-            <a:off x="1453896" y="1847088"/>
-            <a:ext cx="9607522" cy="0"/>
-          </a:xfrm>
-          <a:prstGeom prst="line">
-            <a:avLst/>
-          </a:prstGeom>
-          <a:ln w="31750"/>
-        </p:spPr>
-        <p:style>
-          <a:lnRef idx="3">
-            <a:schemeClr val="accent1"/>
-          </a:lnRef>
-          <a:fillRef idx="0">
-            <a:schemeClr val="accent1"/>
-          </a:fillRef>
-          <a:effectRef idx="2">
-            <a:schemeClr val="accent1"/>
-          </a:effectRef>
-          <a:fontRef idx="minor">
-            <a:schemeClr val="tx1"/>
-          </a:fontRef>
-        </p:style>
-      </p:cxnSp>
     </p:spTree>
     <p:extLst>
       <p:ext uri="{BB962C8B-B14F-4D97-AF65-F5344CB8AC3E}">
-        <p14:creationId xmlns:p14="http://schemas.microsoft.com/office/powerpoint/2010/main" val="2430070534"/>
+        <p14:creationId xmlns:p14="http://schemas.microsoft.com/office/powerpoint/2010/main" val="3295223157"/>
       </p:ext>
     </p:extLst>
   </p:cSld>
@@ -2121,7 +4055,7 @@
           <a:p>
             <a:fld id="{6AF85D1D-B2D2-42D7-B1AD-D2C733C17524}" type="datetimeFigureOut">
               <a:rPr lang="es-ES" smtClean="0"/>
-              <a:t>23/07/2025</a:t>
+              <a:t>25/07/2025</a:t>
             </a:fld>
             <a:endParaRPr lang="es-ES"/>
           </a:p>
@@ -2172,7 +4106,7 @@
     </p:spTree>
     <p:extLst>
       <p:ext uri="{BB962C8B-B14F-4D97-AF65-F5344CB8AC3E}">
-        <p14:creationId xmlns:p14="http://schemas.microsoft.com/office/powerpoint/2010/main" val="3611134583"/>
+        <p14:creationId xmlns:p14="http://schemas.microsoft.com/office/powerpoint/2010/main" val="944634777"/>
       </p:ext>
     </p:extLst>
   </p:cSld>
@@ -2211,8 +4145,8 @@
         </p:nvSpPr>
         <p:spPr>
           <a:xfrm>
-            <a:off x="1444671" y="798973"/>
-            <a:ext cx="3273099" cy="2247117"/>
+            <a:off x="677334" y="1498604"/>
+            <a:ext cx="3854528" cy="1278466"/>
           </a:xfrm>
         </p:spPr>
         <p:txBody>
@@ -2220,8 +4154,8 @@
             <a:normAutofit/>
           </a:bodyPr>
           <a:lstStyle>
-            <a:lvl1pPr algn="l">
-              <a:defRPr sz="2400"/>
+            <a:lvl1pPr>
+              <a:defRPr sz="2000"/>
             </a:lvl1pPr>
           </a:lstStyle>
           <a:p>
@@ -2245,12 +4179,14 @@
         </p:nvSpPr>
         <p:spPr>
           <a:xfrm>
-            <a:off x="5043714" y="798974"/>
-            <a:ext cx="6012470" cy="4658826"/>
+            <a:off x="4760461" y="514924"/>
+            <a:ext cx="4513541" cy="5526437"/>
           </a:xfrm>
         </p:spPr>
         <p:txBody>
-          <a:bodyPr anchor="ctr"/>
+          <a:bodyPr>
+            <a:normAutofit/>
+          </a:bodyPr>
           <a:lstStyle/>
           <a:p>
             <a:pPr lvl="0"/>
@@ -2302,46 +4238,48 @@
         </p:nvSpPr>
         <p:spPr>
           <a:xfrm>
-            <a:off x="1444671" y="3205491"/>
-            <a:ext cx="3275013" cy="2248181"/>
+            <a:off x="677334" y="2777069"/>
+            <a:ext cx="3854528" cy="2584449"/>
           </a:xfrm>
         </p:spPr>
         <p:txBody>
-          <a:bodyPr/>
+          <a:bodyPr>
+            <a:normAutofit/>
+          </a:bodyPr>
           <a:lstStyle>
-            <a:lvl1pPr marL="0" indent="0" algn="l">
-              <a:buNone/>
-              <a:defRPr sz="1600"/>
+            <a:lvl1pPr marL="0" indent="0">
+              <a:buNone/>
+              <a:defRPr sz="1400"/>
             </a:lvl1pPr>
-            <a:lvl2pPr marL="457200" indent="0">
+            <a:lvl2pPr marL="457063" indent="0">
               <a:buNone/>
               <a:defRPr sz="1400"/>
             </a:lvl2pPr>
-            <a:lvl3pPr marL="914400" indent="0">
+            <a:lvl3pPr marL="914126" indent="0">
               <a:buNone/>
               <a:defRPr sz="1200"/>
             </a:lvl3pPr>
-            <a:lvl4pPr marL="1371600" indent="0">
+            <a:lvl4pPr marL="1371189" indent="0">
               <a:buNone/>
               <a:defRPr sz="1000"/>
             </a:lvl4pPr>
-            <a:lvl5pPr marL="1828800" indent="0">
+            <a:lvl5pPr marL="1828251" indent="0">
               <a:buNone/>
               <a:defRPr sz="1000"/>
             </a:lvl5pPr>
-            <a:lvl6pPr marL="2286000" indent="0">
+            <a:lvl6pPr marL="2285314" indent="0">
               <a:buNone/>
               <a:defRPr sz="1000"/>
             </a:lvl6pPr>
-            <a:lvl7pPr marL="2743200" indent="0">
+            <a:lvl7pPr marL="2742377" indent="0">
               <a:buNone/>
               <a:defRPr sz="1000"/>
             </a:lvl7pPr>
-            <a:lvl8pPr marL="3200400" indent="0">
+            <a:lvl8pPr marL="3199440" indent="0">
               <a:buNone/>
               <a:defRPr sz="1000"/>
             </a:lvl8pPr>
-            <a:lvl9pPr marL="3657600" indent="0">
+            <a:lvl9pPr marL="3656503" indent="0">
               <a:buNone/>
               <a:defRPr sz="1000"/>
             </a:lvl9pPr>
@@ -2372,7 +4310,7 @@
           <a:p>
             <a:fld id="{6AF85D1D-B2D2-42D7-B1AD-D2C733C17524}" type="datetimeFigureOut">
               <a:rPr lang="es-ES" smtClean="0"/>
-              <a:t>23/07/2025</a:t>
+              <a:t>25/07/2025</a:t>
             </a:fld>
             <a:endParaRPr lang="es-ES"/>
           </a:p>
@@ -2420,41 +4358,10 @@
           </a:p>
         </p:txBody>
       </p:sp>
-      <p:cxnSp>
-        <p:nvCxnSpPr>
-          <p:cNvPr id="17" name="Straight Connector 16"/>
-          <p:cNvCxnSpPr/>
-          <p:nvPr/>
-        </p:nvCxnSpPr>
-        <p:spPr>
-          <a:xfrm>
-            <a:off x="1448280" y="3205491"/>
-            <a:ext cx="3269490" cy="0"/>
-          </a:xfrm>
-          <a:prstGeom prst="line">
-            <a:avLst/>
-          </a:prstGeom>
-          <a:ln w="31750"/>
-        </p:spPr>
-        <p:style>
-          <a:lnRef idx="3">
-            <a:schemeClr val="accent1"/>
-          </a:lnRef>
-          <a:fillRef idx="0">
-            <a:schemeClr val="accent1"/>
-          </a:fillRef>
-          <a:effectRef idx="2">
-            <a:schemeClr val="accent1"/>
-          </a:effectRef>
-          <a:fontRef idx="minor">
-            <a:schemeClr val="tx1"/>
-          </a:fontRef>
-        </p:style>
-      </p:cxnSp>
     </p:spTree>
     <p:extLst>
       <p:ext uri="{BB962C8B-B14F-4D97-AF65-F5344CB8AC3E}">
-        <p14:creationId xmlns:p14="http://schemas.microsoft.com/office/powerpoint/2010/main" val="1699176041"/>
+        <p14:creationId xmlns:p14="http://schemas.microsoft.com/office/powerpoint/2010/main" val="13773741"/>
       </p:ext>
     </p:extLst>
   </p:cSld>
@@ -2481,62 +4388,409 @@
           <a:chExt cx="0" cy="0"/>
         </a:xfrm>
       </p:grpSpPr>
+      <p:sp>
+        <p:nvSpPr>
+          <p:cNvPr id="2" name="Title 1"/>
+          <p:cNvSpPr>
+            <a:spLocks noGrp="1"/>
+          </p:cNvSpPr>
+          <p:nvPr>
+            <p:ph type="title"/>
+          </p:nvPr>
+        </p:nvSpPr>
+        <p:spPr>
+          <a:xfrm>
+            <a:off x="677334" y="4800600"/>
+            <a:ext cx="8596667" cy="566738"/>
+          </a:xfrm>
+        </p:spPr>
+        <p:txBody>
+          <a:bodyPr anchor="b">
+            <a:normAutofit/>
+          </a:bodyPr>
+          <a:lstStyle>
+            <a:lvl1pPr algn="l">
+              <a:defRPr sz="2400" b="0"/>
+            </a:lvl1pPr>
+          </a:lstStyle>
+          <a:p>
+            <a:r>
+              <a:rPr lang="es-ES"/>
+              <a:t>Haga clic para modificar el estilo de título del patrón</a:t>
+            </a:r>
+            <a:endParaRPr lang="en-US" dirty="0"/>
+          </a:p>
+        </p:txBody>
+      </p:sp>
+      <p:sp>
+        <p:nvSpPr>
+          <p:cNvPr id="3" name="Picture Placeholder 2"/>
+          <p:cNvSpPr>
+            <a:spLocks noGrp="1" noChangeAspect="1"/>
+          </p:cNvSpPr>
+          <p:nvPr>
+            <p:ph type="pic" idx="1"/>
+          </p:nvPr>
+        </p:nvSpPr>
+        <p:spPr>
+          <a:xfrm>
+            <a:off x="677334" y="609600"/>
+            <a:ext cx="8596668" cy="3845718"/>
+          </a:xfrm>
+        </p:spPr>
+        <p:txBody>
+          <a:bodyPr anchor="t">
+            <a:normAutofit/>
+          </a:bodyPr>
+          <a:lstStyle>
+            <a:lvl1pPr marL="0" indent="0" algn="ctr">
+              <a:buNone/>
+              <a:defRPr sz="1600"/>
+            </a:lvl1pPr>
+            <a:lvl2pPr marL="457200" indent="0">
+              <a:buNone/>
+              <a:defRPr sz="1600"/>
+            </a:lvl2pPr>
+            <a:lvl3pPr marL="914400" indent="0">
+              <a:buNone/>
+              <a:defRPr sz="1600"/>
+            </a:lvl3pPr>
+            <a:lvl4pPr marL="1371600" indent="0">
+              <a:buNone/>
+              <a:defRPr sz="1600"/>
+            </a:lvl4pPr>
+            <a:lvl5pPr marL="1828800" indent="0">
+              <a:buNone/>
+              <a:defRPr sz="1600"/>
+            </a:lvl5pPr>
+            <a:lvl6pPr marL="2286000" indent="0">
+              <a:buNone/>
+              <a:defRPr sz="1600"/>
+            </a:lvl6pPr>
+            <a:lvl7pPr marL="2743200" indent="0">
+              <a:buNone/>
+              <a:defRPr sz="1600"/>
+            </a:lvl7pPr>
+            <a:lvl8pPr marL="3200400" indent="0">
+              <a:buNone/>
+              <a:defRPr sz="1600"/>
+            </a:lvl8pPr>
+            <a:lvl9pPr marL="3657600" indent="0">
+              <a:buNone/>
+              <a:defRPr sz="1600"/>
+            </a:lvl9pPr>
+          </a:lstStyle>
+          <a:p>
+            <a:r>
+              <a:rPr lang="es-ES"/>
+              <a:t>Haga clic en el icono para agregar una imagen</a:t>
+            </a:r>
+            <a:endParaRPr lang="en-US" dirty="0"/>
+          </a:p>
+        </p:txBody>
+      </p:sp>
+      <p:sp>
+        <p:nvSpPr>
+          <p:cNvPr id="4" name="Text Placeholder 3"/>
+          <p:cNvSpPr>
+            <a:spLocks noGrp="1"/>
+          </p:cNvSpPr>
+          <p:nvPr>
+            <p:ph type="body" sz="half" idx="2"/>
+          </p:nvPr>
+        </p:nvSpPr>
+        <p:spPr>
+          <a:xfrm>
+            <a:off x="677334" y="5367338"/>
+            <a:ext cx="8596667" cy="674024"/>
+          </a:xfrm>
+        </p:spPr>
+        <p:txBody>
+          <a:bodyPr>
+            <a:normAutofit/>
+          </a:bodyPr>
+          <a:lstStyle>
+            <a:lvl1pPr marL="0" indent="0">
+              <a:buNone/>
+              <a:defRPr sz="1200"/>
+            </a:lvl1pPr>
+            <a:lvl2pPr marL="457200" indent="0">
+              <a:buNone/>
+              <a:defRPr sz="1200"/>
+            </a:lvl2pPr>
+            <a:lvl3pPr marL="914400" indent="0">
+              <a:buNone/>
+              <a:defRPr sz="1000"/>
+            </a:lvl3pPr>
+            <a:lvl4pPr marL="1371600" indent="0">
+              <a:buNone/>
+              <a:defRPr sz="900"/>
+            </a:lvl4pPr>
+            <a:lvl5pPr marL="1828800" indent="0">
+              <a:buNone/>
+              <a:defRPr sz="900"/>
+            </a:lvl5pPr>
+            <a:lvl6pPr marL="2286000" indent="0">
+              <a:buNone/>
+              <a:defRPr sz="900"/>
+            </a:lvl6pPr>
+            <a:lvl7pPr marL="2743200" indent="0">
+              <a:buNone/>
+              <a:defRPr sz="900"/>
+            </a:lvl7pPr>
+            <a:lvl8pPr marL="3200400" indent="0">
+              <a:buNone/>
+              <a:defRPr sz="900"/>
+            </a:lvl8pPr>
+            <a:lvl9pPr marL="3657600" indent="0">
+              <a:buNone/>
+              <a:defRPr sz="900"/>
+            </a:lvl9pPr>
+          </a:lstStyle>
+          <a:p>
+            <a:pPr lvl="0"/>
+            <a:r>
+              <a:rPr lang="es-ES"/>
+              <a:t>Haga clic para modificar los estilos de texto del patrón</a:t>
+            </a:r>
+          </a:p>
+        </p:txBody>
+      </p:sp>
+      <p:sp>
+        <p:nvSpPr>
+          <p:cNvPr id="5" name="Date Placeholder 4"/>
+          <p:cNvSpPr>
+            <a:spLocks noGrp="1"/>
+          </p:cNvSpPr>
+          <p:nvPr>
+            <p:ph type="dt" sz="half" idx="10"/>
+          </p:nvPr>
+        </p:nvSpPr>
+        <p:spPr/>
+        <p:txBody>
+          <a:bodyPr/>
+          <a:lstStyle/>
+          <a:p>
+            <a:fld id="{6AF85D1D-B2D2-42D7-B1AD-D2C733C17524}" type="datetimeFigureOut">
+              <a:rPr lang="es-ES" smtClean="0"/>
+              <a:t>25/07/2025</a:t>
+            </a:fld>
+            <a:endParaRPr lang="es-ES"/>
+          </a:p>
+        </p:txBody>
+      </p:sp>
+      <p:sp>
+        <p:nvSpPr>
+          <p:cNvPr id="6" name="Footer Placeholder 5"/>
+          <p:cNvSpPr>
+            <a:spLocks noGrp="1"/>
+          </p:cNvSpPr>
+          <p:nvPr>
+            <p:ph type="ftr" sz="quarter" idx="11"/>
+          </p:nvPr>
+        </p:nvSpPr>
+        <p:spPr/>
+        <p:txBody>
+          <a:bodyPr/>
+          <a:lstStyle/>
+          <a:p>
+            <a:endParaRPr lang="es-ES"/>
+          </a:p>
+        </p:txBody>
+      </p:sp>
+      <p:sp>
+        <p:nvSpPr>
+          <p:cNvPr id="7" name="Slide Number Placeholder 6"/>
+          <p:cNvSpPr>
+            <a:spLocks noGrp="1"/>
+          </p:cNvSpPr>
+          <p:nvPr>
+            <p:ph type="sldNum" sz="quarter" idx="12"/>
+          </p:nvPr>
+        </p:nvSpPr>
+        <p:spPr/>
+        <p:txBody>
+          <a:bodyPr/>
+          <a:lstStyle/>
+          <a:p>
+            <a:fld id="{DB401DC3-F7B5-4482-857B-2E500A5287D7}" type="slidenum">
+              <a:rPr lang="es-ES" smtClean="0"/>
+              <a:t>‹Nº›</a:t>
+            </a:fld>
+            <a:endParaRPr lang="es-ES"/>
+          </a:p>
+        </p:txBody>
+      </p:sp>
+    </p:spTree>
+    <p:extLst>
+      <p:ext uri="{BB962C8B-B14F-4D97-AF65-F5344CB8AC3E}">
+        <p14:creationId xmlns:p14="http://schemas.microsoft.com/office/powerpoint/2010/main" val="2753174738"/>
+      </p:ext>
+    </p:extLst>
+  </p:cSld>
+  <p:clrMapOvr>
+    <a:masterClrMapping/>
+  </p:clrMapOvr>
+</p:sldLayout>
+</file>
+
+<file path=ppt/slideMasters/slideMaster1.xml><?xml version="1.0" encoding="utf-8"?>
+<p:sldMaster xmlns:a="http://schemas.openxmlformats.org/drawingml/2006/main" xmlns:r="http://schemas.openxmlformats.org/officeDocument/2006/relationships" xmlns:p="http://schemas.openxmlformats.org/presentationml/2006/main">
+  <p:cSld>
+    <p:bg>
+      <p:bgRef idx="1001">
+        <a:schemeClr val="bg1"/>
+      </p:bgRef>
+    </p:bg>
+    <p:spTree>
+      <p:nvGrpSpPr>
+        <p:cNvPr id="1" name=""/>
+        <p:cNvGrpSpPr/>
+        <p:nvPr/>
+      </p:nvGrpSpPr>
+      <p:grpSpPr>
+        <a:xfrm>
+          <a:off x="0" y="0"/>
+          <a:ext cx="0" cy="0"/>
+          <a:chOff x="0" y="0"/>
+          <a:chExt cx="0" cy="0"/>
+        </a:xfrm>
+      </p:grpSpPr>
       <p:grpSp>
         <p:nvGrpSpPr>
-          <p:cNvPr id="8" name="Group 7"/>
+          <p:cNvPr id="7" name="Group 6"/>
           <p:cNvGrpSpPr/>
           <p:nvPr/>
         </p:nvGrpSpPr>
         <p:grpSpPr>
           <a:xfrm>
-            <a:off x="7477387" y="482170"/>
-            <a:ext cx="4074533" cy="5149101"/>
-            <a:chOff x="7477387" y="482170"/>
-            <a:chExt cx="4074533" cy="5149101"/>
+            <a:off x="0" y="-8467"/>
+            <a:ext cx="12192000" cy="6866467"/>
+            <a:chOff x="0" y="-8467"/>
+            <a:chExt cx="12192000" cy="6866467"/>
           </a:xfrm>
         </p:grpSpPr>
+        <p:cxnSp>
+          <p:nvCxnSpPr>
+            <p:cNvPr id="20" name="Straight Connector 19"/>
+            <p:cNvCxnSpPr/>
+            <p:nvPr/>
+          </p:nvCxnSpPr>
+          <p:spPr>
+            <a:xfrm>
+              <a:off x="9371012" y="0"/>
+              <a:ext cx="1219200" cy="6858000"/>
+            </a:xfrm>
+            <a:prstGeom prst="line">
+              <a:avLst/>
+            </a:prstGeom>
+            <a:ln w="9525">
+              <a:solidFill>
+                <a:schemeClr val="bg1">
+                  <a:lumMod val="75000"/>
+                </a:schemeClr>
+              </a:solidFill>
+            </a:ln>
+          </p:spPr>
+          <p:style>
+            <a:lnRef idx="2">
+              <a:schemeClr val="accent1"/>
+            </a:lnRef>
+            <a:fillRef idx="0">
+              <a:schemeClr val="accent1"/>
+            </a:fillRef>
+            <a:effectRef idx="1">
+              <a:schemeClr val="accent1"/>
+            </a:effectRef>
+            <a:fontRef idx="minor">
+              <a:schemeClr val="tx1"/>
+            </a:fontRef>
+          </p:style>
+        </p:cxnSp>
+        <p:cxnSp>
+          <p:nvCxnSpPr>
+            <p:cNvPr id="21" name="Straight Connector 20"/>
+            <p:cNvCxnSpPr/>
+            <p:nvPr/>
+          </p:nvCxnSpPr>
+          <p:spPr>
+            <a:xfrm flipH="1">
+              <a:off x="7425267" y="3681413"/>
+              <a:ext cx="4763558" cy="3176587"/>
+            </a:xfrm>
+            <a:prstGeom prst="line">
+              <a:avLst/>
+            </a:prstGeom>
+            <a:ln w="9525">
+              <a:solidFill>
+                <a:schemeClr val="bg1">
+                  <a:lumMod val="85000"/>
+                </a:schemeClr>
+              </a:solidFill>
+            </a:ln>
+          </p:spPr>
+          <p:style>
+            <a:lnRef idx="2">
+              <a:schemeClr val="accent1"/>
+            </a:lnRef>
+            <a:fillRef idx="0">
+              <a:schemeClr val="accent1"/>
+            </a:fillRef>
+            <a:effectRef idx="1">
+              <a:schemeClr val="accent1"/>
+            </a:effectRef>
+            <a:fontRef idx="minor">
+              <a:schemeClr val="tx1"/>
+            </a:fontRef>
+          </p:style>
+        </p:cxnSp>
         <p:sp>
           <p:nvSpPr>
-            <p:cNvPr id="18" name="Rectangle 17"/>
+            <p:cNvPr id="22" name="Rectangle 23"/>
             <p:cNvSpPr/>
             <p:nvPr/>
           </p:nvSpPr>
-          <p:spPr bwMode="black">
+          <p:spPr>
             <a:xfrm>
-              <a:off x="7477387" y="482170"/>
-              <a:ext cx="4074533" cy="5149101"/>
+              <a:off x="9181476" y="-8467"/>
+              <a:ext cx="3007349" cy="6866467"/>
             </a:xfrm>
-            <a:prstGeom prst="rect">
+            <a:custGeom>
               <a:avLst/>
-            </a:prstGeom>
-            <a:gradFill>
-              <a:gsLst>
-                <a:gs pos="0">
-                  <a:srgbClr val="000001"/>
-                </a:gs>
-                <a:gs pos="100000">
-                  <a:srgbClr val="191919"/>
-                </a:gs>
-              </a:gsLst>
-            </a:gradFill>
-            <a:ln w="76200" cmpd="sng">
+              <a:gdLst/>
+              <a:ahLst/>
+              <a:cxnLst/>
+              <a:rect l="l" t="t" r="r" b="b"/>
+              <a:pathLst>
+                <a:path w="3007349" h="6866467">
+                  <a:moveTo>
+                    <a:pt x="2045532" y="0"/>
+                  </a:moveTo>
+                  <a:lnTo>
+                    <a:pt x="3007349" y="0"/>
+                  </a:lnTo>
+                  <a:lnTo>
+                    <a:pt x="3007349" y="6866467"/>
+                  </a:lnTo>
+                  <a:lnTo>
+                    <a:pt x="0" y="6866467"/>
+                  </a:lnTo>
+                  <a:lnTo>
+                    <a:pt x="2045532" y="0"/>
+                  </a:lnTo>
+                  <a:close/>
+                </a:path>
+              </a:pathLst>
+            </a:custGeom>
+            <a:solidFill>
+              <a:schemeClr val="accent1">
+                <a:alpha val="30000"/>
+              </a:schemeClr>
+            </a:solidFill>
+            <a:ln>
               <a:noFill/>
-              <a:miter lim="800000"/>
             </a:ln>
-            <a:effectLst>
-              <a:outerShdw blurRad="127000" dist="228600" dir="4740000" sx="98000" sy="98000" algn="tl" rotWithShape="0">
-                <a:srgbClr val="000000">
-                  <a:alpha val="34000"/>
-                </a:srgbClr>
-              </a:outerShdw>
-            </a:effectLst>
-            <a:scene3d>
-              <a:camera prst="orthographicFront"/>
-              <a:lightRig rig="threePt" dir="t"/>
-            </a:scene3d>
-            <a:sp3d>
-              <a:bevelT w="152400" h="50800" prst="softRound"/>
-            </a:sp3d>
+            <a:effectLst/>
           </p:spPr>
           <p:style>
             <a:lnRef idx="1">
@@ -2555,49 +4809,366 @@
         </p:sp>
         <p:sp>
           <p:nvSpPr>
-            <p:cNvPr id="19" name="Rectangle 18"/>
+            <p:cNvPr id="23" name="Rectangle 25"/>
             <p:cNvSpPr/>
             <p:nvPr/>
           </p:nvSpPr>
-          <p:spPr bwMode="blackWhite">
+          <p:spPr>
             <a:xfrm>
-              <a:off x="7790446" y="812506"/>
-              <a:ext cx="3450289" cy="4466452"/>
+              <a:off x="9603442" y="-8467"/>
+              <a:ext cx="2588558" cy="6866467"/>
             </a:xfrm>
-            <a:prstGeom prst="rect">
+            <a:custGeom>
               <a:avLst/>
+              <a:gdLst/>
+              <a:ahLst/>
+              <a:cxnLst/>
+              <a:rect l="l" t="t" r="r" b="b"/>
+              <a:pathLst>
+                <a:path w="2573311" h="6866467">
+                  <a:moveTo>
+                    <a:pt x="0" y="0"/>
+                  </a:moveTo>
+                  <a:lnTo>
+                    <a:pt x="2573311" y="0"/>
+                  </a:lnTo>
+                  <a:lnTo>
+                    <a:pt x="2573311" y="6866467"/>
+                  </a:lnTo>
+                  <a:lnTo>
+                    <a:pt x="1202336" y="6866467"/>
+                  </a:lnTo>
+                  <a:lnTo>
+                    <a:pt x="0" y="0"/>
+                  </a:lnTo>
+                  <a:close/>
+                </a:path>
+              </a:pathLst>
+            </a:custGeom>
+            <a:solidFill>
+              <a:schemeClr val="accent1">
+                <a:alpha val="20000"/>
+              </a:schemeClr>
+            </a:solidFill>
+            <a:ln>
+              <a:noFill/>
+            </a:ln>
+            <a:effectLst/>
+          </p:spPr>
+          <p:style>
+            <a:lnRef idx="1">
+              <a:schemeClr val="accent1"/>
+            </a:lnRef>
+            <a:fillRef idx="3">
+              <a:schemeClr val="accent1"/>
+            </a:fillRef>
+            <a:effectRef idx="2">
+              <a:schemeClr val="accent1"/>
+            </a:effectRef>
+            <a:fontRef idx="minor">
+              <a:schemeClr val="lt1"/>
+            </a:fontRef>
+          </p:style>
+        </p:sp>
+        <p:sp>
+          <p:nvSpPr>
+            <p:cNvPr id="24" name="Isosceles Triangle 23"/>
+            <p:cNvSpPr/>
+            <p:nvPr/>
+          </p:nvSpPr>
+          <p:spPr>
+            <a:xfrm>
+              <a:off x="8932333" y="3048000"/>
+              <a:ext cx="3259667" cy="3810000"/>
+            </a:xfrm>
+            <a:prstGeom prst="triangle">
+              <a:avLst>
+                <a:gd name="adj" fmla="val 100000"/>
+              </a:avLst>
             </a:prstGeom>
-            <a:gradFill>
-              <a:gsLst>
-                <a:gs pos="0">
-                  <a:srgbClr val="DADADA"/>
-                </a:gs>
-                <a:gs pos="100000">
-                  <a:srgbClr val="FFFFFE"/>
-                </a:gs>
-              </a:gsLst>
-              <a:lin ang="16200000" scaled="0"/>
-            </a:gradFill>
-            <a:ln w="50800" cmpd="sng">
-              <a:solidFill>
-                <a:srgbClr val="191919"/>
-              </a:solidFill>
-              <a:miter lim="800000"/>
+            <a:solidFill>
+              <a:schemeClr val="accent2">
+                <a:alpha val="72000"/>
+              </a:schemeClr>
+            </a:solidFill>
+            <a:ln>
+              <a:noFill/>
             </a:ln>
-            <a:effectLst>
-              <a:innerShdw blurRad="63500" dist="88900" dir="14100000">
-                <a:srgbClr val="000000">
-                  <a:alpha val="30000"/>
-                </a:srgbClr>
-              </a:innerShdw>
-            </a:effectLst>
-            <a:scene3d>
-              <a:camera prst="orthographicFront"/>
-              <a:lightRig rig="threePt" dir="t"/>
-            </a:scene3d>
-            <a:sp3d>
-              <a:bevelT prst="relaxedInset"/>
-            </a:sp3d>
+            <a:effectLst/>
+          </p:spPr>
+          <p:style>
+            <a:lnRef idx="1">
+              <a:schemeClr val="accent1"/>
+            </a:lnRef>
+            <a:fillRef idx="3">
+              <a:schemeClr val="accent1"/>
+            </a:fillRef>
+            <a:effectRef idx="2">
+              <a:schemeClr val="accent1"/>
+            </a:effectRef>
+            <a:fontRef idx="minor">
+              <a:schemeClr val="lt1"/>
+            </a:fontRef>
+          </p:style>
+        </p:sp>
+        <p:sp>
+          <p:nvSpPr>
+            <p:cNvPr id="25" name="Rectangle 27"/>
+            <p:cNvSpPr/>
+            <p:nvPr/>
+          </p:nvSpPr>
+          <p:spPr>
+            <a:xfrm>
+              <a:off x="9334500" y="-8467"/>
+              <a:ext cx="2854326" cy="6866467"/>
+            </a:xfrm>
+            <a:custGeom>
+              <a:avLst/>
+              <a:gdLst/>
+              <a:ahLst/>
+              <a:cxnLst/>
+              <a:rect l="l" t="t" r="r" b="b"/>
+              <a:pathLst>
+                <a:path w="2858013" h="6866467">
+                  <a:moveTo>
+                    <a:pt x="0" y="0"/>
+                  </a:moveTo>
+                  <a:lnTo>
+                    <a:pt x="2858013" y="0"/>
+                  </a:lnTo>
+                  <a:lnTo>
+                    <a:pt x="2858013" y="6866467"/>
+                  </a:lnTo>
+                  <a:lnTo>
+                    <a:pt x="2473942" y="6866467"/>
+                  </a:lnTo>
+                  <a:lnTo>
+                    <a:pt x="0" y="0"/>
+                  </a:lnTo>
+                  <a:close/>
+                </a:path>
+              </a:pathLst>
+            </a:custGeom>
+            <a:solidFill>
+              <a:schemeClr val="accent2">
+                <a:lumMod val="75000"/>
+                <a:alpha val="70000"/>
+              </a:schemeClr>
+            </a:solidFill>
+            <a:ln>
+              <a:noFill/>
+            </a:ln>
+            <a:effectLst/>
+          </p:spPr>
+          <p:style>
+            <a:lnRef idx="1">
+              <a:schemeClr val="accent1"/>
+            </a:lnRef>
+            <a:fillRef idx="3">
+              <a:schemeClr val="accent1"/>
+            </a:fillRef>
+            <a:effectRef idx="2">
+              <a:schemeClr val="accent1"/>
+            </a:effectRef>
+            <a:fontRef idx="minor">
+              <a:schemeClr val="lt1"/>
+            </a:fontRef>
+          </p:style>
+        </p:sp>
+        <p:sp>
+          <p:nvSpPr>
+            <p:cNvPr id="26" name="Rectangle 28"/>
+            <p:cNvSpPr/>
+            <p:nvPr/>
+          </p:nvSpPr>
+          <p:spPr>
+            <a:xfrm>
+              <a:off x="10898730" y="-8467"/>
+              <a:ext cx="1290094" cy="6866467"/>
+            </a:xfrm>
+            <a:custGeom>
+              <a:avLst/>
+              <a:gdLst/>
+              <a:ahLst/>
+              <a:cxnLst/>
+              <a:rect l="l" t="t" r="r" b="b"/>
+              <a:pathLst>
+                <a:path w="1290094" h="6858000">
+                  <a:moveTo>
+                    <a:pt x="1019735" y="0"/>
+                  </a:moveTo>
+                  <a:lnTo>
+                    <a:pt x="1290094" y="0"/>
+                  </a:lnTo>
+                  <a:lnTo>
+                    <a:pt x="1290094" y="6858000"/>
+                  </a:lnTo>
+                  <a:lnTo>
+                    <a:pt x="0" y="6858000"/>
+                  </a:lnTo>
+                  <a:lnTo>
+                    <a:pt x="1019735" y="0"/>
+                  </a:lnTo>
+                  <a:close/>
+                </a:path>
+              </a:pathLst>
+            </a:custGeom>
+            <a:solidFill>
+              <a:schemeClr val="accent1">
+                <a:lumMod val="60000"/>
+                <a:lumOff val="40000"/>
+                <a:alpha val="70000"/>
+              </a:schemeClr>
+            </a:solidFill>
+            <a:ln>
+              <a:noFill/>
+            </a:ln>
+            <a:effectLst/>
+          </p:spPr>
+          <p:style>
+            <a:lnRef idx="1">
+              <a:schemeClr val="accent1"/>
+            </a:lnRef>
+            <a:fillRef idx="3">
+              <a:schemeClr val="accent1"/>
+            </a:fillRef>
+            <a:effectRef idx="2">
+              <a:schemeClr val="accent1"/>
+            </a:effectRef>
+            <a:fontRef idx="minor">
+              <a:schemeClr val="lt1"/>
+            </a:fontRef>
+          </p:style>
+        </p:sp>
+        <p:sp>
+          <p:nvSpPr>
+            <p:cNvPr id="27" name="Rectangle 29"/>
+            <p:cNvSpPr/>
+            <p:nvPr/>
+          </p:nvSpPr>
+          <p:spPr>
+            <a:xfrm>
+              <a:off x="10938999" y="-8467"/>
+              <a:ext cx="1249825" cy="6866467"/>
+            </a:xfrm>
+            <a:custGeom>
+              <a:avLst/>
+              <a:gdLst/>
+              <a:ahLst/>
+              <a:cxnLst/>
+              <a:rect l="l" t="t" r="r" b="b"/>
+              <a:pathLst>
+                <a:path w="1249825" h="6858000">
+                  <a:moveTo>
+                    <a:pt x="0" y="0"/>
+                  </a:moveTo>
+                  <a:lnTo>
+                    <a:pt x="1249825" y="0"/>
+                  </a:lnTo>
+                  <a:lnTo>
+                    <a:pt x="1249825" y="6858000"/>
+                  </a:lnTo>
+                  <a:lnTo>
+                    <a:pt x="1109382" y="6858000"/>
+                  </a:lnTo>
+                  <a:lnTo>
+                    <a:pt x="0" y="0"/>
+                  </a:lnTo>
+                  <a:close/>
+                </a:path>
+              </a:pathLst>
+            </a:custGeom>
+            <a:solidFill>
+              <a:schemeClr val="accent1">
+                <a:alpha val="65000"/>
+              </a:schemeClr>
+            </a:solidFill>
+            <a:ln>
+              <a:noFill/>
+            </a:ln>
+            <a:effectLst/>
+          </p:spPr>
+          <p:style>
+            <a:lnRef idx="1">
+              <a:schemeClr val="accent1"/>
+            </a:lnRef>
+            <a:fillRef idx="3">
+              <a:schemeClr val="accent1"/>
+            </a:fillRef>
+            <a:effectRef idx="2">
+              <a:schemeClr val="accent1"/>
+            </a:effectRef>
+            <a:fontRef idx="minor">
+              <a:schemeClr val="lt1"/>
+            </a:fontRef>
+          </p:style>
+        </p:sp>
+        <p:sp>
+          <p:nvSpPr>
+            <p:cNvPr id="28" name="Isosceles Triangle 27"/>
+            <p:cNvSpPr/>
+            <p:nvPr/>
+          </p:nvSpPr>
+          <p:spPr>
+            <a:xfrm>
+              <a:off x="10371666" y="3589867"/>
+              <a:ext cx="1817159" cy="3268133"/>
+            </a:xfrm>
+            <a:prstGeom prst="triangle">
+              <a:avLst>
+                <a:gd name="adj" fmla="val 100000"/>
+              </a:avLst>
+            </a:prstGeom>
+            <a:solidFill>
+              <a:schemeClr val="accent1">
+                <a:alpha val="80000"/>
+              </a:schemeClr>
+            </a:solidFill>
+            <a:ln>
+              <a:noFill/>
+            </a:ln>
+            <a:effectLst/>
+          </p:spPr>
+          <p:style>
+            <a:lnRef idx="1">
+              <a:schemeClr val="accent1"/>
+            </a:lnRef>
+            <a:fillRef idx="3">
+              <a:schemeClr val="accent1"/>
+            </a:fillRef>
+            <a:effectRef idx="2">
+              <a:schemeClr val="accent1"/>
+            </a:effectRef>
+            <a:fontRef idx="minor">
+              <a:schemeClr val="lt1"/>
+            </a:fontRef>
+          </p:style>
+        </p:sp>
+        <p:sp>
+          <p:nvSpPr>
+            <p:cNvPr id="29" name="Isosceles Triangle 28"/>
+            <p:cNvSpPr/>
+            <p:nvPr/>
+          </p:nvSpPr>
+          <p:spPr>
+            <a:xfrm>
+              <a:off x="0" y="4013200"/>
+              <a:ext cx="448733" cy="2844800"/>
+            </a:xfrm>
+            <a:prstGeom prst="triangle">
+              <a:avLst>
+                <a:gd name="adj" fmla="val 0"/>
+              </a:avLst>
+            </a:prstGeom>
+            <a:solidFill>
+              <a:schemeClr val="accent1">
+                <a:alpha val="85000"/>
+              </a:schemeClr>
+            </a:solidFill>
+            <a:ln>
+              <a:noFill/>
+            </a:ln>
+            <a:effectLst/>
           </p:spPr>
           <p:style>
             <a:lnRef idx="1">
@@ -2617,7 +5188,7 @@
       </p:grpSp>
       <p:sp>
         <p:nvSpPr>
-          <p:cNvPr id="2" name="Title 1"/>
+          <p:cNvPr id="2" name="Title Placeholder 1"/>
           <p:cNvSpPr>
             <a:spLocks noGrp="1"/>
           </p:cNvSpPr>
@@ -2627,421 +5198,84 @@
         </p:nvSpPr>
         <p:spPr>
           <a:xfrm>
-            <a:off x="1451206" y="1129513"/>
-            <a:ext cx="5532328" cy="1830584"/>
-          </a:xfrm>
-        </p:spPr>
-        <p:txBody>
-          <a:bodyPr anchor="b">
-            <a:normAutofit/>
-          </a:bodyPr>
-          <a:lstStyle>
-            <a:lvl1pPr>
-              <a:defRPr sz="3200"/>
-            </a:lvl1pPr>
-          </a:lstStyle>
-          <a:p>
-            <a:r>
-              <a:rPr lang="es-ES"/>
-              <a:t>Haga clic para modificar el estilo de título del patrón</a:t>
-            </a:r>
-            <a:endParaRPr lang="en-US" dirty="0"/>
-          </a:p>
-        </p:txBody>
-      </p:sp>
-      <p:sp>
-        <p:nvSpPr>
-          <p:cNvPr id="3" name="Picture Placeholder 2"/>
-          <p:cNvSpPr>
-            <a:spLocks noGrp="1" noChangeAspect="1"/>
-          </p:cNvSpPr>
-          <p:nvPr>
-            <p:ph type="pic" idx="1"/>
-          </p:nvPr>
-        </p:nvSpPr>
-        <p:spPr>
-          <a:xfrm>
-            <a:off x="8124389" y="1122542"/>
-            <a:ext cx="2791171" cy="3866327"/>
-          </a:xfrm>
-          <a:solidFill>
-            <a:schemeClr val="bg1">
-              <a:lumMod val="85000"/>
-            </a:schemeClr>
-          </a:solidFill>
-          <a:ln w="9525" cap="sq">
-            <a:noFill/>
-            <a:miter lim="800000"/>
-          </a:ln>
-          <a:effectLst/>
-        </p:spPr>
-        <p:txBody>
-          <a:bodyPr anchor="t"/>
-          <a:lstStyle>
-            <a:lvl1pPr marL="0" indent="0" algn="ctr">
-              <a:buNone/>
-              <a:defRPr sz="3200"/>
-            </a:lvl1pPr>
-            <a:lvl2pPr marL="457200" indent="0">
-              <a:buNone/>
-              <a:defRPr sz="2800"/>
-            </a:lvl2pPr>
-            <a:lvl3pPr marL="914400" indent="0">
-              <a:buNone/>
-              <a:defRPr sz="2400"/>
-            </a:lvl3pPr>
-            <a:lvl4pPr marL="1371600" indent="0">
-              <a:buNone/>
-              <a:defRPr sz="2000"/>
-            </a:lvl4pPr>
-            <a:lvl5pPr marL="1828800" indent="0">
-              <a:buNone/>
-              <a:defRPr sz="2000"/>
-            </a:lvl5pPr>
-            <a:lvl6pPr marL="2286000" indent="0">
-              <a:buNone/>
-              <a:defRPr sz="2000"/>
-            </a:lvl6pPr>
-            <a:lvl7pPr marL="2743200" indent="0">
-              <a:buNone/>
-              <a:defRPr sz="2000"/>
-            </a:lvl7pPr>
-            <a:lvl8pPr marL="3200400" indent="0">
-              <a:buNone/>
-              <a:defRPr sz="2000"/>
-            </a:lvl8pPr>
-            <a:lvl9pPr marL="3657600" indent="0">
-              <a:buNone/>
-              <a:defRPr sz="2000"/>
-            </a:lvl9pPr>
-          </a:lstStyle>
-          <a:p>
-            <a:r>
-              <a:rPr lang="es-ES"/>
-              <a:t>Haga clic en el icono para agregar una imagen</a:t>
-            </a:r>
-            <a:endParaRPr lang="en-US" dirty="0"/>
-          </a:p>
-        </p:txBody>
-      </p:sp>
-      <p:sp>
-        <p:nvSpPr>
-          <p:cNvPr id="4" name="Text Placeholder 3"/>
-          <p:cNvSpPr>
-            <a:spLocks noGrp="1"/>
-          </p:cNvSpPr>
-          <p:nvPr>
-            <p:ph type="body" sz="half" idx="2"/>
-          </p:nvPr>
-        </p:nvSpPr>
-        <p:spPr>
-          <a:xfrm>
-            <a:off x="1450329" y="3145992"/>
-            <a:ext cx="5524404" cy="2003742"/>
-          </a:xfrm>
-        </p:spPr>
-        <p:txBody>
-          <a:bodyPr>
-            <a:normAutofit/>
-          </a:bodyPr>
-          <a:lstStyle>
-            <a:lvl1pPr marL="0" indent="0" algn="l">
-              <a:buNone/>
-              <a:defRPr sz="1800"/>
-            </a:lvl1pPr>
-            <a:lvl2pPr marL="457200" indent="0">
-              <a:buNone/>
-              <a:defRPr sz="1400"/>
-            </a:lvl2pPr>
-            <a:lvl3pPr marL="914400" indent="0">
-              <a:buNone/>
-              <a:defRPr sz="1200"/>
-            </a:lvl3pPr>
-            <a:lvl4pPr marL="1371600" indent="0">
-              <a:buNone/>
-              <a:defRPr sz="1000"/>
-            </a:lvl4pPr>
-            <a:lvl5pPr marL="1828800" indent="0">
-              <a:buNone/>
-              <a:defRPr sz="1000"/>
-            </a:lvl5pPr>
-            <a:lvl6pPr marL="2286000" indent="0">
-              <a:buNone/>
-              <a:defRPr sz="1000"/>
-            </a:lvl6pPr>
-            <a:lvl7pPr marL="2743200" indent="0">
-              <a:buNone/>
-              <a:defRPr sz="1000"/>
-            </a:lvl7pPr>
-            <a:lvl8pPr marL="3200400" indent="0">
-              <a:buNone/>
-              <a:defRPr sz="1000"/>
-            </a:lvl8pPr>
-            <a:lvl9pPr marL="3657600" indent="0">
-              <a:buNone/>
-              <a:defRPr sz="1000"/>
-            </a:lvl9pPr>
-          </a:lstStyle>
-          <a:p>
-            <a:pPr lvl="0"/>
-            <a:r>
-              <a:rPr lang="es-ES"/>
-              <a:t>Haga clic para modificar los estilos de texto del patrón</a:t>
-            </a:r>
-          </a:p>
-        </p:txBody>
-      </p:sp>
-      <p:sp>
-        <p:nvSpPr>
-          <p:cNvPr id="5" name="Date Placeholder 4"/>
-          <p:cNvSpPr>
-            <a:spLocks noGrp="1"/>
-          </p:cNvSpPr>
-          <p:nvPr>
-            <p:ph type="dt" sz="half" idx="10"/>
-          </p:nvPr>
-        </p:nvSpPr>
-        <p:spPr>
-          <a:xfrm>
-            <a:off x="1447382" y="5469856"/>
-            <a:ext cx="5527351" cy="320123"/>
-          </a:xfrm>
-        </p:spPr>
-        <p:txBody>
-          <a:bodyPr/>
-          <a:lstStyle>
-            <a:lvl1pPr algn="l">
-              <a:defRPr/>
-            </a:lvl1pPr>
-          </a:lstStyle>
-          <a:p>
-            <a:fld id="{6AF85D1D-B2D2-42D7-B1AD-D2C733C17524}" type="datetimeFigureOut">
-              <a:rPr lang="es-ES" smtClean="0"/>
-              <a:t>23/07/2025</a:t>
-            </a:fld>
-            <a:endParaRPr lang="es-ES"/>
-          </a:p>
-        </p:txBody>
-      </p:sp>
-      <p:sp>
-        <p:nvSpPr>
-          <p:cNvPr id="6" name="Footer Placeholder 5"/>
-          <p:cNvSpPr>
-            <a:spLocks noGrp="1"/>
-          </p:cNvSpPr>
-          <p:nvPr>
-            <p:ph type="ftr" sz="quarter" idx="11"/>
-          </p:nvPr>
-        </p:nvSpPr>
-        <p:spPr>
-          <a:xfrm>
-            <a:off x="1447382" y="318640"/>
-            <a:ext cx="5541004" cy="320931"/>
-          </a:xfrm>
-        </p:spPr>
-        <p:txBody>
-          <a:bodyPr/>
-          <a:lstStyle/>
-          <a:p>
-            <a:endParaRPr lang="es-ES"/>
-          </a:p>
-        </p:txBody>
-      </p:sp>
-      <p:sp>
-        <p:nvSpPr>
-          <p:cNvPr id="7" name="Slide Number Placeholder 6"/>
-          <p:cNvSpPr>
-            <a:spLocks noGrp="1"/>
-          </p:cNvSpPr>
-          <p:nvPr>
-            <p:ph type="sldNum" sz="quarter" idx="12"/>
-          </p:nvPr>
-        </p:nvSpPr>
-        <p:spPr/>
-        <p:txBody>
-          <a:bodyPr/>
-          <a:lstStyle/>
-          <a:p>
-            <a:fld id="{DB401DC3-F7B5-4482-857B-2E500A5287D7}" type="slidenum">
-              <a:rPr lang="es-ES" smtClean="0"/>
-              <a:t>‹Nº›</a:t>
-            </a:fld>
-            <a:endParaRPr lang="es-ES"/>
-          </a:p>
-        </p:txBody>
-      </p:sp>
-      <p:cxnSp>
-        <p:nvCxnSpPr>
-          <p:cNvPr id="31" name="Straight Connector 30"/>
-          <p:cNvCxnSpPr/>
-          <p:nvPr/>
-        </p:nvCxnSpPr>
-        <p:spPr>
-          <a:xfrm>
-            <a:off x="1447382" y="3143605"/>
-            <a:ext cx="5527351" cy="0"/>
-          </a:xfrm>
-          <a:prstGeom prst="line">
-            <a:avLst/>
-          </a:prstGeom>
-          <a:ln w="31750"/>
-        </p:spPr>
-        <p:style>
-          <a:lnRef idx="3">
-            <a:schemeClr val="accent1"/>
-          </a:lnRef>
-          <a:fillRef idx="0">
-            <a:schemeClr val="accent1"/>
-          </a:fillRef>
-          <a:effectRef idx="2">
-            <a:schemeClr val="accent1"/>
-          </a:effectRef>
-          <a:fontRef idx="minor">
-            <a:schemeClr val="tx1"/>
-          </a:fontRef>
-        </p:style>
-      </p:cxnSp>
-    </p:spTree>
-    <p:extLst>
-      <p:ext uri="{BB962C8B-B14F-4D97-AF65-F5344CB8AC3E}">
-        <p14:creationId xmlns:p14="http://schemas.microsoft.com/office/powerpoint/2010/main" val="3572563730"/>
-      </p:ext>
-    </p:extLst>
-  </p:cSld>
-  <p:clrMapOvr>
-    <a:masterClrMapping/>
-  </p:clrMapOvr>
-</p:sldLayout>
-</file>
-
-<file path=ppt/slideMasters/slideMaster1.xml><?xml version="1.0" encoding="utf-8"?>
-<p:sldMaster xmlns:a="http://schemas.openxmlformats.org/drawingml/2006/main" xmlns:r="http://schemas.openxmlformats.org/officeDocument/2006/relationships" xmlns:p="http://schemas.openxmlformats.org/presentationml/2006/main">
-  <p:cSld>
-    <p:bg>
-      <p:bgRef idx="1003">
-        <a:schemeClr val="bg2"/>
-      </p:bgRef>
-    </p:bg>
-    <p:spTree>
-      <p:nvGrpSpPr>
-        <p:cNvPr id="1" name=""/>
-        <p:cNvGrpSpPr/>
-        <p:nvPr/>
-      </p:nvGrpSpPr>
-      <p:grpSpPr>
-        <a:xfrm>
-          <a:off x="0" y="0"/>
-          <a:ext cx="0" cy="0"/>
-          <a:chOff x="0" y="0"/>
-          <a:chExt cx="0" cy="0"/>
-        </a:xfrm>
-      </p:grpSpPr>
-      <p:sp>
-        <p:nvSpPr>
-          <p:cNvPr id="8" name="Rectangle 7"/>
-          <p:cNvSpPr/>
-          <p:nvPr/>
-        </p:nvSpPr>
-        <p:spPr>
-          <a:xfrm>
-            <a:off x="0" y="2019476"/>
-            <a:ext cx="12192000" cy="4105941"/>
-          </a:xfrm>
-          <a:prstGeom prst="rect">
-            <a:avLst/>
-          </a:prstGeom>
-          <a:gradFill flip="none" rotWithShape="1">
-            <a:gsLst>
-              <a:gs pos="0">
-                <a:schemeClr val="bg2">
-                  <a:alpha val="0"/>
-                </a:schemeClr>
-              </a:gs>
-              <a:gs pos="100000">
-                <a:schemeClr val="bg2"/>
-              </a:gs>
-            </a:gsLst>
-            <a:lin ang="5400000" scaled="0"/>
-            <a:tileRect/>
-          </a:gradFill>
-          <a:ln>
-            <a:noFill/>
-          </a:ln>
-        </p:spPr>
-        <p:style>
-          <a:lnRef idx="2">
-            <a:schemeClr val="accent1">
-              <a:shade val="50000"/>
-            </a:schemeClr>
-          </a:lnRef>
-          <a:fillRef idx="1">
-            <a:schemeClr val="accent1"/>
-          </a:fillRef>
-          <a:effectRef idx="0">
-            <a:schemeClr val="accent1"/>
-          </a:effectRef>
-          <a:fontRef idx="minor">
-            <a:schemeClr val="lt1"/>
-          </a:fontRef>
-        </p:style>
-      </p:sp>
-      <p:pic>
-        <p:nvPicPr>
-          <p:cNvPr id="7" name="Picture 6"/>
-          <p:cNvPicPr>
-            <a:picLocks noChangeAspect="1"/>
-          </p:cNvPicPr>
-          <p:nvPr/>
-        </p:nvPicPr>
-        <p:blipFill rotWithShape="1">
-          <a:blip r:embed="rId13">
-            <a:extLst>
-              <a:ext uri="{28A0092B-C50C-407E-A947-70E740481C1C}">
-                <a14:useLocalDpi xmlns:a14="http://schemas.microsoft.com/office/drawing/2010/main" val="0"/>
-              </a:ext>
-            </a:extLst>
-          </a:blip>
-          <a:srcRect t="1538" b="-1538"/>
-          <a:stretch/>
-        </p:blipFill>
-        <p:spPr bwMode="black">
-          <a:xfrm>
-            <a:off x="0" y="6126480"/>
-            <a:ext cx="12192000" cy="742950"/>
+            <a:off x="677334" y="609600"/>
+            <a:ext cx="8596668" cy="1320800"/>
           </a:xfrm>
           <a:prstGeom prst="rect">
             <a:avLst/>
           </a:prstGeom>
         </p:spPr>
-      </p:pic>
-      <p:sp>
-        <p:nvSpPr>
-          <p:cNvPr id="2" name="Title Placeholder 1"/>
-          <p:cNvSpPr>
-            <a:spLocks noGrp="1"/>
-          </p:cNvSpPr>
-          <p:nvPr>
-            <p:ph type="title"/>
+        <p:txBody>
+          <a:bodyPr vert="horz" lIns="91440" tIns="45720" rIns="91440" bIns="45720" rtlCol="0" anchor="t">
+            <a:normAutofit/>
+          </a:bodyPr>
+          <a:lstStyle/>
+          <a:p>
+            <a:r>
+              <a:rPr lang="es-ES"/>
+              <a:t>Haga clic para modificar el estilo de título del patrón</a:t>
+            </a:r>
+            <a:endParaRPr lang="en-US" dirty="0"/>
+          </a:p>
+        </p:txBody>
+      </p:sp>
+      <p:sp>
+        <p:nvSpPr>
+          <p:cNvPr id="3" name="Text Placeholder 2"/>
+          <p:cNvSpPr>
+            <a:spLocks noGrp="1"/>
+          </p:cNvSpPr>
+          <p:nvPr>
+            <p:ph type="body" idx="1"/>
           </p:nvPr>
         </p:nvSpPr>
         <p:spPr>
           <a:xfrm>
-            <a:off x="1451579" y="804519"/>
-            <a:ext cx="9603275" cy="1049235"/>
+            <a:off x="677334" y="2160589"/>
+            <a:ext cx="8596668" cy="3880773"/>
           </a:xfrm>
           <a:prstGeom prst="rect">
             <a:avLst/>
           </a:prstGeom>
         </p:spPr>
         <p:txBody>
-          <a:bodyPr vert="horz" lIns="91440" tIns="45720" rIns="91440" bIns="45720" rtlCol="0" anchor="t">
+          <a:bodyPr vert="horz" lIns="91440" tIns="45720" rIns="91440" bIns="45720" rtlCol="0">
             <a:normAutofit/>
           </a:bodyPr>
           <a:lstStyle/>
           <a:p>
+            <a:pPr lvl="0"/>
             <a:r>
               <a:rPr lang="es-ES"/>
-              <a:t>Haga clic para modificar el estilo de título del patrón</a:t>
+              <a:t>Haga clic para modificar los estilos de texto del patrón</a:t>
+            </a:r>
+          </a:p>
+          <a:p>
+            <a:pPr lvl="1"/>
+            <a:r>
+              <a:rPr lang="es-ES"/>
+              <a:t>Segundo nivel</a:t>
+            </a:r>
+          </a:p>
+          <a:p>
+            <a:pPr lvl="2"/>
+            <a:r>
+              <a:rPr lang="es-ES"/>
+              <a:t>Tercer nivel</a:t>
+            </a:r>
+          </a:p>
+          <a:p>
+            <a:pPr lvl="3"/>
+            <a:r>
+              <a:rPr lang="es-ES"/>
+              <a:t>Cuarto nivel</a:t>
+            </a:r>
+          </a:p>
+          <a:p>
+            <a:pPr lvl="4"/>
+            <a:r>
+              <a:rPr lang="es-ES"/>
+              <a:t>Quinto nivel</a:t>
             </a:r>
             <a:endParaRPr lang="en-US" dirty="0"/>
           </a:p>
@@ -3049,90 +5283,28 @@
       </p:sp>
       <p:sp>
         <p:nvSpPr>
-          <p:cNvPr id="3" name="Text Placeholder 2"/>
-          <p:cNvSpPr>
-            <a:spLocks noGrp="1"/>
-          </p:cNvSpPr>
-          <p:nvPr>
-            <p:ph type="body" idx="1"/>
+          <p:cNvPr id="4" name="Date Placeholder 3"/>
+          <p:cNvSpPr>
+            <a:spLocks noGrp="1"/>
+          </p:cNvSpPr>
+          <p:nvPr>
+            <p:ph type="dt" sz="half" idx="2"/>
           </p:nvPr>
         </p:nvSpPr>
         <p:spPr>
           <a:xfrm>
-            <a:off x="1451579" y="2015732"/>
-            <a:ext cx="9603275" cy="3450613"/>
+            <a:off x="7205133" y="6041362"/>
+            <a:ext cx="911939" cy="365125"/>
           </a:xfrm>
           <a:prstGeom prst="rect">
             <a:avLst/>
           </a:prstGeom>
         </p:spPr>
         <p:txBody>
-          <a:bodyPr vert="horz" lIns="91440" tIns="45720" rIns="91440" bIns="45720" rtlCol="0">
-            <a:normAutofit/>
-          </a:bodyPr>
-          <a:lstStyle/>
-          <a:p>
-            <a:pPr lvl="0"/>
-            <a:r>
-              <a:rPr lang="es-ES"/>
-              <a:t>Haga clic para modificar los estilos de texto del patrón</a:t>
-            </a:r>
-          </a:p>
-          <a:p>
-            <a:pPr lvl="1"/>
-            <a:r>
-              <a:rPr lang="es-ES"/>
-              <a:t>Segundo nivel</a:t>
-            </a:r>
-          </a:p>
-          <a:p>
-            <a:pPr lvl="2"/>
-            <a:r>
-              <a:rPr lang="es-ES"/>
-              <a:t>Tercer nivel</a:t>
-            </a:r>
-          </a:p>
-          <a:p>
-            <a:pPr lvl="3"/>
-            <a:r>
-              <a:rPr lang="es-ES"/>
-              <a:t>Cuarto nivel</a:t>
-            </a:r>
-          </a:p>
-          <a:p>
-            <a:pPr lvl="4"/>
-            <a:r>
-              <a:rPr lang="es-ES"/>
-              <a:t>Quinto nivel</a:t>
-            </a:r>
-            <a:endParaRPr lang="en-US" dirty="0"/>
-          </a:p>
-        </p:txBody>
-      </p:sp>
-      <p:sp>
-        <p:nvSpPr>
-          <p:cNvPr id="4" name="Date Placeholder 3"/>
-          <p:cNvSpPr>
-            <a:spLocks noGrp="1"/>
-          </p:cNvSpPr>
-          <p:nvPr>
-            <p:ph type="dt" sz="half" idx="2"/>
-          </p:nvPr>
-        </p:nvSpPr>
-        <p:spPr>
-          <a:xfrm>
-            <a:off x="7554138" y="330370"/>
-            <a:ext cx="3500715" cy="309201"/>
-          </a:xfrm>
-          <a:prstGeom prst="rect">
-            <a:avLst/>
-          </a:prstGeom>
-        </p:spPr>
-        <p:txBody>
           <a:bodyPr vert="horz" lIns="91440" tIns="45720" rIns="91440" bIns="45720" rtlCol="0" anchor="ctr"/>
           <a:lstStyle>
             <a:lvl1pPr algn="r">
-              <a:defRPr sz="1000">
+              <a:defRPr sz="900">
                 <a:solidFill>
                   <a:schemeClr val="tx1">
                     <a:tint val="75000"/>
@@ -3144,7 +5316,7 @@
           <a:p>
             <a:fld id="{6AF85D1D-B2D2-42D7-B1AD-D2C733C17524}" type="datetimeFigureOut">
               <a:rPr lang="es-ES" smtClean="0"/>
-              <a:t>23/07/2025</a:t>
+              <a:t>25/07/2025</a:t>
             </a:fld>
             <a:endParaRPr lang="es-ES"/>
           </a:p>
@@ -3162,8 +5334,8 @@
         </p:nvSpPr>
         <p:spPr>
           <a:xfrm>
-            <a:off x="1451579" y="329307"/>
-            <a:ext cx="5938836" cy="309201"/>
+            <a:off x="677334" y="6041362"/>
+            <a:ext cx="6297612" cy="365125"/>
           </a:xfrm>
           <a:prstGeom prst="rect">
             <a:avLst/>
@@ -3173,7 +5345,7 @@
           <a:bodyPr vert="horz" lIns="91440" tIns="45720" rIns="91440" bIns="45720" rtlCol="0" anchor="ctr"/>
           <a:lstStyle>
             <a:lvl1pPr algn="l">
-              <a:defRPr sz="1000">
+              <a:defRPr sz="900">
                 <a:solidFill>
                   <a:schemeClr val="tx1">
                     <a:tint val="75000"/>
@@ -3199,18 +5371,18 @@
         </p:nvSpPr>
         <p:spPr>
           <a:xfrm>
-            <a:off x="480060" y="798973"/>
-            <a:ext cx="811019" cy="503578"/>
+            <a:off x="8590663" y="6041362"/>
+            <a:ext cx="683339" cy="365125"/>
           </a:xfrm>
           <a:prstGeom prst="rect">
             <a:avLst/>
           </a:prstGeom>
         </p:spPr>
         <p:txBody>
-          <a:bodyPr vert="horz" lIns="91440" tIns="45720" rIns="91440" bIns="45720" rtlCol="0" anchor="t"/>
+          <a:bodyPr vert="horz" lIns="91440" tIns="45720" rIns="91440" bIns="45720" rtlCol="0" anchor="ctr"/>
           <a:lstStyle>
             <a:lvl1pPr algn="r">
-              <a:defRPr sz="2800">
+              <a:defRPr sz="900">
                 <a:solidFill>
                   <a:schemeClr val="accent1"/>
                 </a:solidFill>
@@ -3226,288 +5398,326 @@
           </a:p>
         </p:txBody>
       </p:sp>
-      <p:cxnSp>
-        <p:nvCxnSpPr>
-          <p:cNvPr id="10" name="Straight Connector 9"/>
-          <p:cNvCxnSpPr/>
-          <p:nvPr/>
-        </p:nvCxnSpPr>
-        <p:spPr>
-          <a:xfrm>
-            <a:off x="0" y="6128413"/>
-            <a:ext cx="12192000" cy="0"/>
-          </a:xfrm>
-          <a:prstGeom prst="line">
-            <a:avLst/>
-          </a:prstGeom>
-          <a:ln w="12700">
-            <a:solidFill>
-              <a:srgbClr val="000001">
-                <a:alpha val="20000"/>
-              </a:srgbClr>
-            </a:solidFill>
-          </a:ln>
-        </p:spPr>
-        <p:style>
-          <a:lnRef idx="1">
-            <a:schemeClr val="accent1"/>
-          </a:lnRef>
-          <a:fillRef idx="0">
-            <a:schemeClr val="accent1"/>
-          </a:fillRef>
-          <a:effectRef idx="0">
-            <a:schemeClr val="accent1"/>
-          </a:effectRef>
-          <a:fontRef idx="minor">
-            <a:schemeClr val="tx1"/>
-          </a:fontRef>
-        </p:style>
-      </p:cxnSp>
     </p:spTree>
     <p:extLst>
       <p:ext uri="{BB962C8B-B14F-4D97-AF65-F5344CB8AC3E}">
-        <p14:creationId xmlns:p14="http://schemas.microsoft.com/office/powerpoint/2010/main" val="3942303150"/>
+        <p14:creationId xmlns:p14="http://schemas.microsoft.com/office/powerpoint/2010/main" val="3251901028"/>
       </p:ext>
     </p:extLst>
   </p:cSld>
   <p:clrMap bg1="lt1" tx1="dk1" bg2="lt2" tx2="dk2" accent1="accent1" accent2="accent2" accent3="accent3" accent4="accent4" accent5="accent5" accent6="accent6" hlink="hlink" folHlink="folHlink"/>
   <p:sldLayoutIdLst>
-    <p:sldLayoutId id="2147483661" r:id="rId1"/>
-    <p:sldLayoutId id="2147483662" r:id="rId2"/>
-    <p:sldLayoutId id="2147483663" r:id="rId3"/>
-    <p:sldLayoutId id="2147483664" r:id="rId4"/>
-    <p:sldLayoutId id="2147483665" r:id="rId5"/>
-    <p:sldLayoutId id="2147483666" r:id="rId6"/>
-    <p:sldLayoutId id="2147483667" r:id="rId7"/>
-    <p:sldLayoutId id="2147483668" r:id="rId8"/>
-    <p:sldLayoutId id="2147483669" r:id="rId9"/>
-    <p:sldLayoutId id="2147483670" r:id="rId10"/>
-    <p:sldLayoutId id="2147483671" r:id="rId11"/>
+    <p:sldLayoutId id="2147483685" r:id="rId1"/>
+    <p:sldLayoutId id="2147483686" r:id="rId2"/>
+    <p:sldLayoutId id="2147483687" r:id="rId3"/>
+    <p:sldLayoutId id="2147483688" r:id="rId4"/>
+    <p:sldLayoutId id="2147483689" r:id="rId5"/>
+    <p:sldLayoutId id="2147483690" r:id="rId6"/>
+    <p:sldLayoutId id="2147483691" r:id="rId7"/>
+    <p:sldLayoutId id="2147483692" r:id="rId8"/>
+    <p:sldLayoutId id="2147483693" r:id="rId9"/>
+    <p:sldLayoutId id="2147483694" r:id="rId10"/>
+    <p:sldLayoutId id="2147483695" r:id="rId11"/>
+    <p:sldLayoutId id="2147483696" r:id="rId12"/>
+    <p:sldLayoutId id="2147483697" r:id="rId13"/>
+    <p:sldLayoutId id="2147483698" r:id="rId14"/>
+    <p:sldLayoutId id="2147483699" r:id="rId15"/>
+    <p:sldLayoutId id="2147483700" r:id="rId16"/>
   </p:sldLayoutIdLst>
   <p:txStyles>
     <p:titleStyle>
-      <a:lvl1pPr algn="l" defTabSz="914400" rtl="0" eaLnBrk="1" latinLnBrk="0" hangingPunct="1">
-        <a:lnSpc>
-          <a:spcPct val="90000"/>
-        </a:lnSpc>
+      <a:lvl1pPr algn="l" defTabSz="457200" rtl="0" eaLnBrk="1" latinLnBrk="0" hangingPunct="1">
         <a:spcBef>
           <a:spcPct val="0"/>
         </a:spcBef>
         <a:buNone/>
-        <a:defRPr sz="3200" b="0" i="0" kern="1200" cap="all">
+        <a:defRPr sz="3600" kern="1200">
           <a:solidFill>
-            <a:schemeClr val="tx1"/>
+            <a:schemeClr val="accent1"/>
           </a:solidFill>
-          <a:effectLst/>
           <a:latin typeface="+mj-lt"/>
           <a:ea typeface="+mj-ea"/>
           <a:cs typeface="+mj-cs"/>
         </a:defRPr>
       </a:lvl1pPr>
+      <a:lvl2pPr eaLnBrk="1" hangingPunct="1">
+        <a:defRPr>
+          <a:solidFill>
+            <a:schemeClr val="tx2"/>
+          </a:solidFill>
+        </a:defRPr>
+      </a:lvl2pPr>
+      <a:lvl3pPr eaLnBrk="1" hangingPunct="1">
+        <a:defRPr>
+          <a:solidFill>
+            <a:schemeClr val="tx2"/>
+          </a:solidFill>
+        </a:defRPr>
+      </a:lvl3pPr>
+      <a:lvl4pPr eaLnBrk="1" hangingPunct="1">
+        <a:defRPr>
+          <a:solidFill>
+            <a:schemeClr val="tx2"/>
+          </a:solidFill>
+        </a:defRPr>
+      </a:lvl4pPr>
+      <a:lvl5pPr eaLnBrk="1" hangingPunct="1">
+        <a:defRPr>
+          <a:solidFill>
+            <a:schemeClr val="tx2"/>
+          </a:solidFill>
+        </a:defRPr>
+      </a:lvl5pPr>
+      <a:lvl6pPr eaLnBrk="1" hangingPunct="1">
+        <a:defRPr>
+          <a:solidFill>
+            <a:schemeClr val="tx2"/>
+          </a:solidFill>
+        </a:defRPr>
+      </a:lvl6pPr>
+      <a:lvl7pPr eaLnBrk="1" hangingPunct="1">
+        <a:defRPr>
+          <a:solidFill>
+            <a:schemeClr val="tx2"/>
+          </a:solidFill>
+        </a:defRPr>
+      </a:lvl7pPr>
+      <a:lvl8pPr eaLnBrk="1" hangingPunct="1">
+        <a:defRPr>
+          <a:solidFill>
+            <a:schemeClr val="tx2"/>
+          </a:solidFill>
+        </a:defRPr>
+      </a:lvl8pPr>
+      <a:lvl9pPr eaLnBrk="1" hangingPunct="1">
+        <a:defRPr>
+          <a:solidFill>
+            <a:schemeClr val="tx2"/>
+          </a:solidFill>
+        </a:defRPr>
+      </a:lvl9pPr>
     </p:titleStyle>
     <p:bodyStyle>
-      <a:lvl1pPr marL="228600" indent="-228600" algn="l" defTabSz="914400" rtl="0" eaLnBrk="1" latinLnBrk="0" hangingPunct="1">
-        <a:lnSpc>
-          <a:spcPct val="120000"/>
-        </a:lnSpc>
+      <a:lvl1pPr marL="342900" indent="-342900" algn="l" defTabSz="457200" rtl="0" eaLnBrk="1" latinLnBrk="0" hangingPunct="1">
         <a:spcBef>
           <a:spcPts val="1000"/>
         </a:spcBef>
+        <a:spcAft>
+          <a:spcPts val="0"/>
+        </a:spcAft>
         <a:buClr>
           <a:schemeClr val="accent1"/>
         </a:buClr>
-        <a:buSzPct val="100000"/>
-        <a:buFont typeface="Arial" panose="020B0604020202020204" pitchFamily="34" charset="0"/>
-        <a:buChar char="•"/>
-        <a:defRPr sz="2000" kern="1200">
+        <a:buSzPct val="80000"/>
+        <a:buFont typeface="Wingdings 3" charset="2"/>
+        <a:buChar char=""/>
+        <a:defRPr sz="1800" kern="1200">
           <a:solidFill>
-            <a:schemeClr val="tx1"/>
+            <a:schemeClr val="tx1">
+              <a:lumMod val="75000"/>
+              <a:lumOff val="25000"/>
+            </a:schemeClr>
           </a:solidFill>
-          <a:effectLst/>
           <a:latin typeface="+mn-lt"/>
           <a:ea typeface="+mn-ea"/>
           <a:cs typeface="+mn-cs"/>
         </a:defRPr>
       </a:lvl1pPr>
-      <a:lvl2pPr marL="685800" indent="-228600" algn="l" defTabSz="914400" rtl="0" eaLnBrk="1" latinLnBrk="0" hangingPunct="1">
-        <a:lnSpc>
-          <a:spcPct val="120000"/>
-        </a:lnSpc>
+      <a:lvl2pPr marL="742950" indent="-285750" algn="l" defTabSz="457200" rtl="0" eaLnBrk="1" latinLnBrk="0" hangingPunct="1">
         <a:spcBef>
-          <a:spcPts val="500"/>
+          <a:spcPts val="1000"/>
         </a:spcBef>
+        <a:spcAft>
+          <a:spcPts val="0"/>
+        </a:spcAft>
         <a:buClr>
           <a:schemeClr val="accent1"/>
         </a:buClr>
-        <a:buSzPct val="100000"/>
-        <a:buFont typeface="Arial" panose="020B0604020202020204" pitchFamily="34" charset="0"/>
-        <a:buChar char="•"/>
-        <a:defRPr sz="1800" kern="1200" cap="none" baseline="0">
+        <a:buSzPct val="80000"/>
+        <a:buFont typeface="Wingdings 3" charset="2"/>
+        <a:buChar char=""/>
+        <a:defRPr sz="1600" kern="1200">
           <a:solidFill>
-            <a:schemeClr val="tx1"/>
+            <a:schemeClr val="tx1">
+              <a:lumMod val="75000"/>
+              <a:lumOff val="25000"/>
+            </a:schemeClr>
           </a:solidFill>
-          <a:effectLst/>
           <a:latin typeface="+mn-lt"/>
           <a:ea typeface="+mn-ea"/>
           <a:cs typeface="+mn-cs"/>
         </a:defRPr>
       </a:lvl2pPr>
-      <a:lvl3pPr marL="1143000" indent="-228600" algn="l" defTabSz="914400" rtl="0" eaLnBrk="1" latinLnBrk="0" hangingPunct="1">
-        <a:lnSpc>
-          <a:spcPct val="120000"/>
-        </a:lnSpc>
+      <a:lvl3pPr marL="1143000" indent="-228600" algn="l" defTabSz="457200" rtl="0" eaLnBrk="1" latinLnBrk="0" hangingPunct="1">
         <a:spcBef>
-          <a:spcPts val="500"/>
+          <a:spcPts val="1000"/>
         </a:spcBef>
+        <a:spcAft>
+          <a:spcPts val="0"/>
+        </a:spcAft>
         <a:buClr>
           <a:schemeClr val="accent1"/>
         </a:buClr>
-        <a:buSzPct val="100000"/>
-        <a:buFont typeface="Arial" panose="020B0604020202020204" pitchFamily="34" charset="0"/>
-        <a:buChar char="•"/>
-        <a:defRPr sz="1600" kern="1200">
+        <a:buSzPct val="80000"/>
+        <a:buFont typeface="Wingdings 3" charset="2"/>
+        <a:buChar char=""/>
+        <a:defRPr sz="1400" kern="1200">
           <a:solidFill>
-            <a:schemeClr val="tx1"/>
+            <a:schemeClr val="tx1">
+              <a:lumMod val="75000"/>
+              <a:lumOff val="25000"/>
+            </a:schemeClr>
           </a:solidFill>
-          <a:effectLst/>
           <a:latin typeface="+mn-lt"/>
           <a:ea typeface="+mn-ea"/>
           <a:cs typeface="+mn-cs"/>
         </a:defRPr>
       </a:lvl3pPr>
-      <a:lvl4pPr marL="1600200" indent="-228600" algn="l" defTabSz="914400" rtl="0" eaLnBrk="1" latinLnBrk="0" hangingPunct="1">
-        <a:lnSpc>
-          <a:spcPct val="120000"/>
-        </a:lnSpc>
+      <a:lvl4pPr marL="1600200" indent="-228600" algn="l" defTabSz="457200" rtl="0" eaLnBrk="1" latinLnBrk="0" hangingPunct="1">
         <a:spcBef>
-          <a:spcPts val="500"/>
+          <a:spcPts val="1000"/>
         </a:spcBef>
+        <a:spcAft>
+          <a:spcPts val="0"/>
+        </a:spcAft>
         <a:buClr>
           <a:schemeClr val="accent1"/>
         </a:buClr>
-        <a:buSzPct val="100000"/>
-        <a:buFont typeface="Arial" panose="020B0604020202020204" pitchFamily="34" charset="0"/>
-        <a:buChar char="•"/>
-        <a:defRPr sz="1400" kern="1200" cap="none" baseline="0">
+        <a:buSzPct val="80000"/>
+        <a:buFont typeface="Wingdings 3" charset="2"/>
+        <a:buChar char=""/>
+        <a:defRPr sz="1200" kern="1200">
           <a:solidFill>
-            <a:schemeClr val="tx1"/>
+            <a:schemeClr val="tx1">
+              <a:lumMod val="75000"/>
+              <a:lumOff val="25000"/>
+            </a:schemeClr>
           </a:solidFill>
-          <a:effectLst/>
           <a:latin typeface="+mn-lt"/>
           <a:ea typeface="+mn-ea"/>
           <a:cs typeface="+mn-cs"/>
         </a:defRPr>
       </a:lvl4pPr>
-      <a:lvl5pPr marL="2057400" indent="-228600" algn="l" defTabSz="914400" rtl="0" eaLnBrk="1" latinLnBrk="0" hangingPunct="1">
-        <a:lnSpc>
-          <a:spcPct val="120000"/>
-        </a:lnSpc>
+      <a:lvl5pPr marL="2057400" indent="-228600" algn="l" defTabSz="457200" rtl="0" eaLnBrk="1" latinLnBrk="0" hangingPunct="1">
         <a:spcBef>
-          <a:spcPts val="500"/>
+          <a:spcPts val="1000"/>
         </a:spcBef>
+        <a:spcAft>
+          <a:spcPts val="0"/>
+        </a:spcAft>
         <a:buClr>
           <a:schemeClr val="accent1"/>
         </a:buClr>
-        <a:buSzPct val="100000"/>
-        <a:buFont typeface="Arial" panose="020B0604020202020204" pitchFamily="34" charset="0"/>
-        <a:buChar char="•"/>
+        <a:buSzPct val="80000"/>
+        <a:buFont typeface="Wingdings 3" charset="2"/>
+        <a:buChar char=""/>
         <a:defRPr sz="1200" kern="1200">
           <a:solidFill>
-            <a:schemeClr val="tx1"/>
+            <a:schemeClr val="tx1">
+              <a:lumMod val="75000"/>
+              <a:lumOff val="25000"/>
+            </a:schemeClr>
           </a:solidFill>
-          <a:effectLst/>
           <a:latin typeface="+mn-lt"/>
           <a:ea typeface="+mn-ea"/>
           <a:cs typeface="+mn-cs"/>
         </a:defRPr>
       </a:lvl5pPr>
-      <a:lvl6pPr marL="2514600" indent="-228600" algn="l" defTabSz="914400" rtl="0" eaLnBrk="1" latinLnBrk="0" hangingPunct="1">
-        <a:lnSpc>
-          <a:spcPct val="120000"/>
-        </a:lnSpc>
+      <a:lvl6pPr marL="2514600" indent="-228600" algn="l" defTabSz="457200" rtl="0" eaLnBrk="1" latinLnBrk="0" hangingPunct="1">
         <a:spcBef>
-          <a:spcPts val="500"/>
+          <a:spcPts val="1000"/>
         </a:spcBef>
+        <a:spcAft>
+          <a:spcPts val="0"/>
+        </a:spcAft>
         <a:buClr>
           <a:schemeClr val="accent1"/>
         </a:buClr>
-        <a:buSzPct val="100000"/>
-        <a:buFont typeface="Arial" panose="020B0604020202020204" pitchFamily="34" charset="0"/>
-        <a:buChar char="•"/>
+        <a:buSzPct val="80000"/>
+        <a:buFont typeface="Wingdings 3" charset="2"/>
+        <a:buChar char=""/>
         <a:defRPr sz="1200" kern="1200">
           <a:solidFill>
-            <a:schemeClr val="tx1"/>
+            <a:schemeClr val="tx1">
+              <a:lumMod val="75000"/>
+              <a:lumOff val="25000"/>
+            </a:schemeClr>
           </a:solidFill>
-          <a:effectLst/>
           <a:latin typeface="+mn-lt"/>
           <a:ea typeface="+mn-ea"/>
           <a:cs typeface="+mn-cs"/>
         </a:defRPr>
       </a:lvl6pPr>
-      <a:lvl7pPr marL="2971800" indent="-228600" algn="l" defTabSz="914400" rtl="0" eaLnBrk="1" latinLnBrk="0" hangingPunct="1">
-        <a:lnSpc>
-          <a:spcPct val="120000"/>
-        </a:lnSpc>
+      <a:lvl7pPr marL="2971800" indent="-228600" algn="l" defTabSz="457200" rtl="0" eaLnBrk="1" latinLnBrk="0" hangingPunct="1">
         <a:spcBef>
-          <a:spcPts val="500"/>
+          <a:spcPts val="1000"/>
         </a:spcBef>
+        <a:spcAft>
+          <a:spcPts val="0"/>
+        </a:spcAft>
         <a:buClr>
           <a:schemeClr val="accent1"/>
         </a:buClr>
-        <a:buSzPct val="100000"/>
-        <a:buFont typeface="Arial" panose="020B0604020202020204" pitchFamily="34" charset="0"/>
-        <a:buChar char="•"/>
+        <a:buSzPct val="80000"/>
+        <a:buFont typeface="Wingdings 3" charset="2"/>
+        <a:buChar char=""/>
         <a:defRPr sz="1200" kern="1200">
           <a:solidFill>
-            <a:schemeClr val="tx1"/>
+            <a:schemeClr val="tx1">
+              <a:lumMod val="75000"/>
+              <a:lumOff val="25000"/>
+            </a:schemeClr>
           </a:solidFill>
-          <a:effectLst/>
           <a:latin typeface="+mn-lt"/>
           <a:ea typeface="+mn-ea"/>
           <a:cs typeface="+mn-cs"/>
         </a:defRPr>
       </a:lvl7pPr>
-      <a:lvl8pPr marL="3429000" indent="-228600" algn="l" defTabSz="914400" rtl="0" eaLnBrk="1" latinLnBrk="0" hangingPunct="1">
-        <a:lnSpc>
-          <a:spcPct val="120000"/>
-        </a:lnSpc>
+      <a:lvl8pPr marL="3429000" indent="-228600" algn="l" defTabSz="457200" rtl="0" eaLnBrk="1" latinLnBrk="0" hangingPunct="1">
         <a:spcBef>
-          <a:spcPts val="500"/>
+          <a:spcPts val="1000"/>
         </a:spcBef>
+        <a:spcAft>
+          <a:spcPts val="0"/>
+        </a:spcAft>
         <a:buClr>
           <a:schemeClr val="accent1"/>
         </a:buClr>
-        <a:buSzPct val="100000"/>
-        <a:buFont typeface="Arial" panose="020B0604020202020204" pitchFamily="34" charset="0"/>
-        <a:buChar char="•"/>
-        <a:defRPr sz="1200" kern="1200" baseline="0">
+        <a:buSzPct val="80000"/>
+        <a:buFont typeface="Wingdings 3" charset="2"/>
+        <a:buChar char=""/>
+        <a:defRPr sz="1200" kern="1200">
           <a:solidFill>
-            <a:schemeClr val="tx1"/>
+            <a:schemeClr val="tx1">
+              <a:lumMod val="75000"/>
+              <a:lumOff val="25000"/>
+            </a:schemeClr>
           </a:solidFill>
-          <a:effectLst/>
           <a:latin typeface="+mn-lt"/>
           <a:ea typeface="+mn-ea"/>
           <a:cs typeface="+mn-cs"/>
         </a:defRPr>
       </a:lvl8pPr>
-      <a:lvl9pPr marL="3886200" indent="-228600" algn="l" defTabSz="914400" rtl="0" eaLnBrk="1" latinLnBrk="0" hangingPunct="1">
-        <a:lnSpc>
-          <a:spcPct val="120000"/>
-        </a:lnSpc>
+      <a:lvl9pPr marL="3886200" indent="-228600" algn="l" defTabSz="457200" rtl="0" eaLnBrk="1" latinLnBrk="0" hangingPunct="1">
         <a:spcBef>
-          <a:spcPts val="500"/>
+          <a:spcPts val="1000"/>
         </a:spcBef>
+        <a:spcAft>
+          <a:spcPts val="0"/>
+        </a:spcAft>
         <a:buClr>
           <a:schemeClr val="accent1"/>
         </a:buClr>
-        <a:buSzPct val="100000"/>
-        <a:buFont typeface="Arial" panose="020B0604020202020204" pitchFamily="34" charset="0"/>
-        <a:buChar char="•"/>
-        <a:defRPr sz="1200" kern="1200" baseline="0">
+        <a:buSzPct val="80000"/>
+        <a:buFont typeface="Wingdings 3" charset="2"/>
+        <a:buChar char=""/>
+        <a:defRPr sz="1200" kern="1200">
           <a:solidFill>
-            <a:schemeClr val="tx1"/>
+            <a:schemeClr val="tx1">
+              <a:lumMod val="75000"/>
+              <a:lumOff val="25000"/>
+            </a:schemeClr>
           </a:solidFill>
-          <a:effectLst/>
           <a:latin typeface="+mn-lt"/>
           <a:ea typeface="+mn-ea"/>
           <a:cs typeface="+mn-cs"/>
@@ -3518,7 +5728,7 @@
       <a:defPPr>
         <a:defRPr lang="en-US"/>
       </a:defPPr>
-      <a:lvl1pPr marL="0" algn="l" defTabSz="914400" rtl="0" eaLnBrk="1" latinLnBrk="0" hangingPunct="1">
+      <a:lvl1pPr marL="0" algn="l" defTabSz="457200" rtl="0" eaLnBrk="1" latinLnBrk="0" hangingPunct="1">
         <a:defRPr sz="1800" kern="1200">
           <a:solidFill>
             <a:schemeClr val="tx1"/>
@@ -3528,7 +5738,7 @@
           <a:cs typeface="+mn-cs"/>
         </a:defRPr>
       </a:lvl1pPr>
-      <a:lvl2pPr marL="457200" algn="l" defTabSz="914400" rtl="0" eaLnBrk="1" latinLnBrk="0" hangingPunct="1">
+      <a:lvl2pPr marL="457200" algn="l" defTabSz="457200" rtl="0" eaLnBrk="1" latinLnBrk="0" hangingPunct="1">
         <a:defRPr sz="1800" kern="1200">
           <a:solidFill>
             <a:schemeClr val="tx1"/>
@@ -3538,7 +5748,7 @@
           <a:cs typeface="+mn-cs"/>
         </a:defRPr>
       </a:lvl2pPr>
-      <a:lvl3pPr marL="914400" algn="l" defTabSz="914400" rtl="0" eaLnBrk="1" latinLnBrk="0" hangingPunct="1">
+      <a:lvl3pPr marL="914400" algn="l" defTabSz="457200" rtl="0" eaLnBrk="1" latinLnBrk="0" hangingPunct="1">
         <a:defRPr sz="1800" kern="1200">
           <a:solidFill>
             <a:schemeClr val="tx1"/>
@@ -3548,7 +5758,7 @@
           <a:cs typeface="+mn-cs"/>
         </a:defRPr>
       </a:lvl3pPr>
-      <a:lvl4pPr marL="1371600" algn="l" defTabSz="914400" rtl="0" eaLnBrk="1" latinLnBrk="0" hangingPunct="1">
+      <a:lvl4pPr marL="1371600" algn="l" defTabSz="457200" rtl="0" eaLnBrk="1" latinLnBrk="0" hangingPunct="1">
         <a:defRPr sz="1800" kern="1200">
           <a:solidFill>
             <a:schemeClr val="tx1"/>
@@ -3558,7 +5768,7 @@
           <a:cs typeface="+mn-cs"/>
         </a:defRPr>
       </a:lvl4pPr>
-      <a:lvl5pPr marL="1828800" algn="l" defTabSz="914400" rtl="0" eaLnBrk="1" latinLnBrk="0" hangingPunct="1">
+      <a:lvl5pPr marL="1828800" algn="l" defTabSz="457200" rtl="0" eaLnBrk="1" latinLnBrk="0" hangingPunct="1">
         <a:defRPr sz="1800" kern="1200">
           <a:solidFill>
             <a:schemeClr val="tx1"/>
@@ -3568,7 +5778,7 @@
           <a:cs typeface="+mn-cs"/>
         </a:defRPr>
       </a:lvl5pPr>
-      <a:lvl6pPr marL="2286000" algn="l" defTabSz="914400" rtl="0" eaLnBrk="1" latinLnBrk="0" hangingPunct="1">
+      <a:lvl6pPr marL="2286000" algn="l" defTabSz="457200" rtl="0" eaLnBrk="1" latinLnBrk="0" hangingPunct="1">
         <a:defRPr sz="1800" kern="1200">
           <a:solidFill>
             <a:schemeClr val="tx1"/>
@@ -3578,7 +5788,7 @@
           <a:cs typeface="+mn-cs"/>
         </a:defRPr>
       </a:lvl6pPr>
-      <a:lvl7pPr marL="2743200" algn="l" defTabSz="914400" rtl="0" eaLnBrk="1" latinLnBrk="0" hangingPunct="1">
+      <a:lvl7pPr marL="2743200" algn="l" defTabSz="457200" rtl="0" eaLnBrk="1" latinLnBrk="0" hangingPunct="1">
         <a:defRPr sz="1800" kern="1200">
           <a:solidFill>
             <a:schemeClr val="tx1"/>
@@ -3588,7 +5798,7 @@
           <a:cs typeface="+mn-cs"/>
         </a:defRPr>
       </a:lvl7pPr>
-      <a:lvl8pPr marL="3200400" algn="l" defTabSz="914400" rtl="0" eaLnBrk="1" latinLnBrk="0" hangingPunct="1">
+      <a:lvl8pPr marL="3200400" algn="l" defTabSz="457200" rtl="0" eaLnBrk="1" latinLnBrk="0" hangingPunct="1">
         <a:defRPr sz="1800" kern="1200">
           <a:solidFill>
             <a:schemeClr val="tx1"/>
@@ -3598,7 +5808,7 @@
           <a:cs typeface="+mn-cs"/>
         </a:defRPr>
       </a:lvl8pPr>
-      <a:lvl9pPr marL="3657600" algn="l" defTabSz="914400" rtl="0" eaLnBrk="1" latinLnBrk="0" hangingPunct="1">
+      <a:lvl9pPr marL="3657600" algn="l" defTabSz="457200" rtl="0" eaLnBrk="1" latinLnBrk="0" hangingPunct="1">
         <a:defRPr sz="1800" kern="1200">
           <a:solidFill>
             <a:schemeClr val="tx1"/>
@@ -3646,7 +5856,12 @@
             <p:ph type="ctrTitle"/>
           </p:nvPr>
         </p:nvSpPr>
-        <p:spPr/>
+        <p:spPr>
+          <a:xfrm>
+            <a:off x="1304109" y="1608038"/>
+            <a:ext cx="10058400" cy="2567844"/>
+          </a:xfrm>
+        </p:spPr>
         <p:txBody>
           <a:bodyPr>
             <a:noAutofit/>
@@ -3654,26 +5869,25 @@
           <a:lstStyle/>
           <a:p>
             <a:r>
-              <a:rPr lang="en-US" sz="4400" dirty="0"/>
+              <a:rPr lang="en-US" sz="4400" noProof="0" dirty="0"/>
               <a:t>Efficacy evaluation of ISOCLAST against </a:t>
             </a:r>
             <a:r>
-              <a:rPr lang="en-US" sz="4400" dirty="0" err="1"/>
+              <a:rPr lang="en-US" sz="4400" noProof="0" dirty="0" err="1"/>
               <a:t>Philaenus</a:t>
             </a:r>
             <a:r>
-              <a:rPr lang="en-US" sz="4400" dirty="0"/>
+              <a:rPr lang="en-US" sz="4400" noProof="0" dirty="0"/>
               <a:t> </a:t>
             </a:r>
             <a:r>
-              <a:rPr lang="en-US" sz="4400" dirty="0" err="1"/>
+              <a:rPr lang="en-US" sz="4400" noProof="0" dirty="0" err="1"/>
               <a:t>spumarius</a:t>
             </a:r>
             <a:r>
-              <a:rPr lang="en-US" sz="4400" dirty="0"/>
+              <a:rPr lang="en-US" sz="4400" noProof="0" dirty="0"/>
               <a:t> on weeds in semi-field, Italy, 2017.</a:t>
             </a:r>
-            <a:endParaRPr lang="es-ES" sz="4400" dirty="0"/>
           </a:p>
         </p:txBody>
       </p:sp>
@@ -3693,40 +5907,37 @@
             <p:ph type="subTitle" idx="1"/>
           </p:nvPr>
         </p:nvSpPr>
-        <p:spPr/>
-        <p:txBody>
-          <a:bodyPr/>
+        <p:spPr>
+          <a:xfrm>
+            <a:off x="2385122" y="4517571"/>
+            <a:ext cx="8637072" cy="1476225"/>
+          </a:xfrm>
+        </p:spPr>
+        <p:txBody>
+          <a:bodyPr>
+            <a:normAutofit/>
+          </a:bodyPr>
           <a:lstStyle/>
           <a:p>
             <a:r>
-              <a:rPr lang="es-ES" b="1" dirty="0"/>
-              <a:t>David Valcárcel herrera</a:t>
-            </a:r>
-          </a:p>
-          <a:p>
-            <a:r>
-              <a:rPr lang="es-ES" dirty="0" err="1"/>
-              <a:t>Supervised</a:t>
-            </a:r>
-            <a:r>
-              <a:rPr lang="es-ES" dirty="0"/>
-              <a:t> </a:t>
-            </a:r>
-            <a:r>
-              <a:rPr lang="es-ES" dirty="0" err="1"/>
-              <a:t>by</a:t>
-            </a:r>
-            <a:r>
-              <a:rPr lang="es-ES" dirty="0"/>
-              <a:t> </a:t>
-            </a:r>
-            <a:r>
-              <a:rPr lang="es-ES" b="1" dirty="0"/>
+              <a:rPr lang="en-US" b="1" noProof="0" dirty="0"/>
+              <a:t>David Valcárcel </a:t>
+            </a:r>
+            <a:r>
+              <a:rPr lang="en-US" b="1" noProof="0" dirty="0" err="1"/>
+              <a:t>herrera</a:t>
+            </a:r>
+            <a:endParaRPr lang="en-US" b="1" noProof="0" dirty="0"/>
+          </a:p>
+          <a:p>
+            <a:r>
+              <a:rPr lang="en-US" noProof="0" dirty="0"/>
+              <a:t>Supervised by </a:t>
+            </a:r>
+            <a:r>
+              <a:rPr lang="en-US" b="1" noProof="0" dirty="0"/>
               <a:t>Miguel Rodrigo Valverde Urrea</a:t>
             </a:r>
-          </a:p>
-          <a:p>
-            <a:endParaRPr lang="es-ES" dirty="0"/>
           </a:p>
         </p:txBody>
       </p:sp>
@@ -3734,6 +5945,2731 @@
     <p:extLst>
       <p:ext uri="{BB962C8B-B14F-4D97-AF65-F5344CB8AC3E}">
         <p14:creationId xmlns:p14="http://schemas.microsoft.com/office/powerpoint/2010/main" val="2808995608"/>
+      </p:ext>
+    </p:extLst>
+  </p:cSld>
+  <p:clrMapOvr>
+    <a:masterClrMapping/>
+  </p:clrMapOvr>
+</p:sld>
+</file>
+
+<file path=ppt/slides/slide10.xml><?xml version="1.0" encoding="utf-8"?>
+<p:sld xmlns:a="http://schemas.openxmlformats.org/drawingml/2006/main" xmlns:r="http://schemas.openxmlformats.org/officeDocument/2006/relationships" xmlns:p="http://schemas.openxmlformats.org/presentationml/2006/main">
+  <p:cSld>
+    <p:spTree>
+      <p:nvGrpSpPr>
+        <p:cNvPr id="1" name="">
+          <a:extLst>
+            <a:ext uri="{FF2B5EF4-FFF2-40B4-BE49-F238E27FC236}">
+              <a16:creationId xmlns:a16="http://schemas.microsoft.com/office/drawing/2014/main" id="{7864BC69-A547-F9C3-F5CA-2E696BD3069E}"/>
+            </a:ext>
+          </a:extLst>
+        </p:cNvPr>
+        <p:cNvGrpSpPr/>
+        <p:nvPr/>
+      </p:nvGrpSpPr>
+      <p:grpSpPr>
+        <a:xfrm>
+          <a:off x="0" y="0"/>
+          <a:ext cx="0" cy="0"/>
+          <a:chOff x="0" y="0"/>
+          <a:chExt cx="0" cy="0"/>
+        </a:xfrm>
+      </p:grpSpPr>
+      <p:sp>
+        <p:nvSpPr>
+          <p:cNvPr id="2" name="Título 1">
+            <a:extLst>
+              <a:ext uri="{FF2B5EF4-FFF2-40B4-BE49-F238E27FC236}">
+                <a16:creationId xmlns:a16="http://schemas.microsoft.com/office/drawing/2014/main" id="{E1E326D2-0E2A-8538-5A13-E117BF12D10F}"/>
+              </a:ext>
+            </a:extLst>
+          </p:cNvPr>
+          <p:cNvSpPr>
+            <a:spLocks noGrp="1"/>
+          </p:cNvSpPr>
+          <p:nvPr>
+            <p:ph type="title"/>
+          </p:nvPr>
+        </p:nvSpPr>
+        <p:spPr/>
+        <p:txBody>
+          <a:bodyPr>
+            <a:normAutofit fontScale="90000"/>
+          </a:bodyPr>
+          <a:lstStyle/>
+          <a:p>
+            <a:r>
+              <a:rPr lang="en-US" noProof="0" dirty="0"/>
+              <a:t>3. </a:t>
+            </a:r>
+            <a:r>
+              <a:rPr lang="en-GB" dirty="0"/>
+              <a:t>How persistent is each treatment and which of them is more persistent on time?</a:t>
+            </a:r>
+            <a:endParaRPr lang="en-US" noProof="0" dirty="0"/>
+          </a:p>
+        </p:txBody>
+      </p:sp>
+      <p:sp>
+        <p:nvSpPr>
+          <p:cNvPr id="3" name="Marcador de contenido 2">
+            <a:extLst>
+              <a:ext uri="{FF2B5EF4-FFF2-40B4-BE49-F238E27FC236}">
+                <a16:creationId xmlns:a16="http://schemas.microsoft.com/office/drawing/2014/main" id="{1A1CDBEB-8836-9DA9-DF04-267AE0CA73D4}"/>
+              </a:ext>
+            </a:extLst>
+          </p:cNvPr>
+          <p:cNvSpPr>
+            <a:spLocks noGrp="1"/>
+          </p:cNvSpPr>
+          <p:nvPr>
+            <p:ph idx="1"/>
+          </p:nvPr>
+        </p:nvSpPr>
+        <p:spPr/>
+        <p:txBody>
+          <a:bodyPr/>
+          <a:lstStyle/>
+          <a:p>
+            <a:endParaRPr lang="en-US" noProof="0" dirty="0"/>
+          </a:p>
+        </p:txBody>
+      </p:sp>
+    </p:spTree>
+    <p:extLst>
+      <p:ext uri="{BB962C8B-B14F-4D97-AF65-F5344CB8AC3E}">
+        <p14:creationId xmlns:p14="http://schemas.microsoft.com/office/powerpoint/2010/main" val="2293929668"/>
+      </p:ext>
+    </p:extLst>
+  </p:cSld>
+  <p:clrMapOvr>
+    <a:masterClrMapping/>
+  </p:clrMapOvr>
+</p:sld>
+</file>
+
+<file path=ppt/slides/slide11.xml><?xml version="1.0" encoding="utf-8"?>
+<p:sld xmlns:a="http://schemas.openxmlformats.org/drawingml/2006/main" xmlns:r="http://schemas.openxmlformats.org/officeDocument/2006/relationships" xmlns:p="http://schemas.openxmlformats.org/presentationml/2006/main">
+  <p:cSld>
+    <p:spTree>
+      <p:nvGrpSpPr>
+        <p:cNvPr id="1" name=""/>
+        <p:cNvGrpSpPr/>
+        <p:nvPr/>
+      </p:nvGrpSpPr>
+      <p:grpSpPr>
+        <a:xfrm>
+          <a:off x="0" y="0"/>
+          <a:ext cx="0" cy="0"/>
+          <a:chOff x="0" y="0"/>
+          <a:chExt cx="0" cy="0"/>
+        </a:xfrm>
+      </p:grpSpPr>
+      <p:sp>
+        <p:nvSpPr>
+          <p:cNvPr id="2" name="Título 1">
+            <a:extLst>
+              <a:ext uri="{FF2B5EF4-FFF2-40B4-BE49-F238E27FC236}">
+                <a16:creationId xmlns:a16="http://schemas.microsoft.com/office/drawing/2014/main" id="{FD915FC4-AB24-D973-D3F6-700D90CC9500}"/>
+              </a:ext>
+            </a:extLst>
+          </p:cNvPr>
+          <p:cNvSpPr>
+            <a:spLocks noGrp="1"/>
+          </p:cNvSpPr>
+          <p:nvPr>
+            <p:ph type="title"/>
+          </p:nvPr>
+        </p:nvSpPr>
+        <p:spPr>
+          <a:xfrm>
+            <a:off x="2666551" y="194913"/>
+            <a:ext cx="6858898" cy="801257"/>
+          </a:xfrm>
+        </p:spPr>
+        <p:txBody>
+          <a:bodyPr>
+            <a:normAutofit/>
+          </a:bodyPr>
+          <a:lstStyle/>
+          <a:p>
+            <a:r>
+              <a:rPr lang="es-ES" sz="2000" dirty="0"/>
+              <a:t>APPENDIX: TABLE AND CODES OF TREATMENTS IN 2017</a:t>
+            </a:r>
+            <a:endParaRPr lang="en-GB" sz="2000" dirty="0"/>
+          </a:p>
+        </p:txBody>
+      </p:sp>
+      <p:graphicFrame>
+        <p:nvGraphicFramePr>
+          <p:cNvPr id="8" name="Marcador de contenido 7">
+            <a:extLst>
+              <a:ext uri="{FF2B5EF4-FFF2-40B4-BE49-F238E27FC236}">
+                <a16:creationId xmlns:a16="http://schemas.microsoft.com/office/drawing/2014/main" id="{78DE6517-D00A-12E0-3B71-B995E76712A3}"/>
+              </a:ext>
+            </a:extLst>
+          </p:cNvPr>
+          <p:cNvGraphicFramePr>
+            <a:graphicFrameLocks noGrp="1"/>
+          </p:cNvGraphicFramePr>
+          <p:nvPr>
+            <p:ph idx="1"/>
+            <p:extLst>
+              <p:ext uri="{D42A27DB-BD31-4B8C-83A1-F6EECF244321}">
+                <p14:modId xmlns:p14="http://schemas.microsoft.com/office/powerpoint/2010/main" val="3276092921"/>
+              </p:ext>
+            </p:extLst>
+          </p:nvPr>
+        </p:nvGraphicFramePr>
+        <p:xfrm>
+          <a:off x="0" y="745264"/>
+          <a:ext cx="12192000" cy="6112736"/>
+        </p:xfrm>
+        <a:graphic>
+          <a:graphicData uri="http://schemas.openxmlformats.org/drawingml/2006/table">
+            <a:tbl>
+              <a:tblPr firstRow="1" bandRow="1">
+                <a:tableStyleId>{5C22544A-7EE6-4342-B048-85BDC9FD1C3A}</a:tableStyleId>
+              </a:tblPr>
+              <a:tblGrid>
+                <a:gridCol w="1219200">
+                  <a:extLst>
+                    <a:ext uri="{9D8B030D-6E8A-4147-A177-3AD203B41FA5}">
+                      <a16:colId xmlns:a16="http://schemas.microsoft.com/office/drawing/2014/main" val="1726441426"/>
+                    </a:ext>
+                  </a:extLst>
+                </a:gridCol>
+                <a:gridCol w="1219200">
+                  <a:extLst>
+                    <a:ext uri="{9D8B030D-6E8A-4147-A177-3AD203B41FA5}">
+                      <a16:colId xmlns:a16="http://schemas.microsoft.com/office/drawing/2014/main" val="3282488124"/>
+                    </a:ext>
+                  </a:extLst>
+                </a:gridCol>
+                <a:gridCol w="1219200">
+                  <a:extLst>
+                    <a:ext uri="{9D8B030D-6E8A-4147-A177-3AD203B41FA5}">
+                      <a16:colId xmlns:a16="http://schemas.microsoft.com/office/drawing/2014/main" val="3449461107"/>
+                    </a:ext>
+                  </a:extLst>
+                </a:gridCol>
+                <a:gridCol w="1219200">
+                  <a:extLst>
+                    <a:ext uri="{9D8B030D-6E8A-4147-A177-3AD203B41FA5}">
+                      <a16:colId xmlns:a16="http://schemas.microsoft.com/office/drawing/2014/main" val="2387048684"/>
+                    </a:ext>
+                  </a:extLst>
+                </a:gridCol>
+                <a:gridCol w="1219200">
+                  <a:extLst>
+                    <a:ext uri="{9D8B030D-6E8A-4147-A177-3AD203B41FA5}">
+                      <a16:colId xmlns:a16="http://schemas.microsoft.com/office/drawing/2014/main" val="520950336"/>
+                    </a:ext>
+                  </a:extLst>
+                </a:gridCol>
+                <a:gridCol w="1219200">
+                  <a:extLst>
+                    <a:ext uri="{9D8B030D-6E8A-4147-A177-3AD203B41FA5}">
+                      <a16:colId xmlns:a16="http://schemas.microsoft.com/office/drawing/2014/main" val="2826959149"/>
+                    </a:ext>
+                  </a:extLst>
+                </a:gridCol>
+                <a:gridCol w="1219200">
+                  <a:extLst>
+                    <a:ext uri="{9D8B030D-6E8A-4147-A177-3AD203B41FA5}">
+                      <a16:colId xmlns:a16="http://schemas.microsoft.com/office/drawing/2014/main" val="951030770"/>
+                    </a:ext>
+                  </a:extLst>
+                </a:gridCol>
+                <a:gridCol w="1219200">
+                  <a:extLst>
+                    <a:ext uri="{9D8B030D-6E8A-4147-A177-3AD203B41FA5}">
+                      <a16:colId xmlns:a16="http://schemas.microsoft.com/office/drawing/2014/main" val="3437647030"/>
+                    </a:ext>
+                  </a:extLst>
+                </a:gridCol>
+                <a:gridCol w="1219200">
+                  <a:extLst>
+                    <a:ext uri="{9D8B030D-6E8A-4147-A177-3AD203B41FA5}">
+                      <a16:colId xmlns:a16="http://schemas.microsoft.com/office/drawing/2014/main" val="2838721450"/>
+                    </a:ext>
+                  </a:extLst>
+                </a:gridCol>
+                <a:gridCol w="1219200">
+                  <a:extLst>
+                    <a:ext uri="{9D8B030D-6E8A-4147-A177-3AD203B41FA5}">
+                      <a16:colId xmlns:a16="http://schemas.microsoft.com/office/drawing/2014/main" val="2598698645"/>
+                    </a:ext>
+                  </a:extLst>
+                </a:gridCol>
+              </a:tblGrid>
+              <a:tr h="749399">
+                <a:tc>
+                  <a:txBody>
+                    <a:bodyPr/>
+                    <a:lstStyle/>
+                    <a:p>
+                      <a:r>
+                        <a:rPr lang="en-GB" dirty="0" err="1"/>
+                        <a:t>Trt</a:t>
+                      </a:r>
+                      <a:r>
+                        <a:rPr lang="en-GB" dirty="0"/>
+                        <a:t> Num</a:t>
+                      </a:r>
+                    </a:p>
+                  </a:txBody>
+                  <a:tcPr anchor="ctr"/>
+                </a:tc>
+                <a:tc>
+                  <a:txBody>
+                    <a:bodyPr/>
+                    <a:lstStyle/>
+                    <a:p>
+                      <a:r>
+                        <a:rPr lang="en-GB" dirty="0"/>
+                        <a:t>Appl Code</a:t>
+                      </a:r>
+                    </a:p>
+                  </a:txBody>
+                  <a:tcPr anchor="ctr"/>
+                </a:tc>
+                <a:tc>
+                  <a:txBody>
+                    <a:bodyPr/>
+                    <a:lstStyle/>
+                    <a:p>
+                      <a:r>
+                        <a:rPr lang="en-GB"/>
+                        <a:t>Treatment Name</a:t>
+                      </a:r>
+                    </a:p>
+                  </a:txBody>
+                  <a:tcPr anchor="ctr"/>
+                </a:tc>
+                <a:tc>
+                  <a:txBody>
+                    <a:bodyPr/>
+                    <a:lstStyle/>
+                    <a:p>
+                      <a:r>
+                        <a:rPr lang="en-GB"/>
+                        <a:t>Material Name</a:t>
+                      </a:r>
+                    </a:p>
+                  </a:txBody>
+                  <a:tcPr anchor="ctr"/>
+                </a:tc>
+                <a:tc>
+                  <a:txBody>
+                    <a:bodyPr/>
+                    <a:lstStyle/>
+                    <a:p>
+                      <a:r>
+                        <a:rPr lang="en-GB"/>
+                        <a:t>Form Conc</a:t>
+                      </a:r>
+                    </a:p>
+                  </a:txBody>
+                  <a:tcPr anchor="ctr"/>
+                </a:tc>
+                <a:tc>
+                  <a:txBody>
+                    <a:bodyPr/>
+                    <a:lstStyle/>
+                    <a:p>
+                      <a:r>
+                        <a:rPr lang="en-GB"/>
+                        <a:t>Conc Unit</a:t>
+                      </a:r>
+                    </a:p>
+                  </a:txBody>
+                  <a:tcPr anchor="ctr"/>
+                </a:tc>
+                <a:tc>
+                  <a:txBody>
+                    <a:bodyPr/>
+                    <a:lstStyle/>
+                    <a:p>
+                      <a:r>
+                        <a:rPr lang="en-GB"/>
+                        <a:t>Form Type</a:t>
+                      </a:r>
+                    </a:p>
+                  </a:txBody>
+                  <a:tcPr anchor="ctr"/>
+                </a:tc>
+                <a:tc>
+                  <a:txBody>
+                    <a:bodyPr/>
+                    <a:lstStyle/>
+                    <a:p>
+                      <a:r>
+                        <a:rPr lang="en-GB"/>
+                        <a:t>Rate</a:t>
+                      </a:r>
+                    </a:p>
+                  </a:txBody>
+                  <a:tcPr anchor="ctr"/>
+                </a:tc>
+                <a:tc>
+                  <a:txBody>
+                    <a:bodyPr/>
+                    <a:lstStyle/>
+                    <a:p>
+                      <a:r>
+                        <a:rPr lang="en-GB"/>
+                        <a:t>Rate Unit</a:t>
+                      </a:r>
+                    </a:p>
+                  </a:txBody>
+                  <a:tcPr anchor="ctr"/>
+                </a:tc>
+                <a:tc>
+                  <a:txBody>
+                    <a:bodyPr/>
+                    <a:lstStyle/>
+                    <a:p>
+                      <a:r>
+                        <a:rPr lang="en-GB"/>
+                        <a:t>Appl Method</a:t>
+                      </a:r>
+                    </a:p>
+                  </a:txBody>
+                  <a:tcPr anchor="ctr"/>
+                </a:tc>
+                <a:extLst>
+                  <a:ext uri="{0D108BD9-81ED-4DB2-BD59-A6C34878D82A}">
+                    <a16:rowId xmlns:a16="http://schemas.microsoft.com/office/drawing/2014/main" val="2522270077"/>
+                  </a:ext>
+                </a:extLst>
+              </a:tr>
+              <a:tr h="603345">
+                <a:tc>
+                  <a:txBody>
+                    <a:bodyPr/>
+                    <a:lstStyle/>
+                    <a:p>
+                      <a:r>
+                        <a:rPr lang="en-GB"/>
+                        <a:t>1</a:t>
+                      </a:r>
+                    </a:p>
+                  </a:txBody>
+                  <a:tcPr anchor="ctr"/>
+                </a:tc>
+                <a:tc>
+                  <a:txBody>
+                    <a:bodyPr/>
+                    <a:lstStyle/>
+                    <a:p>
+                      <a:r>
+                        <a:rPr lang="en-GB"/>
+                        <a:t>B</a:t>
+                      </a:r>
+                    </a:p>
+                  </a:txBody>
+                  <a:tcPr anchor="ctr"/>
+                </a:tc>
+                <a:tc>
+                  <a:txBody>
+                    <a:bodyPr/>
+                    <a:lstStyle/>
+                    <a:p>
+                      <a:r>
+                        <a:rPr lang="en-GB"/>
+                        <a:t>SULFOXAFLOR</a:t>
+                      </a:r>
+                    </a:p>
+                  </a:txBody>
+                  <a:tcPr anchor="ctr"/>
+                </a:tc>
+                <a:tc>
+                  <a:txBody>
+                    <a:bodyPr/>
+                    <a:lstStyle/>
+                    <a:p>
+                      <a:r>
+                        <a:rPr lang="en-GB"/>
+                        <a:t>GF-2626</a:t>
+                      </a:r>
+                    </a:p>
+                  </a:txBody>
+                  <a:tcPr anchor="ctr"/>
+                </a:tc>
+                <a:tc>
+                  <a:txBody>
+                    <a:bodyPr/>
+                    <a:lstStyle/>
+                    <a:p>
+                      <a:r>
+                        <a:rPr lang="en-GB"/>
+                        <a:t>120</a:t>
+                      </a:r>
+                    </a:p>
+                  </a:txBody>
+                  <a:tcPr anchor="ctr"/>
+                </a:tc>
+                <a:tc>
+                  <a:txBody>
+                    <a:bodyPr/>
+                    <a:lstStyle/>
+                    <a:p>
+                      <a:r>
+                        <a:rPr lang="en-GB"/>
+                        <a:t>g ai/l</a:t>
+                      </a:r>
+                    </a:p>
+                  </a:txBody>
+                  <a:tcPr anchor="ctr"/>
+                </a:tc>
+                <a:tc>
+                  <a:txBody>
+                    <a:bodyPr/>
+                    <a:lstStyle/>
+                    <a:p>
+                      <a:r>
+                        <a:rPr lang="en-GB"/>
+                        <a:t>SC</a:t>
+                      </a:r>
+                    </a:p>
+                  </a:txBody>
+                  <a:tcPr anchor="ctr"/>
+                </a:tc>
+                <a:tc>
+                  <a:txBody>
+                    <a:bodyPr/>
+                    <a:lstStyle/>
+                    <a:p>
+                      <a:r>
+                        <a:rPr lang="en-GB"/>
+                        <a:t>200</a:t>
+                      </a:r>
+                    </a:p>
+                  </a:txBody>
+                  <a:tcPr anchor="ctr"/>
+                </a:tc>
+                <a:tc>
+                  <a:txBody>
+                    <a:bodyPr/>
+                    <a:lstStyle/>
+                    <a:p>
+                      <a:r>
+                        <a:rPr lang="en-GB"/>
+                        <a:t>ml pr/ha</a:t>
+                      </a:r>
+                    </a:p>
+                  </a:txBody>
+                  <a:tcPr anchor="ctr"/>
+                </a:tc>
+                <a:tc>
+                  <a:txBody>
+                    <a:bodyPr/>
+                    <a:lstStyle/>
+                    <a:p>
+                      <a:r>
+                        <a:rPr lang="en-GB"/>
+                        <a:t>FOLIAR</a:t>
+                      </a:r>
+                    </a:p>
+                  </a:txBody>
+                  <a:tcPr anchor="ctr"/>
+                </a:tc>
+                <a:extLst>
+                  <a:ext uri="{0D108BD9-81ED-4DB2-BD59-A6C34878D82A}">
+                    <a16:rowId xmlns:a16="http://schemas.microsoft.com/office/drawing/2014/main" val="172752399"/>
+                  </a:ext>
+                </a:extLst>
+              </a:tr>
+              <a:tr h="603345">
+                <a:tc>
+                  <a:txBody>
+                    <a:bodyPr/>
+                    <a:lstStyle/>
+                    <a:p>
+                      <a:r>
+                        <a:rPr lang="en-GB"/>
+                        <a:t>2</a:t>
+                      </a:r>
+                    </a:p>
+                  </a:txBody>
+                  <a:tcPr anchor="ctr"/>
+                </a:tc>
+                <a:tc>
+                  <a:txBody>
+                    <a:bodyPr/>
+                    <a:lstStyle/>
+                    <a:p>
+                      <a:r>
+                        <a:rPr lang="en-GB"/>
+                        <a:t>B</a:t>
+                      </a:r>
+                    </a:p>
+                  </a:txBody>
+                  <a:tcPr anchor="ctr"/>
+                </a:tc>
+                <a:tc>
+                  <a:txBody>
+                    <a:bodyPr/>
+                    <a:lstStyle/>
+                    <a:p>
+                      <a:r>
+                        <a:rPr lang="en-GB"/>
+                        <a:t>SULFOXAFLOR</a:t>
+                      </a:r>
+                    </a:p>
+                  </a:txBody>
+                  <a:tcPr anchor="ctr"/>
+                </a:tc>
+                <a:tc>
+                  <a:txBody>
+                    <a:bodyPr/>
+                    <a:lstStyle/>
+                    <a:p>
+                      <a:r>
+                        <a:rPr lang="en-GB"/>
+                        <a:t>GF-2626</a:t>
+                      </a:r>
+                    </a:p>
+                  </a:txBody>
+                  <a:tcPr anchor="ctr"/>
+                </a:tc>
+                <a:tc>
+                  <a:txBody>
+                    <a:bodyPr/>
+                    <a:lstStyle/>
+                    <a:p>
+                      <a:r>
+                        <a:rPr lang="en-GB"/>
+                        <a:t>120</a:t>
+                      </a:r>
+                    </a:p>
+                  </a:txBody>
+                  <a:tcPr anchor="ctr"/>
+                </a:tc>
+                <a:tc>
+                  <a:txBody>
+                    <a:bodyPr/>
+                    <a:lstStyle/>
+                    <a:p>
+                      <a:r>
+                        <a:rPr lang="en-GB"/>
+                        <a:t>g ai/l</a:t>
+                      </a:r>
+                    </a:p>
+                  </a:txBody>
+                  <a:tcPr anchor="ctr"/>
+                </a:tc>
+                <a:tc>
+                  <a:txBody>
+                    <a:bodyPr/>
+                    <a:lstStyle/>
+                    <a:p>
+                      <a:r>
+                        <a:rPr lang="en-GB"/>
+                        <a:t>SC</a:t>
+                      </a:r>
+                    </a:p>
+                  </a:txBody>
+                  <a:tcPr anchor="ctr"/>
+                </a:tc>
+                <a:tc>
+                  <a:txBody>
+                    <a:bodyPr/>
+                    <a:lstStyle/>
+                    <a:p>
+                      <a:r>
+                        <a:rPr lang="en-GB"/>
+                        <a:t>400</a:t>
+                      </a:r>
+                    </a:p>
+                  </a:txBody>
+                  <a:tcPr anchor="ctr"/>
+                </a:tc>
+                <a:tc>
+                  <a:txBody>
+                    <a:bodyPr/>
+                    <a:lstStyle/>
+                    <a:p>
+                      <a:r>
+                        <a:rPr lang="en-GB"/>
+                        <a:t>ml pr/ha</a:t>
+                      </a:r>
+                    </a:p>
+                  </a:txBody>
+                  <a:tcPr anchor="ctr"/>
+                </a:tc>
+                <a:tc>
+                  <a:txBody>
+                    <a:bodyPr/>
+                    <a:lstStyle/>
+                    <a:p>
+                      <a:r>
+                        <a:rPr lang="en-GB"/>
+                        <a:t>FOLIAR</a:t>
+                      </a:r>
+                    </a:p>
+                  </a:txBody>
+                  <a:tcPr anchor="ctr"/>
+                </a:tc>
+                <a:extLst>
+                  <a:ext uri="{0D108BD9-81ED-4DB2-BD59-A6C34878D82A}">
+                    <a16:rowId xmlns:a16="http://schemas.microsoft.com/office/drawing/2014/main" val="3351426113"/>
+                  </a:ext>
+                </a:extLst>
+              </a:tr>
+              <a:tr h="603345">
+                <a:tc>
+                  <a:txBody>
+                    <a:bodyPr/>
+                    <a:lstStyle/>
+                    <a:p>
+                      <a:r>
+                        <a:rPr lang="en-GB"/>
+                        <a:t>3</a:t>
+                      </a:r>
+                    </a:p>
+                  </a:txBody>
+                  <a:tcPr anchor="ctr"/>
+                </a:tc>
+                <a:tc>
+                  <a:txBody>
+                    <a:bodyPr/>
+                    <a:lstStyle/>
+                    <a:p>
+                      <a:r>
+                        <a:rPr lang="en-GB"/>
+                        <a:t>A</a:t>
+                      </a:r>
+                    </a:p>
+                  </a:txBody>
+                  <a:tcPr anchor="ctr"/>
+                </a:tc>
+                <a:tc>
+                  <a:txBody>
+                    <a:bodyPr/>
+                    <a:lstStyle/>
+                    <a:p>
+                      <a:r>
+                        <a:rPr lang="en-GB"/>
+                        <a:t>SULFOXAFLOR</a:t>
+                      </a:r>
+                    </a:p>
+                  </a:txBody>
+                  <a:tcPr anchor="ctr"/>
+                </a:tc>
+                <a:tc>
+                  <a:txBody>
+                    <a:bodyPr/>
+                    <a:lstStyle/>
+                    <a:p>
+                      <a:r>
+                        <a:rPr lang="en-GB"/>
+                        <a:t>GF-2626</a:t>
+                      </a:r>
+                    </a:p>
+                  </a:txBody>
+                  <a:tcPr anchor="ctr"/>
+                </a:tc>
+                <a:tc>
+                  <a:txBody>
+                    <a:bodyPr/>
+                    <a:lstStyle/>
+                    <a:p>
+                      <a:r>
+                        <a:rPr lang="en-GB"/>
+                        <a:t>120</a:t>
+                      </a:r>
+                    </a:p>
+                  </a:txBody>
+                  <a:tcPr anchor="ctr"/>
+                </a:tc>
+                <a:tc>
+                  <a:txBody>
+                    <a:bodyPr/>
+                    <a:lstStyle/>
+                    <a:p>
+                      <a:r>
+                        <a:rPr lang="en-GB"/>
+                        <a:t>g ai/l</a:t>
+                      </a:r>
+                    </a:p>
+                  </a:txBody>
+                  <a:tcPr anchor="ctr"/>
+                </a:tc>
+                <a:tc>
+                  <a:txBody>
+                    <a:bodyPr/>
+                    <a:lstStyle/>
+                    <a:p>
+                      <a:r>
+                        <a:rPr lang="en-GB"/>
+                        <a:t>SC</a:t>
+                      </a:r>
+                    </a:p>
+                  </a:txBody>
+                  <a:tcPr anchor="ctr"/>
+                </a:tc>
+                <a:tc>
+                  <a:txBody>
+                    <a:bodyPr/>
+                    <a:lstStyle/>
+                    <a:p>
+                      <a:r>
+                        <a:rPr lang="en-GB"/>
+                        <a:t>400</a:t>
+                      </a:r>
+                    </a:p>
+                  </a:txBody>
+                  <a:tcPr anchor="ctr"/>
+                </a:tc>
+                <a:tc>
+                  <a:txBody>
+                    <a:bodyPr/>
+                    <a:lstStyle/>
+                    <a:p>
+                      <a:r>
+                        <a:rPr lang="en-GB"/>
+                        <a:t>ml pr/ha</a:t>
+                      </a:r>
+                    </a:p>
+                  </a:txBody>
+                  <a:tcPr anchor="ctr"/>
+                </a:tc>
+                <a:tc>
+                  <a:txBody>
+                    <a:bodyPr/>
+                    <a:lstStyle/>
+                    <a:p>
+                      <a:r>
+                        <a:rPr lang="en-GB"/>
+                        <a:t>INJCTREE</a:t>
+                      </a:r>
+                    </a:p>
+                  </a:txBody>
+                  <a:tcPr anchor="ctr"/>
+                </a:tc>
+                <a:extLst>
+                  <a:ext uri="{0D108BD9-81ED-4DB2-BD59-A6C34878D82A}">
+                    <a16:rowId xmlns:a16="http://schemas.microsoft.com/office/drawing/2014/main" val="953753029"/>
+                  </a:ext>
+                </a:extLst>
+              </a:tr>
+              <a:tr h="861922">
+                <a:tc>
+                  <a:txBody>
+                    <a:bodyPr/>
+                    <a:lstStyle/>
+                    <a:p>
+                      <a:r>
+                        <a:rPr lang="en-GB"/>
+                        <a:t>4</a:t>
+                      </a:r>
+                    </a:p>
+                  </a:txBody>
+                  <a:tcPr anchor="ctr"/>
+                </a:tc>
+                <a:tc>
+                  <a:txBody>
+                    <a:bodyPr/>
+                    <a:lstStyle/>
+                    <a:p>
+                      <a:r>
+                        <a:rPr lang="en-GB"/>
+                        <a:t>B</a:t>
+                      </a:r>
+                    </a:p>
+                  </a:txBody>
+                  <a:tcPr anchor="ctr"/>
+                </a:tc>
+                <a:tc>
+                  <a:txBody>
+                    <a:bodyPr/>
+                    <a:lstStyle/>
+                    <a:p>
+                      <a:r>
+                        <a:rPr lang="en-GB"/>
+                        <a:t>CONFIDOR 200 OD</a:t>
+                      </a:r>
+                    </a:p>
+                  </a:txBody>
+                  <a:tcPr anchor="ctr"/>
+                </a:tc>
+                <a:tc>
+                  <a:txBody>
+                    <a:bodyPr/>
+                    <a:lstStyle/>
+                    <a:p>
+                      <a:r>
+                        <a:rPr lang="en-GB"/>
+                        <a:t>CONFIDOR 200 OD</a:t>
+                      </a:r>
+                    </a:p>
+                  </a:txBody>
+                  <a:tcPr anchor="ctr"/>
+                </a:tc>
+                <a:tc>
+                  <a:txBody>
+                    <a:bodyPr/>
+                    <a:lstStyle/>
+                    <a:p>
+                      <a:r>
+                        <a:rPr lang="en-GB"/>
+                        <a:t>200</a:t>
+                      </a:r>
+                    </a:p>
+                  </a:txBody>
+                  <a:tcPr anchor="ctr"/>
+                </a:tc>
+                <a:tc>
+                  <a:txBody>
+                    <a:bodyPr/>
+                    <a:lstStyle/>
+                    <a:p>
+                      <a:r>
+                        <a:rPr lang="en-GB"/>
+                        <a:t>g ai/l</a:t>
+                      </a:r>
+                    </a:p>
+                  </a:txBody>
+                  <a:tcPr anchor="ctr"/>
+                </a:tc>
+                <a:tc>
+                  <a:txBody>
+                    <a:bodyPr/>
+                    <a:lstStyle/>
+                    <a:p>
+                      <a:r>
+                        <a:rPr lang="en-GB"/>
+                        <a:t>OD</a:t>
+                      </a:r>
+                    </a:p>
+                  </a:txBody>
+                  <a:tcPr anchor="ctr"/>
+                </a:tc>
+                <a:tc>
+                  <a:txBody>
+                    <a:bodyPr/>
+                    <a:lstStyle/>
+                    <a:p>
+                      <a:r>
+                        <a:rPr lang="en-GB"/>
+                        <a:t>750</a:t>
+                      </a:r>
+                    </a:p>
+                  </a:txBody>
+                  <a:tcPr anchor="ctr"/>
+                </a:tc>
+                <a:tc>
+                  <a:txBody>
+                    <a:bodyPr/>
+                    <a:lstStyle/>
+                    <a:p>
+                      <a:r>
+                        <a:rPr lang="en-GB"/>
+                        <a:t>ml pr/ha</a:t>
+                      </a:r>
+                    </a:p>
+                  </a:txBody>
+                  <a:tcPr anchor="ctr"/>
+                </a:tc>
+                <a:tc>
+                  <a:txBody>
+                    <a:bodyPr/>
+                    <a:lstStyle/>
+                    <a:p>
+                      <a:r>
+                        <a:rPr lang="en-GB"/>
+                        <a:t>FOLIAR</a:t>
+                      </a:r>
+                    </a:p>
+                  </a:txBody>
+                  <a:tcPr anchor="ctr"/>
+                </a:tc>
+                <a:extLst>
+                  <a:ext uri="{0D108BD9-81ED-4DB2-BD59-A6C34878D82A}">
+                    <a16:rowId xmlns:a16="http://schemas.microsoft.com/office/drawing/2014/main" val="1788370751"/>
+                  </a:ext>
+                </a:extLst>
+              </a:tr>
+              <a:tr h="861922">
+                <a:tc>
+                  <a:txBody>
+                    <a:bodyPr/>
+                    <a:lstStyle/>
+                    <a:p>
+                      <a:r>
+                        <a:rPr lang="en-GB"/>
+                        <a:t>5</a:t>
+                      </a:r>
+                    </a:p>
+                  </a:txBody>
+                  <a:tcPr anchor="ctr"/>
+                </a:tc>
+                <a:tc>
+                  <a:txBody>
+                    <a:bodyPr/>
+                    <a:lstStyle/>
+                    <a:p>
+                      <a:r>
+                        <a:rPr lang="en-GB"/>
+                        <a:t>A</a:t>
+                      </a:r>
+                    </a:p>
+                  </a:txBody>
+                  <a:tcPr anchor="ctr"/>
+                </a:tc>
+                <a:tc>
+                  <a:txBody>
+                    <a:bodyPr/>
+                    <a:lstStyle/>
+                    <a:p>
+                      <a:r>
+                        <a:rPr lang="en-GB"/>
+                        <a:t>CONFIDOR 200 OD</a:t>
+                      </a:r>
+                    </a:p>
+                  </a:txBody>
+                  <a:tcPr anchor="ctr"/>
+                </a:tc>
+                <a:tc>
+                  <a:txBody>
+                    <a:bodyPr/>
+                    <a:lstStyle/>
+                    <a:p>
+                      <a:r>
+                        <a:rPr lang="en-GB"/>
+                        <a:t>CONFIDOR 200 OD</a:t>
+                      </a:r>
+                    </a:p>
+                  </a:txBody>
+                  <a:tcPr anchor="ctr"/>
+                </a:tc>
+                <a:tc>
+                  <a:txBody>
+                    <a:bodyPr/>
+                    <a:lstStyle/>
+                    <a:p>
+                      <a:r>
+                        <a:rPr lang="en-GB"/>
+                        <a:t>200</a:t>
+                      </a:r>
+                    </a:p>
+                  </a:txBody>
+                  <a:tcPr anchor="ctr"/>
+                </a:tc>
+                <a:tc>
+                  <a:txBody>
+                    <a:bodyPr/>
+                    <a:lstStyle/>
+                    <a:p>
+                      <a:r>
+                        <a:rPr lang="en-GB"/>
+                        <a:t>g ai/l</a:t>
+                      </a:r>
+                    </a:p>
+                  </a:txBody>
+                  <a:tcPr anchor="ctr"/>
+                </a:tc>
+                <a:tc>
+                  <a:txBody>
+                    <a:bodyPr/>
+                    <a:lstStyle/>
+                    <a:p>
+                      <a:r>
+                        <a:rPr lang="en-GB"/>
+                        <a:t>OD</a:t>
+                      </a:r>
+                    </a:p>
+                  </a:txBody>
+                  <a:tcPr anchor="ctr"/>
+                </a:tc>
+                <a:tc>
+                  <a:txBody>
+                    <a:bodyPr/>
+                    <a:lstStyle/>
+                    <a:p>
+                      <a:r>
+                        <a:rPr lang="en-GB"/>
+                        <a:t>750</a:t>
+                      </a:r>
+                    </a:p>
+                  </a:txBody>
+                  <a:tcPr anchor="ctr"/>
+                </a:tc>
+                <a:tc>
+                  <a:txBody>
+                    <a:bodyPr/>
+                    <a:lstStyle/>
+                    <a:p>
+                      <a:r>
+                        <a:rPr lang="en-GB"/>
+                        <a:t>ml pr/ha</a:t>
+                      </a:r>
+                    </a:p>
+                  </a:txBody>
+                  <a:tcPr anchor="ctr"/>
+                </a:tc>
+                <a:tc>
+                  <a:txBody>
+                    <a:bodyPr/>
+                    <a:lstStyle/>
+                    <a:p>
+                      <a:r>
+                        <a:rPr lang="en-GB"/>
+                        <a:t>INJCTREE</a:t>
+                      </a:r>
+                    </a:p>
+                  </a:txBody>
+                  <a:tcPr anchor="ctr"/>
+                </a:tc>
+                <a:extLst>
+                  <a:ext uri="{0D108BD9-81ED-4DB2-BD59-A6C34878D82A}">
+                    <a16:rowId xmlns:a16="http://schemas.microsoft.com/office/drawing/2014/main" val="1121887115"/>
+                  </a:ext>
+                </a:extLst>
+              </a:tr>
+              <a:tr h="974217">
+                <a:tc>
+                  <a:txBody>
+                    <a:bodyPr/>
+                    <a:lstStyle/>
+                    <a:p>
+                      <a:r>
+                        <a:rPr lang="en-GB"/>
+                        <a:t>6</a:t>
+                      </a:r>
+                    </a:p>
+                  </a:txBody>
+                  <a:tcPr anchor="ctr"/>
+                </a:tc>
+                <a:tc>
+                  <a:txBody>
+                    <a:bodyPr/>
+                    <a:lstStyle/>
+                    <a:p>
+                      <a:r>
+                        <a:rPr lang="en-GB"/>
+                        <a:t>B</a:t>
+                      </a:r>
+                    </a:p>
+                  </a:txBody>
+                  <a:tcPr anchor="ctr"/>
+                </a:tc>
+                <a:tc>
+                  <a:txBody>
+                    <a:bodyPr/>
+                    <a:lstStyle/>
+                    <a:p>
+                      <a:r>
+                        <a:rPr lang="en-GB"/>
+                        <a:t>LAMBDA-CYHALOTHRIN</a:t>
+                      </a:r>
+                    </a:p>
+                  </a:txBody>
+                  <a:tcPr anchor="ctr"/>
+                </a:tc>
+                <a:tc>
+                  <a:txBody>
+                    <a:bodyPr/>
+                    <a:lstStyle/>
+                    <a:p>
+                      <a:r>
+                        <a:rPr lang="en-GB"/>
+                        <a:t>KARATE ZEON 10CS</a:t>
+                      </a:r>
+                    </a:p>
+                  </a:txBody>
+                  <a:tcPr anchor="ctr"/>
+                </a:tc>
+                <a:tc>
+                  <a:txBody>
+                    <a:bodyPr/>
+                    <a:lstStyle/>
+                    <a:p>
+                      <a:r>
+                        <a:rPr lang="en-GB"/>
+                        <a:t>100</a:t>
+                      </a:r>
+                    </a:p>
+                  </a:txBody>
+                  <a:tcPr anchor="ctr"/>
+                </a:tc>
+                <a:tc>
+                  <a:txBody>
+                    <a:bodyPr/>
+                    <a:lstStyle/>
+                    <a:p>
+                      <a:r>
+                        <a:rPr lang="en-GB"/>
+                        <a:t>g ai/l</a:t>
+                      </a:r>
+                    </a:p>
+                  </a:txBody>
+                  <a:tcPr anchor="ctr"/>
+                </a:tc>
+                <a:tc>
+                  <a:txBody>
+                    <a:bodyPr/>
+                    <a:lstStyle/>
+                    <a:p>
+                      <a:r>
+                        <a:rPr lang="en-GB"/>
+                        <a:t>CS</a:t>
+                      </a:r>
+                    </a:p>
+                  </a:txBody>
+                  <a:tcPr anchor="ctr"/>
+                </a:tc>
+                <a:tc>
+                  <a:txBody>
+                    <a:bodyPr/>
+                    <a:lstStyle/>
+                    <a:p>
+                      <a:r>
+                        <a:rPr lang="en-GB"/>
+                        <a:t>250</a:t>
+                      </a:r>
+                    </a:p>
+                  </a:txBody>
+                  <a:tcPr anchor="ctr"/>
+                </a:tc>
+                <a:tc>
+                  <a:txBody>
+                    <a:bodyPr/>
+                    <a:lstStyle/>
+                    <a:p>
+                      <a:r>
+                        <a:rPr lang="en-GB"/>
+                        <a:t>ml pr/ha</a:t>
+                      </a:r>
+                    </a:p>
+                  </a:txBody>
+                  <a:tcPr anchor="ctr"/>
+                </a:tc>
+                <a:tc>
+                  <a:txBody>
+                    <a:bodyPr/>
+                    <a:lstStyle/>
+                    <a:p>
+                      <a:r>
+                        <a:rPr lang="en-GB"/>
+                        <a:t>FOLIAR</a:t>
+                      </a:r>
+                    </a:p>
+                  </a:txBody>
+                  <a:tcPr anchor="ctr"/>
+                </a:tc>
+                <a:extLst>
+                  <a:ext uri="{0D108BD9-81ED-4DB2-BD59-A6C34878D82A}">
+                    <a16:rowId xmlns:a16="http://schemas.microsoft.com/office/drawing/2014/main" val="1770583038"/>
+                  </a:ext>
+                </a:extLst>
+              </a:tr>
+              <a:tr h="603345">
+                <a:tc>
+                  <a:txBody>
+                    <a:bodyPr/>
+                    <a:lstStyle/>
+                    <a:p>
+                      <a:r>
+                        <a:rPr lang="en-GB"/>
+                        <a:t>7</a:t>
+                      </a:r>
+                    </a:p>
+                  </a:txBody>
+                  <a:tcPr anchor="ctr"/>
+                </a:tc>
+                <a:tc>
+                  <a:txBody>
+                    <a:bodyPr/>
+                    <a:lstStyle/>
+                    <a:p>
+                      <a:r>
+                        <a:rPr lang="en-GB"/>
+                        <a:t>B</a:t>
+                      </a:r>
+                    </a:p>
+                  </a:txBody>
+                  <a:tcPr anchor="ctr"/>
+                </a:tc>
+                <a:tc>
+                  <a:txBody>
+                    <a:bodyPr/>
+                    <a:lstStyle/>
+                    <a:p>
+                      <a:r>
+                        <a:rPr lang="en-GB"/>
+                        <a:t>UNTREATED</a:t>
+                      </a:r>
+                    </a:p>
+                  </a:txBody>
+                  <a:tcPr anchor="ctr"/>
+                </a:tc>
+                <a:tc>
+                  <a:txBody>
+                    <a:bodyPr/>
+                    <a:lstStyle/>
+                    <a:p>
+                      <a:r>
+                        <a:rPr lang="en-GB"/>
+                        <a:t>UNTREATED</a:t>
+                      </a:r>
+                    </a:p>
+                  </a:txBody>
+                  <a:tcPr anchor="ctr"/>
+                </a:tc>
+                <a:tc>
+                  <a:txBody>
+                    <a:bodyPr/>
+                    <a:lstStyle/>
+                    <a:p>
+                      <a:endParaRPr lang="en-GB"/>
+                    </a:p>
+                  </a:txBody>
+                  <a:tcPr anchor="ctr"/>
+                </a:tc>
+                <a:tc>
+                  <a:txBody>
+                    <a:bodyPr/>
+                    <a:lstStyle/>
+                    <a:p>
+                      <a:endParaRPr lang="en-GB"/>
+                    </a:p>
+                  </a:txBody>
+                  <a:tcPr/>
+                </a:tc>
+                <a:tc>
+                  <a:txBody>
+                    <a:bodyPr/>
+                    <a:lstStyle/>
+                    <a:p>
+                      <a:endParaRPr lang="en-GB"/>
+                    </a:p>
+                  </a:txBody>
+                  <a:tcPr/>
+                </a:tc>
+                <a:tc>
+                  <a:txBody>
+                    <a:bodyPr/>
+                    <a:lstStyle/>
+                    <a:p>
+                      <a:endParaRPr lang="en-GB"/>
+                    </a:p>
+                  </a:txBody>
+                  <a:tcPr/>
+                </a:tc>
+                <a:tc>
+                  <a:txBody>
+                    <a:bodyPr/>
+                    <a:lstStyle/>
+                    <a:p>
+                      <a:endParaRPr lang="en-GB"/>
+                    </a:p>
+                  </a:txBody>
+                  <a:tcPr/>
+                </a:tc>
+                <a:tc>
+                  <a:txBody>
+                    <a:bodyPr/>
+                    <a:lstStyle/>
+                    <a:p>
+                      <a:endParaRPr lang="en-GB" dirty="0"/>
+                    </a:p>
+                  </a:txBody>
+                  <a:tcPr/>
+                </a:tc>
+                <a:extLst>
+                  <a:ext uri="{0D108BD9-81ED-4DB2-BD59-A6C34878D82A}">
+                    <a16:rowId xmlns:a16="http://schemas.microsoft.com/office/drawing/2014/main" val="875503957"/>
+                  </a:ext>
+                </a:extLst>
+              </a:tr>
+            </a:tbl>
+          </a:graphicData>
+        </a:graphic>
+      </p:graphicFrame>
+      <p:sp>
+        <p:nvSpPr>
+          <p:cNvPr id="5" name="Rectangle 1">
+            <a:extLst>
+              <a:ext uri="{FF2B5EF4-FFF2-40B4-BE49-F238E27FC236}">
+                <a16:creationId xmlns:a16="http://schemas.microsoft.com/office/drawing/2014/main" id="{B50E2FC7-D68E-29D6-60D5-6E642703469E}"/>
+              </a:ext>
+            </a:extLst>
+          </p:cNvPr>
+          <p:cNvSpPr>
+            <a:spLocks noChangeArrowheads="1"/>
+          </p:cNvSpPr>
+          <p:nvPr/>
+        </p:nvSpPr>
+        <p:spPr bwMode="auto">
+          <a:xfrm>
+            <a:off x="-8689723" y="76487"/>
+            <a:ext cx="28196070" cy="369332"/>
+          </a:xfrm>
+          <a:prstGeom prst="rect">
+            <a:avLst/>
+          </a:prstGeom>
+          <a:noFill/>
+          <a:ln>
+            <a:noFill/>
+          </a:ln>
+          <a:effectLst/>
+          <a:extLst>
+            <a:ext uri="{909E8E84-426E-40DD-AFC4-6F175D3DCCD1}">
+              <a14:hiddenFill xmlns:a14="http://schemas.microsoft.com/office/drawing/2010/main">
+                <a:solidFill>
+                  <a:schemeClr val="accent1"/>
+                </a:solidFill>
+              </a14:hiddenFill>
+            </a:ext>
+            <a:ext uri="{91240B29-F687-4F45-9708-019B960494DF}">
+              <a14:hiddenLine xmlns:a14="http://schemas.microsoft.com/office/drawing/2010/main" w="9525">
+                <a:solidFill>
+                  <a:schemeClr val="tx1"/>
+                </a:solidFill>
+                <a:miter lim="800000"/>
+                <a:headEnd/>
+                <a:tailEnd/>
+              </a14:hiddenLine>
+            </a:ext>
+            <a:ext uri="{AF507438-7753-43E0-B8FC-AC1667EBCBE1}">
+              <a14:hiddenEffects xmlns:a14="http://schemas.microsoft.com/office/drawing/2010/main">
+                <a:effectLst>
+                  <a:outerShdw dist="35921" dir="2700000" algn="ctr" rotWithShape="0">
+                    <a:schemeClr val="bg2"/>
+                  </a:outerShdw>
+                </a:effectLst>
+              </a14:hiddenEffects>
+            </a:ext>
+          </a:extLst>
+        </p:spPr>
+        <p:txBody>
+          <a:bodyPr vert="horz" wrap="square" lIns="91440" tIns="45720" rIns="91440" bIns="45720" numCol="1" anchor="ctr" anchorCtr="0" compatLnSpc="1">
+            <a:prstTxWarp prst="textNoShape">
+              <a:avLst/>
+            </a:prstTxWarp>
+            <a:spAutoFit/>
+          </a:bodyPr>
+          <a:lstStyle/>
+          <a:p>
+            <a:pPr marL="0" marR="0" lvl="0" indent="0" algn="l" defTabSz="914400" rtl="0" eaLnBrk="0" fontAlgn="base" latinLnBrk="0" hangingPunct="0">
+              <a:lnSpc>
+                <a:spcPct val="100000"/>
+              </a:lnSpc>
+              <a:spcBef>
+                <a:spcPct val="0"/>
+              </a:spcBef>
+              <a:spcAft>
+                <a:spcPct val="0"/>
+              </a:spcAft>
+              <a:buClrTx/>
+              <a:buSzTx/>
+              <a:buFontTx/>
+              <a:buNone/>
+              <a:tabLst/>
+            </a:pPr>
+            <a:r>
+              <a:rPr kumimoji="0" lang="en-US" altLang="en-US" sz="900" b="1" i="0" u="none" strike="noStrike" cap="none" normalizeH="0" baseline="0">
+                <a:ln>
+                  <a:noFill/>
+                </a:ln>
+                <a:solidFill>
+                  <a:schemeClr val="tx1"/>
+                </a:solidFill>
+                <a:effectLst/>
+                <a:latin typeface="Arial" panose="020B0604020202020204" pitchFamily="34" charset="0"/>
+              </a:rPr>
+              <a:t>2017 Treatments</a:t>
+            </a:r>
+          </a:p>
+          <a:p>
+            <a:pPr marL="0" marR="0" lvl="0" indent="0" algn="l" defTabSz="914400" rtl="0" eaLnBrk="0" fontAlgn="base" latinLnBrk="0" hangingPunct="0">
+              <a:lnSpc>
+                <a:spcPct val="100000"/>
+              </a:lnSpc>
+              <a:spcBef>
+                <a:spcPct val="0"/>
+              </a:spcBef>
+              <a:spcAft>
+                <a:spcPct val="0"/>
+              </a:spcAft>
+              <a:buClrTx/>
+              <a:buSzTx/>
+              <a:buFontTx/>
+              <a:buNone/>
+              <a:tabLst/>
+            </a:pPr>
+            <a:endParaRPr kumimoji="0" lang="en-US" altLang="en-US" sz="900" b="0" i="0" u="none" strike="noStrike" cap="none" normalizeH="0" baseline="0">
+              <a:ln>
+                <a:noFill/>
+              </a:ln>
+              <a:solidFill>
+                <a:schemeClr val="tx1"/>
+              </a:solidFill>
+              <a:effectLst/>
+              <a:latin typeface="Arial" panose="020B0604020202020204" pitchFamily="34" charset="0"/>
+            </a:endParaRPr>
+          </a:p>
+        </p:txBody>
+      </p:sp>
+    </p:spTree>
+    <p:extLst>
+      <p:ext uri="{BB962C8B-B14F-4D97-AF65-F5344CB8AC3E}">
+        <p14:creationId xmlns:p14="http://schemas.microsoft.com/office/powerpoint/2010/main" val="2597527354"/>
+      </p:ext>
+    </p:extLst>
+  </p:cSld>
+  <p:clrMapOvr>
+    <a:masterClrMapping/>
+  </p:clrMapOvr>
+</p:sld>
+</file>
+
+<file path=ppt/slides/slide12.xml><?xml version="1.0" encoding="utf-8"?>
+<p:sld xmlns:a="http://schemas.openxmlformats.org/drawingml/2006/main" xmlns:r="http://schemas.openxmlformats.org/officeDocument/2006/relationships" xmlns:p="http://schemas.openxmlformats.org/presentationml/2006/main">
+  <p:cSld>
+    <p:spTree>
+      <p:nvGrpSpPr>
+        <p:cNvPr id="1" name="">
+          <a:extLst>
+            <a:ext uri="{FF2B5EF4-FFF2-40B4-BE49-F238E27FC236}">
+              <a16:creationId xmlns:a16="http://schemas.microsoft.com/office/drawing/2014/main" id="{695768A1-AE30-CABC-C991-C05D449B0F44}"/>
+            </a:ext>
+          </a:extLst>
+        </p:cNvPr>
+        <p:cNvGrpSpPr/>
+        <p:nvPr/>
+      </p:nvGrpSpPr>
+      <p:grpSpPr>
+        <a:xfrm>
+          <a:off x="0" y="0"/>
+          <a:ext cx="0" cy="0"/>
+          <a:chOff x="0" y="0"/>
+          <a:chExt cx="0" cy="0"/>
+        </a:xfrm>
+      </p:grpSpPr>
+      <p:sp>
+        <p:nvSpPr>
+          <p:cNvPr id="2" name="Título 1">
+            <a:extLst>
+              <a:ext uri="{FF2B5EF4-FFF2-40B4-BE49-F238E27FC236}">
+                <a16:creationId xmlns:a16="http://schemas.microsoft.com/office/drawing/2014/main" id="{D998B042-FAB1-719F-E74F-15818413F4C7}"/>
+              </a:ext>
+            </a:extLst>
+          </p:cNvPr>
+          <p:cNvSpPr>
+            <a:spLocks noGrp="1"/>
+          </p:cNvSpPr>
+          <p:nvPr>
+            <p:ph type="title"/>
+          </p:nvPr>
+        </p:nvSpPr>
+        <p:spPr>
+          <a:xfrm>
+            <a:off x="2778063" y="529449"/>
+            <a:ext cx="6858898" cy="801257"/>
+          </a:xfrm>
+        </p:spPr>
+        <p:txBody>
+          <a:bodyPr>
+            <a:normAutofit/>
+          </a:bodyPr>
+          <a:lstStyle/>
+          <a:p>
+            <a:r>
+              <a:rPr lang="es-ES" sz="2000" dirty="0"/>
+              <a:t>APPENDIX: TABLE AND CODES OF TREATMENTS IN 2018</a:t>
+            </a:r>
+            <a:endParaRPr lang="en-GB" sz="2000" dirty="0"/>
+          </a:p>
+        </p:txBody>
+      </p:sp>
+      <p:graphicFrame>
+        <p:nvGraphicFramePr>
+          <p:cNvPr id="6" name="Marcador de contenido 5">
+            <a:extLst>
+              <a:ext uri="{FF2B5EF4-FFF2-40B4-BE49-F238E27FC236}">
+                <a16:creationId xmlns:a16="http://schemas.microsoft.com/office/drawing/2014/main" id="{4474BFD6-8EDF-75EB-9885-CC03AB437E9B}"/>
+              </a:ext>
+            </a:extLst>
+          </p:cNvPr>
+          <p:cNvGraphicFramePr>
+            <a:graphicFrameLocks noGrp="1"/>
+          </p:cNvGraphicFramePr>
+          <p:nvPr>
+            <p:ph idx="1"/>
+            <p:extLst>
+              <p:ext uri="{D42A27DB-BD31-4B8C-83A1-F6EECF244321}">
+                <p14:modId xmlns:p14="http://schemas.microsoft.com/office/powerpoint/2010/main" val="1448967975"/>
+              </p:ext>
+            </p:extLst>
+          </p:nvPr>
+        </p:nvGraphicFramePr>
+        <p:xfrm>
+          <a:off x="11122" y="1114596"/>
+          <a:ext cx="12192000" cy="5798633"/>
+        </p:xfrm>
+        <a:graphic>
+          <a:graphicData uri="http://schemas.openxmlformats.org/drawingml/2006/table">
+            <a:tbl>
+              <a:tblPr firstRow="1" bandRow="1">
+                <a:tableStyleId>{5C22544A-7EE6-4342-B048-85BDC9FD1C3A}</a:tableStyleId>
+              </a:tblPr>
+              <a:tblGrid>
+                <a:gridCol w="1219200">
+                  <a:extLst>
+                    <a:ext uri="{9D8B030D-6E8A-4147-A177-3AD203B41FA5}">
+                      <a16:colId xmlns:a16="http://schemas.microsoft.com/office/drawing/2014/main" val="246815274"/>
+                    </a:ext>
+                  </a:extLst>
+                </a:gridCol>
+                <a:gridCol w="1219200">
+                  <a:extLst>
+                    <a:ext uri="{9D8B030D-6E8A-4147-A177-3AD203B41FA5}">
+                      <a16:colId xmlns:a16="http://schemas.microsoft.com/office/drawing/2014/main" val="1960720555"/>
+                    </a:ext>
+                  </a:extLst>
+                </a:gridCol>
+                <a:gridCol w="1219200">
+                  <a:extLst>
+                    <a:ext uri="{9D8B030D-6E8A-4147-A177-3AD203B41FA5}">
+                      <a16:colId xmlns:a16="http://schemas.microsoft.com/office/drawing/2014/main" val="2227247261"/>
+                    </a:ext>
+                  </a:extLst>
+                </a:gridCol>
+                <a:gridCol w="1219200">
+                  <a:extLst>
+                    <a:ext uri="{9D8B030D-6E8A-4147-A177-3AD203B41FA5}">
+                      <a16:colId xmlns:a16="http://schemas.microsoft.com/office/drawing/2014/main" val="2192721917"/>
+                    </a:ext>
+                  </a:extLst>
+                </a:gridCol>
+                <a:gridCol w="1219200">
+                  <a:extLst>
+                    <a:ext uri="{9D8B030D-6E8A-4147-A177-3AD203B41FA5}">
+                      <a16:colId xmlns:a16="http://schemas.microsoft.com/office/drawing/2014/main" val="425322991"/>
+                    </a:ext>
+                  </a:extLst>
+                </a:gridCol>
+                <a:gridCol w="1219200">
+                  <a:extLst>
+                    <a:ext uri="{9D8B030D-6E8A-4147-A177-3AD203B41FA5}">
+                      <a16:colId xmlns:a16="http://schemas.microsoft.com/office/drawing/2014/main" val="2950083391"/>
+                    </a:ext>
+                  </a:extLst>
+                </a:gridCol>
+                <a:gridCol w="1219200">
+                  <a:extLst>
+                    <a:ext uri="{9D8B030D-6E8A-4147-A177-3AD203B41FA5}">
+                      <a16:colId xmlns:a16="http://schemas.microsoft.com/office/drawing/2014/main" val="1436557280"/>
+                    </a:ext>
+                  </a:extLst>
+                </a:gridCol>
+                <a:gridCol w="1219200">
+                  <a:extLst>
+                    <a:ext uri="{9D8B030D-6E8A-4147-A177-3AD203B41FA5}">
+                      <a16:colId xmlns:a16="http://schemas.microsoft.com/office/drawing/2014/main" val="4287652671"/>
+                    </a:ext>
+                  </a:extLst>
+                </a:gridCol>
+                <a:gridCol w="1219200">
+                  <a:extLst>
+                    <a:ext uri="{9D8B030D-6E8A-4147-A177-3AD203B41FA5}">
+                      <a16:colId xmlns:a16="http://schemas.microsoft.com/office/drawing/2014/main" val="1234294555"/>
+                    </a:ext>
+                  </a:extLst>
+                </a:gridCol>
+                <a:gridCol w="1219200">
+                  <a:extLst>
+                    <a:ext uri="{9D8B030D-6E8A-4147-A177-3AD203B41FA5}">
+                      <a16:colId xmlns:a16="http://schemas.microsoft.com/office/drawing/2014/main" val="594864470"/>
+                    </a:ext>
+                  </a:extLst>
+                </a:gridCol>
+              </a:tblGrid>
+              <a:tr h="998807">
+                <a:tc>
+                  <a:txBody>
+                    <a:bodyPr/>
+                    <a:lstStyle/>
+                    <a:p>
+                      <a:r>
+                        <a:rPr lang="en-GB" dirty="0" err="1"/>
+                        <a:t>Trt</a:t>
+                      </a:r>
+                      <a:r>
+                        <a:rPr lang="en-GB" dirty="0"/>
+                        <a:t> Num</a:t>
+                      </a:r>
+                    </a:p>
+                  </a:txBody>
+                  <a:tcPr anchor="ctr"/>
+                </a:tc>
+                <a:tc>
+                  <a:txBody>
+                    <a:bodyPr/>
+                    <a:lstStyle/>
+                    <a:p>
+                      <a:r>
+                        <a:rPr lang="en-GB"/>
+                        <a:t>Appl Code</a:t>
+                      </a:r>
+                    </a:p>
+                  </a:txBody>
+                  <a:tcPr anchor="ctr"/>
+                </a:tc>
+                <a:tc>
+                  <a:txBody>
+                    <a:bodyPr/>
+                    <a:lstStyle/>
+                    <a:p>
+                      <a:r>
+                        <a:rPr lang="en-GB" dirty="0"/>
+                        <a:t>Treatment Name</a:t>
+                      </a:r>
+                    </a:p>
+                  </a:txBody>
+                  <a:tcPr anchor="ctr"/>
+                </a:tc>
+                <a:tc>
+                  <a:txBody>
+                    <a:bodyPr/>
+                    <a:lstStyle/>
+                    <a:p>
+                      <a:r>
+                        <a:rPr lang="en-GB"/>
+                        <a:t>Material Name</a:t>
+                      </a:r>
+                    </a:p>
+                  </a:txBody>
+                  <a:tcPr anchor="ctr"/>
+                </a:tc>
+                <a:tc>
+                  <a:txBody>
+                    <a:bodyPr/>
+                    <a:lstStyle/>
+                    <a:p>
+                      <a:r>
+                        <a:rPr lang="en-GB"/>
+                        <a:t>Form Conc</a:t>
+                      </a:r>
+                    </a:p>
+                  </a:txBody>
+                  <a:tcPr anchor="ctr"/>
+                </a:tc>
+                <a:tc>
+                  <a:txBody>
+                    <a:bodyPr/>
+                    <a:lstStyle/>
+                    <a:p>
+                      <a:r>
+                        <a:rPr lang="en-GB"/>
+                        <a:t>Conc Unit</a:t>
+                      </a:r>
+                    </a:p>
+                  </a:txBody>
+                  <a:tcPr anchor="ctr"/>
+                </a:tc>
+                <a:tc>
+                  <a:txBody>
+                    <a:bodyPr/>
+                    <a:lstStyle/>
+                    <a:p>
+                      <a:r>
+                        <a:rPr lang="en-GB"/>
+                        <a:t>Form Type</a:t>
+                      </a:r>
+                    </a:p>
+                  </a:txBody>
+                  <a:tcPr anchor="ctr"/>
+                </a:tc>
+                <a:tc>
+                  <a:txBody>
+                    <a:bodyPr/>
+                    <a:lstStyle/>
+                    <a:p>
+                      <a:r>
+                        <a:rPr lang="en-GB"/>
+                        <a:t>Rate</a:t>
+                      </a:r>
+                    </a:p>
+                  </a:txBody>
+                  <a:tcPr anchor="ctr"/>
+                </a:tc>
+                <a:tc>
+                  <a:txBody>
+                    <a:bodyPr/>
+                    <a:lstStyle/>
+                    <a:p>
+                      <a:r>
+                        <a:rPr lang="en-GB"/>
+                        <a:t>Rate Unit</a:t>
+                      </a:r>
+                    </a:p>
+                  </a:txBody>
+                  <a:tcPr anchor="ctr"/>
+                </a:tc>
+                <a:tc>
+                  <a:txBody>
+                    <a:bodyPr/>
+                    <a:lstStyle/>
+                    <a:p>
+                      <a:r>
+                        <a:rPr lang="en-GB"/>
+                        <a:t>Appl Method</a:t>
+                      </a:r>
+                    </a:p>
+                  </a:txBody>
+                  <a:tcPr anchor="ctr"/>
+                </a:tc>
+                <a:extLst>
+                  <a:ext uri="{0D108BD9-81ED-4DB2-BD59-A6C34878D82A}">
+                    <a16:rowId xmlns:a16="http://schemas.microsoft.com/office/drawing/2014/main" val="2254472724"/>
+                  </a:ext>
+                </a:extLst>
+              </a:tr>
+              <a:tr h="998807">
+                <a:tc>
+                  <a:txBody>
+                    <a:bodyPr/>
+                    <a:lstStyle/>
+                    <a:p>
+                      <a:r>
+                        <a:rPr lang="en-GB"/>
+                        <a:t>1</a:t>
+                      </a:r>
+                    </a:p>
+                  </a:txBody>
+                  <a:tcPr anchor="ctr"/>
+                </a:tc>
+                <a:tc>
+                  <a:txBody>
+                    <a:bodyPr/>
+                    <a:lstStyle/>
+                    <a:p>
+                      <a:r>
+                        <a:rPr lang="en-GB"/>
+                        <a:t>A</a:t>
+                      </a:r>
+                    </a:p>
+                  </a:txBody>
+                  <a:tcPr anchor="ctr"/>
+                </a:tc>
+                <a:tc>
+                  <a:txBody>
+                    <a:bodyPr/>
+                    <a:lstStyle/>
+                    <a:p>
+                      <a:r>
+                        <a:rPr lang="en-GB"/>
+                        <a:t>CONFIDOR 200 OD</a:t>
+                      </a:r>
+                    </a:p>
+                  </a:txBody>
+                  <a:tcPr anchor="ctr"/>
+                </a:tc>
+                <a:tc>
+                  <a:txBody>
+                    <a:bodyPr/>
+                    <a:lstStyle/>
+                    <a:p>
+                      <a:r>
+                        <a:rPr lang="en-GB"/>
+                        <a:t>CONFIDOR 200 OD</a:t>
+                      </a:r>
+                    </a:p>
+                  </a:txBody>
+                  <a:tcPr anchor="ctr"/>
+                </a:tc>
+                <a:tc>
+                  <a:txBody>
+                    <a:bodyPr/>
+                    <a:lstStyle/>
+                    <a:p>
+                      <a:r>
+                        <a:rPr lang="en-GB"/>
+                        <a:t>200</a:t>
+                      </a:r>
+                    </a:p>
+                  </a:txBody>
+                  <a:tcPr anchor="ctr"/>
+                </a:tc>
+                <a:tc>
+                  <a:txBody>
+                    <a:bodyPr/>
+                    <a:lstStyle/>
+                    <a:p>
+                      <a:r>
+                        <a:rPr lang="en-GB"/>
+                        <a:t>g ai/l</a:t>
+                      </a:r>
+                    </a:p>
+                  </a:txBody>
+                  <a:tcPr anchor="ctr"/>
+                </a:tc>
+                <a:tc>
+                  <a:txBody>
+                    <a:bodyPr/>
+                    <a:lstStyle/>
+                    <a:p>
+                      <a:r>
+                        <a:rPr lang="en-GB"/>
+                        <a:t>OD</a:t>
+                      </a:r>
+                    </a:p>
+                  </a:txBody>
+                  <a:tcPr anchor="ctr"/>
+                </a:tc>
+                <a:tc>
+                  <a:txBody>
+                    <a:bodyPr/>
+                    <a:lstStyle/>
+                    <a:p>
+                      <a:r>
+                        <a:rPr lang="en-GB"/>
+                        <a:t>750</a:t>
+                      </a:r>
+                    </a:p>
+                  </a:txBody>
+                  <a:tcPr anchor="ctr"/>
+                </a:tc>
+                <a:tc>
+                  <a:txBody>
+                    <a:bodyPr/>
+                    <a:lstStyle/>
+                    <a:p>
+                      <a:r>
+                        <a:rPr lang="en-GB"/>
+                        <a:t>ml pr/ha</a:t>
+                      </a:r>
+                    </a:p>
+                  </a:txBody>
+                  <a:tcPr anchor="ctr"/>
+                </a:tc>
+                <a:tc>
+                  <a:txBody>
+                    <a:bodyPr/>
+                    <a:lstStyle/>
+                    <a:p>
+                      <a:r>
+                        <a:rPr lang="en-GB"/>
+                        <a:t>FOLIAR</a:t>
+                      </a:r>
+                    </a:p>
+                  </a:txBody>
+                  <a:tcPr anchor="ctr"/>
+                </a:tc>
+                <a:extLst>
+                  <a:ext uri="{0D108BD9-81ED-4DB2-BD59-A6C34878D82A}">
+                    <a16:rowId xmlns:a16="http://schemas.microsoft.com/office/drawing/2014/main" val="932317154"/>
+                  </a:ext>
+                </a:extLst>
+              </a:tr>
+              <a:tr h="998807">
+                <a:tc>
+                  <a:txBody>
+                    <a:bodyPr/>
+                    <a:lstStyle/>
+                    <a:p>
+                      <a:r>
+                        <a:rPr lang="en-GB"/>
+                        <a:t>2</a:t>
+                      </a:r>
+                    </a:p>
+                  </a:txBody>
+                  <a:tcPr anchor="ctr"/>
+                </a:tc>
+                <a:tc>
+                  <a:txBody>
+                    <a:bodyPr/>
+                    <a:lstStyle/>
+                    <a:p>
+                      <a:r>
+                        <a:rPr lang="en-GB"/>
+                        <a:t>A</a:t>
+                      </a:r>
+                    </a:p>
+                  </a:txBody>
+                  <a:tcPr anchor="ctr"/>
+                </a:tc>
+                <a:tc>
+                  <a:txBody>
+                    <a:bodyPr/>
+                    <a:lstStyle/>
+                    <a:p>
+                      <a:r>
+                        <a:rPr lang="en-GB"/>
+                        <a:t>SULFOXAFLOR</a:t>
+                      </a:r>
+                    </a:p>
+                  </a:txBody>
+                  <a:tcPr anchor="ctr"/>
+                </a:tc>
+                <a:tc>
+                  <a:txBody>
+                    <a:bodyPr/>
+                    <a:lstStyle/>
+                    <a:p>
+                      <a:r>
+                        <a:rPr lang="en-GB"/>
+                        <a:t>GF-2626</a:t>
+                      </a:r>
+                    </a:p>
+                  </a:txBody>
+                  <a:tcPr anchor="ctr"/>
+                </a:tc>
+                <a:tc>
+                  <a:txBody>
+                    <a:bodyPr/>
+                    <a:lstStyle/>
+                    <a:p>
+                      <a:r>
+                        <a:rPr lang="en-GB"/>
+                        <a:t>120</a:t>
+                      </a:r>
+                    </a:p>
+                  </a:txBody>
+                  <a:tcPr anchor="ctr"/>
+                </a:tc>
+                <a:tc>
+                  <a:txBody>
+                    <a:bodyPr/>
+                    <a:lstStyle/>
+                    <a:p>
+                      <a:r>
+                        <a:rPr lang="en-GB"/>
+                        <a:t>g ai/l</a:t>
+                      </a:r>
+                    </a:p>
+                  </a:txBody>
+                  <a:tcPr anchor="ctr"/>
+                </a:tc>
+                <a:tc>
+                  <a:txBody>
+                    <a:bodyPr/>
+                    <a:lstStyle/>
+                    <a:p>
+                      <a:r>
+                        <a:rPr lang="en-GB"/>
+                        <a:t>SC</a:t>
+                      </a:r>
+                    </a:p>
+                  </a:txBody>
+                  <a:tcPr anchor="ctr"/>
+                </a:tc>
+                <a:tc>
+                  <a:txBody>
+                    <a:bodyPr/>
+                    <a:lstStyle/>
+                    <a:p>
+                      <a:r>
+                        <a:rPr lang="en-GB"/>
+                        <a:t>400</a:t>
+                      </a:r>
+                    </a:p>
+                  </a:txBody>
+                  <a:tcPr anchor="ctr"/>
+                </a:tc>
+                <a:tc>
+                  <a:txBody>
+                    <a:bodyPr/>
+                    <a:lstStyle/>
+                    <a:p>
+                      <a:r>
+                        <a:rPr lang="en-GB"/>
+                        <a:t>ml pr/ha</a:t>
+                      </a:r>
+                    </a:p>
+                  </a:txBody>
+                  <a:tcPr anchor="ctr"/>
+                </a:tc>
+                <a:tc>
+                  <a:txBody>
+                    <a:bodyPr/>
+                    <a:lstStyle/>
+                    <a:p>
+                      <a:r>
+                        <a:rPr lang="en-GB"/>
+                        <a:t>FOLIAR</a:t>
+                      </a:r>
+                    </a:p>
+                  </a:txBody>
+                  <a:tcPr anchor="ctr"/>
+                </a:tc>
+                <a:extLst>
+                  <a:ext uri="{0D108BD9-81ED-4DB2-BD59-A6C34878D82A}">
+                    <a16:rowId xmlns:a16="http://schemas.microsoft.com/office/drawing/2014/main" val="3291474999"/>
+                  </a:ext>
+                </a:extLst>
+              </a:tr>
+              <a:tr h="405073">
+                <a:tc>
+                  <a:txBody>
+                    <a:bodyPr/>
+                    <a:lstStyle/>
+                    <a:p>
+                      <a:r>
+                        <a:rPr lang="en-GB"/>
+                        <a:t>3</a:t>
+                      </a:r>
+                    </a:p>
+                  </a:txBody>
+                  <a:tcPr anchor="ctr"/>
+                </a:tc>
+                <a:tc>
+                  <a:txBody>
+                    <a:bodyPr/>
+                    <a:lstStyle/>
+                    <a:p>
+                      <a:r>
+                        <a:rPr lang="en-GB"/>
+                        <a:t>A</a:t>
+                      </a:r>
+                    </a:p>
+                  </a:txBody>
+                  <a:tcPr anchor="ctr"/>
+                </a:tc>
+                <a:tc>
+                  <a:txBody>
+                    <a:bodyPr/>
+                    <a:lstStyle/>
+                    <a:p>
+                      <a:r>
+                        <a:rPr lang="en-GB"/>
+                        <a:t>EPIK</a:t>
+                      </a:r>
+                    </a:p>
+                  </a:txBody>
+                  <a:tcPr anchor="ctr"/>
+                </a:tc>
+                <a:tc>
+                  <a:txBody>
+                    <a:bodyPr/>
+                    <a:lstStyle/>
+                    <a:p>
+                      <a:r>
+                        <a:rPr lang="en-GB"/>
+                        <a:t>EPIK</a:t>
+                      </a:r>
+                    </a:p>
+                  </a:txBody>
+                  <a:tcPr anchor="ctr"/>
+                </a:tc>
+                <a:tc>
+                  <a:txBody>
+                    <a:bodyPr/>
+                    <a:lstStyle/>
+                    <a:p>
+                      <a:r>
+                        <a:rPr lang="en-GB"/>
+                        <a:t>50</a:t>
+                      </a:r>
+                    </a:p>
+                  </a:txBody>
+                  <a:tcPr anchor="ctr"/>
+                </a:tc>
+                <a:tc>
+                  <a:txBody>
+                    <a:bodyPr/>
+                    <a:lstStyle/>
+                    <a:p>
+                      <a:r>
+                        <a:rPr lang="en-GB"/>
+                        <a:t>g ai/kg</a:t>
+                      </a:r>
+                    </a:p>
+                  </a:txBody>
+                  <a:tcPr anchor="ctr"/>
+                </a:tc>
+                <a:tc>
+                  <a:txBody>
+                    <a:bodyPr/>
+                    <a:lstStyle/>
+                    <a:p>
+                      <a:r>
+                        <a:rPr lang="en-GB"/>
+                        <a:t>WP</a:t>
+                      </a:r>
+                    </a:p>
+                  </a:txBody>
+                  <a:tcPr anchor="ctr"/>
+                </a:tc>
+                <a:tc>
+                  <a:txBody>
+                    <a:bodyPr/>
+                    <a:lstStyle/>
+                    <a:p>
+                      <a:r>
+                        <a:rPr lang="en-GB"/>
+                        <a:t>1500</a:t>
+                      </a:r>
+                    </a:p>
+                  </a:txBody>
+                  <a:tcPr anchor="ctr"/>
+                </a:tc>
+                <a:tc>
+                  <a:txBody>
+                    <a:bodyPr/>
+                    <a:lstStyle/>
+                    <a:p>
+                      <a:r>
+                        <a:rPr lang="en-GB"/>
+                        <a:t>g pr/ha</a:t>
+                      </a:r>
+                    </a:p>
+                  </a:txBody>
+                  <a:tcPr anchor="ctr"/>
+                </a:tc>
+                <a:tc>
+                  <a:txBody>
+                    <a:bodyPr/>
+                    <a:lstStyle/>
+                    <a:p>
+                      <a:r>
+                        <a:rPr lang="en-GB"/>
+                        <a:t>FOLIAR</a:t>
+                      </a:r>
+                    </a:p>
+                  </a:txBody>
+                  <a:tcPr anchor="ctr"/>
+                </a:tc>
+                <a:extLst>
+                  <a:ext uri="{0D108BD9-81ED-4DB2-BD59-A6C34878D82A}">
+                    <a16:rowId xmlns:a16="http://schemas.microsoft.com/office/drawing/2014/main" val="2316647119"/>
+                  </a:ext>
+                </a:extLst>
+              </a:tr>
+              <a:tr h="998807">
+                <a:tc>
+                  <a:txBody>
+                    <a:bodyPr/>
+                    <a:lstStyle/>
+                    <a:p>
+                      <a:r>
+                        <a:rPr lang="en-GB"/>
+                        <a:t>4</a:t>
+                      </a:r>
+                    </a:p>
+                  </a:txBody>
+                  <a:tcPr anchor="ctr"/>
+                </a:tc>
+                <a:tc>
+                  <a:txBody>
+                    <a:bodyPr/>
+                    <a:lstStyle/>
+                    <a:p>
+                      <a:r>
+                        <a:rPr lang="en-GB"/>
+                        <a:t>B</a:t>
+                      </a:r>
+                    </a:p>
+                  </a:txBody>
+                  <a:tcPr anchor="ctr"/>
+                </a:tc>
+                <a:tc>
+                  <a:txBody>
+                    <a:bodyPr/>
+                    <a:lstStyle/>
+                    <a:p>
+                      <a:r>
+                        <a:rPr lang="en-GB"/>
+                        <a:t>SULFOXAFLOR</a:t>
+                      </a:r>
+                    </a:p>
+                  </a:txBody>
+                  <a:tcPr anchor="ctr"/>
+                </a:tc>
+                <a:tc>
+                  <a:txBody>
+                    <a:bodyPr/>
+                    <a:lstStyle/>
+                    <a:p>
+                      <a:r>
+                        <a:rPr lang="en-GB"/>
+                        <a:t>GF-2626</a:t>
+                      </a:r>
+                    </a:p>
+                  </a:txBody>
+                  <a:tcPr anchor="ctr"/>
+                </a:tc>
+                <a:tc>
+                  <a:txBody>
+                    <a:bodyPr/>
+                    <a:lstStyle/>
+                    <a:p>
+                      <a:r>
+                        <a:rPr lang="en-GB"/>
+                        <a:t>120</a:t>
+                      </a:r>
+                    </a:p>
+                  </a:txBody>
+                  <a:tcPr anchor="ctr"/>
+                </a:tc>
+                <a:tc>
+                  <a:txBody>
+                    <a:bodyPr/>
+                    <a:lstStyle/>
+                    <a:p>
+                      <a:r>
+                        <a:rPr lang="en-GB"/>
+                        <a:t>g ai/l</a:t>
+                      </a:r>
+                    </a:p>
+                  </a:txBody>
+                  <a:tcPr anchor="ctr"/>
+                </a:tc>
+                <a:tc>
+                  <a:txBody>
+                    <a:bodyPr/>
+                    <a:lstStyle/>
+                    <a:p>
+                      <a:r>
+                        <a:rPr lang="en-GB"/>
+                        <a:t>SC</a:t>
+                      </a:r>
+                    </a:p>
+                  </a:txBody>
+                  <a:tcPr anchor="ctr"/>
+                </a:tc>
+                <a:tc>
+                  <a:txBody>
+                    <a:bodyPr/>
+                    <a:lstStyle/>
+                    <a:p>
+                      <a:r>
+                        <a:rPr lang="en-GB"/>
+                        <a:t>400</a:t>
+                      </a:r>
+                    </a:p>
+                  </a:txBody>
+                  <a:tcPr anchor="ctr"/>
+                </a:tc>
+                <a:tc>
+                  <a:txBody>
+                    <a:bodyPr/>
+                    <a:lstStyle/>
+                    <a:p>
+                      <a:r>
+                        <a:rPr lang="en-GB"/>
+                        <a:t>ml pr/ha</a:t>
+                      </a:r>
+                    </a:p>
+                  </a:txBody>
+                  <a:tcPr anchor="ctr"/>
+                </a:tc>
+                <a:tc>
+                  <a:txBody>
+                    <a:bodyPr/>
+                    <a:lstStyle/>
+                    <a:p>
+                      <a:r>
+                        <a:rPr lang="en-GB"/>
+                        <a:t>INJCTREE</a:t>
+                      </a:r>
+                    </a:p>
+                  </a:txBody>
+                  <a:tcPr anchor="ctr"/>
+                </a:tc>
+                <a:extLst>
+                  <a:ext uri="{0D108BD9-81ED-4DB2-BD59-A6C34878D82A}">
+                    <a16:rowId xmlns:a16="http://schemas.microsoft.com/office/drawing/2014/main" val="332274786"/>
+                  </a:ext>
+                </a:extLst>
+              </a:tr>
+              <a:tr h="699166">
+                <a:tc>
+                  <a:txBody>
+                    <a:bodyPr/>
+                    <a:lstStyle/>
+                    <a:p>
+                      <a:r>
+                        <a:rPr lang="en-GB"/>
+                        <a:t>5</a:t>
+                      </a:r>
+                    </a:p>
+                  </a:txBody>
+                  <a:tcPr anchor="ctr"/>
+                </a:tc>
+                <a:tc>
+                  <a:txBody>
+                    <a:bodyPr/>
+                    <a:lstStyle/>
+                    <a:p>
+                      <a:r>
+                        <a:rPr lang="en-GB"/>
+                        <a:t>B</a:t>
+                      </a:r>
+                    </a:p>
+                  </a:txBody>
+                  <a:tcPr anchor="ctr"/>
+                </a:tc>
+                <a:tc>
+                  <a:txBody>
+                    <a:bodyPr/>
+                    <a:lstStyle/>
+                    <a:p>
+                      <a:r>
+                        <a:rPr lang="en-GB"/>
+                        <a:t>EPIK</a:t>
+                      </a:r>
+                    </a:p>
+                  </a:txBody>
+                  <a:tcPr anchor="ctr"/>
+                </a:tc>
+                <a:tc>
+                  <a:txBody>
+                    <a:bodyPr/>
+                    <a:lstStyle/>
+                    <a:p>
+                      <a:r>
+                        <a:rPr lang="en-GB"/>
+                        <a:t>EPIK</a:t>
+                      </a:r>
+                    </a:p>
+                  </a:txBody>
+                  <a:tcPr anchor="ctr"/>
+                </a:tc>
+                <a:tc>
+                  <a:txBody>
+                    <a:bodyPr/>
+                    <a:lstStyle/>
+                    <a:p>
+                      <a:r>
+                        <a:rPr lang="en-GB"/>
+                        <a:t>50</a:t>
+                      </a:r>
+                    </a:p>
+                  </a:txBody>
+                  <a:tcPr anchor="ctr"/>
+                </a:tc>
+                <a:tc>
+                  <a:txBody>
+                    <a:bodyPr/>
+                    <a:lstStyle/>
+                    <a:p>
+                      <a:r>
+                        <a:rPr lang="en-GB"/>
+                        <a:t>g ai/kg</a:t>
+                      </a:r>
+                    </a:p>
+                  </a:txBody>
+                  <a:tcPr anchor="ctr"/>
+                </a:tc>
+                <a:tc>
+                  <a:txBody>
+                    <a:bodyPr/>
+                    <a:lstStyle/>
+                    <a:p>
+                      <a:r>
+                        <a:rPr lang="en-GB"/>
+                        <a:t>WP</a:t>
+                      </a:r>
+                    </a:p>
+                  </a:txBody>
+                  <a:tcPr anchor="ctr"/>
+                </a:tc>
+                <a:tc>
+                  <a:txBody>
+                    <a:bodyPr/>
+                    <a:lstStyle/>
+                    <a:p>
+                      <a:r>
+                        <a:rPr lang="en-GB"/>
+                        <a:t>1500</a:t>
+                      </a:r>
+                    </a:p>
+                  </a:txBody>
+                  <a:tcPr anchor="ctr"/>
+                </a:tc>
+                <a:tc>
+                  <a:txBody>
+                    <a:bodyPr/>
+                    <a:lstStyle/>
+                    <a:p>
+                      <a:r>
+                        <a:rPr lang="en-GB"/>
+                        <a:t>g pr/ha</a:t>
+                      </a:r>
+                    </a:p>
+                  </a:txBody>
+                  <a:tcPr anchor="ctr"/>
+                </a:tc>
+                <a:tc>
+                  <a:txBody>
+                    <a:bodyPr/>
+                    <a:lstStyle/>
+                    <a:p>
+                      <a:r>
+                        <a:rPr lang="en-GB"/>
+                        <a:t>INJCTREE</a:t>
+                      </a:r>
+                    </a:p>
+                  </a:txBody>
+                  <a:tcPr anchor="ctr"/>
+                </a:tc>
+                <a:extLst>
+                  <a:ext uri="{0D108BD9-81ED-4DB2-BD59-A6C34878D82A}">
+                    <a16:rowId xmlns:a16="http://schemas.microsoft.com/office/drawing/2014/main" val="3567192259"/>
+                  </a:ext>
+                </a:extLst>
+              </a:tr>
+              <a:tr h="699166">
+                <a:tc>
+                  <a:txBody>
+                    <a:bodyPr/>
+                    <a:lstStyle/>
+                    <a:p>
+                      <a:r>
+                        <a:rPr lang="en-GB"/>
+                        <a:t>6</a:t>
+                      </a:r>
+                    </a:p>
+                  </a:txBody>
+                  <a:tcPr anchor="ctr"/>
+                </a:tc>
+                <a:tc>
+                  <a:txBody>
+                    <a:bodyPr/>
+                    <a:lstStyle/>
+                    <a:p>
+                      <a:r>
+                        <a:rPr lang="en-GB"/>
+                        <a:t>B</a:t>
+                      </a:r>
+                    </a:p>
+                  </a:txBody>
+                  <a:tcPr anchor="ctr"/>
+                </a:tc>
+                <a:tc>
+                  <a:txBody>
+                    <a:bodyPr/>
+                    <a:lstStyle/>
+                    <a:p>
+                      <a:r>
+                        <a:rPr lang="en-GB"/>
+                        <a:t>UNTREATED</a:t>
+                      </a:r>
+                    </a:p>
+                  </a:txBody>
+                  <a:tcPr anchor="ctr"/>
+                </a:tc>
+                <a:tc>
+                  <a:txBody>
+                    <a:bodyPr/>
+                    <a:lstStyle/>
+                    <a:p>
+                      <a:r>
+                        <a:rPr lang="en-GB"/>
+                        <a:t>UNTREATED</a:t>
+                      </a:r>
+                    </a:p>
+                  </a:txBody>
+                  <a:tcPr anchor="ctr"/>
+                </a:tc>
+                <a:tc>
+                  <a:txBody>
+                    <a:bodyPr/>
+                    <a:lstStyle/>
+                    <a:p>
+                      <a:endParaRPr lang="en-GB"/>
+                    </a:p>
+                  </a:txBody>
+                  <a:tcPr/>
+                </a:tc>
+                <a:tc>
+                  <a:txBody>
+                    <a:bodyPr/>
+                    <a:lstStyle/>
+                    <a:p>
+                      <a:endParaRPr lang="en-GB" dirty="0"/>
+                    </a:p>
+                  </a:txBody>
+                  <a:tcPr/>
+                </a:tc>
+                <a:tc>
+                  <a:txBody>
+                    <a:bodyPr/>
+                    <a:lstStyle/>
+                    <a:p>
+                      <a:endParaRPr lang="en-GB"/>
+                    </a:p>
+                  </a:txBody>
+                  <a:tcPr/>
+                </a:tc>
+                <a:tc>
+                  <a:txBody>
+                    <a:bodyPr/>
+                    <a:lstStyle/>
+                    <a:p>
+                      <a:endParaRPr lang="en-GB"/>
+                    </a:p>
+                  </a:txBody>
+                  <a:tcPr/>
+                </a:tc>
+                <a:tc>
+                  <a:txBody>
+                    <a:bodyPr/>
+                    <a:lstStyle/>
+                    <a:p>
+                      <a:endParaRPr lang="en-GB"/>
+                    </a:p>
+                  </a:txBody>
+                  <a:tcPr/>
+                </a:tc>
+                <a:tc>
+                  <a:txBody>
+                    <a:bodyPr/>
+                    <a:lstStyle/>
+                    <a:p>
+                      <a:endParaRPr lang="en-GB" dirty="0"/>
+                    </a:p>
+                  </a:txBody>
+                  <a:tcPr/>
+                </a:tc>
+                <a:extLst>
+                  <a:ext uri="{0D108BD9-81ED-4DB2-BD59-A6C34878D82A}">
+                    <a16:rowId xmlns:a16="http://schemas.microsoft.com/office/drawing/2014/main" val="2878070203"/>
+                  </a:ext>
+                </a:extLst>
+              </a:tr>
+            </a:tbl>
+          </a:graphicData>
+        </a:graphic>
+      </p:graphicFrame>
+      <p:sp>
+        <p:nvSpPr>
+          <p:cNvPr id="5" name="Rectangle 1">
+            <a:extLst>
+              <a:ext uri="{FF2B5EF4-FFF2-40B4-BE49-F238E27FC236}">
+                <a16:creationId xmlns:a16="http://schemas.microsoft.com/office/drawing/2014/main" id="{742EE9F5-4B5A-9FAF-8A11-5B54D1BED9B8}"/>
+              </a:ext>
+            </a:extLst>
+          </p:cNvPr>
+          <p:cNvSpPr>
+            <a:spLocks noChangeArrowheads="1"/>
+          </p:cNvSpPr>
+          <p:nvPr/>
+        </p:nvSpPr>
+        <p:spPr bwMode="auto">
+          <a:xfrm>
+            <a:off x="-8689723" y="76487"/>
+            <a:ext cx="28196070" cy="369332"/>
+          </a:xfrm>
+          <a:prstGeom prst="rect">
+            <a:avLst/>
+          </a:prstGeom>
+          <a:noFill/>
+          <a:ln>
+            <a:noFill/>
+          </a:ln>
+          <a:effectLst/>
+          <a:extLst>
+            <a:ext uri="{909E8E84-426E-40DD-AFC4-6F175D3DCCD1}">
+              <a14:hiddenFill xmlns:a14="http://schemas.microsoft.com/office/drawing/2010/main">
+                <a:solidFill>
+                  <a:schemeClr val="accent1"/>
+                </a:solidFill>
+              </a14:hiddenFill>
+            </a:ext>
+            <a:ext uri="{91240B29-F687-4F45-9708-019B960494DF}">
+              <a14:hiddenLine xmlns:a14="http://schemas.microsoft.com/office/drawing/2010/main" w="9525">
+                <a:solidFill>
+                  <a:schemeClr val="tx1"/>
+                </a:solidFill>
+                <a:miter lim="800000"/>
+                <a:headEnd/>
+                <a:tailEnd/>
+              </a14:hiddenLine>
+            </a:ext>
+            <a:ext uri="{AF507438-7753-43E0-B8FC-AC1667EBCBE1}">
+              <a14:hiddenEffects xmlns:a14="http://schemas.microsoft.com/office/drawing/2010/main">
+                <a:effectLst>
+                  <a:outerShdw dist="35921" dir="2700000" algn="ctr" rotWithShape="0">
+                    <a:schemeClr val="bg2"/>
+                  </a:outerShdw>
+                </a:effectLst>
+              </a14:hiddenEffects>
+            </a:ext>
+          </a:extLst>
+        </p:spPr>
+        <p:txBody>
+          <a:bodyPr vert="horz" wrap="square" lIns="91440" tIns="45720" rIns="91440" bIns="45720" numCol="1" anchor="ctr" anchorCtr="0" compatLnSpc="1">
+            <a:prstTxWarp prst="textNoShape">
+              <a:avLst/>
+            </a:prstTxWarp>
+            <a:spAutoFit/>
+          </a:bodyPr>
+          <a:lstStyle/>
+          <a:p>
+            <a:pPr marL="0" marR="0" lvl="0" indent="0" algn="l" defTabSz="914400" rtl="0" eaLnBrk="0" fontAlgn="base" latinLnBrk="0" hangingPunct="0">
+              <a:lnSpc>
+                <a:spcPct val="100000"/>
+              </a:lnSpc>
+              <a:spcBef>
+                <a:spcPct val="0"/>
+              </a:spcBef>
+              <a:spcAft>
+                <a:spcPct val="0"/>
+              </a:spcAft>
+              <a:buClrTx/>
+              <a:buSzTx/>
+              <a:buFontTx/>
+              <a:buNone/>
+              <a:tabLst/>
+            </a:pPr>
+            <a:r>
+              <a:rPr kumimoji="0" lang="en-US" altLang="en-US" sz="900" b="1" i="0" u="none" strike="noStrike" cap="none" normalizeH="0" baseline="0">
+                <a:ln>
+                  <a:noFill/>
+                </a:ln>
+                <a:solidFill>
+                  <a:schemeClr val="tx1"/>
+                </a:solidFill>
+                <a:effectLst/>
+                <a:latin typeface="Arial" panose="020B0604020202020204" pitchFamily="34" charset="0"/>
+              </a:rPr>
+              <a:t>2017 Treatments</a:t>
+            </a:r>
+          </a:p>
+          <a:p>
+            <a:pPr marL="0" marR="0" lvl="0" indent="0" algn="l" defTabSz="914400" rtl="0" eaLnBrk="0" fontAlgn="base" latinLnBrk="0" hangingPunct="0">
+              <a:lnSpc>
+                <a:spcPct val="100000"/>
+              </a:lnSpc>
+              <a:spcBef>
+                <a:spcPct val="0"/>
+              </a:spcBef>
+              <a:spcAft>
+                <a:spcPct val="0"/>
+              </a:spcAft>
+              <a:buClrTx/>
+              <a:buSzTx/>
+              <a:buFontTx/>
+              <a:buNone/>
+              <a:tabLst/>
+            </a:pPr>
+            <a:endParaRPr kumimoji="0" lang="en-US" altLang="en-US" sz="900" b="0" i="0" u="none" strike="noStrike" cap="none" normalizeH="0" baseline="0">
+              <a:ln>
+                <a:noFill/>
+              </a:ln>
+              <a:solidFill>
+                <a:schemeClr val="tx1"/>
+              </a:solidFill>
+              <a:effectLst/>
+              <a:latin typeface="Arial" panose="020B0604020202020204" pitchFamily="34" charset="0"/>
+            </a:endParaRPr>
+          </a:p>
+        </p:txBody>
+      </p:sp>
+    </p:spTree>
+    <p:extLst>
+      <p:ext uri="{BB962C8B-B14F-4D97-AF65-F5344CB8AC3E}">
+        <p14:creationId xmlns:p14="http://schemas.microsoft.com/office/powerpoint/2010/main" val="84704440"/>
       </p:ext>
     </p:extLst>
   </p:cSld>
@@ -3776,14 +8712,19 @@
             <p:ph type="title"/>
           </p:nvPr>
         </p:nvSpPr>
-        <p:spPr/>
+        <p:spPr>
+          <a:xfrm>
+            <a:off x="1449217" y="804889"/>
+            <a:ext cx="9605635" cy="915053"/>
+          </a:xfrm>
+        </p:spPr>
         <p:txBody>
           <a:bodyPr/>
           <a:lstStyle/>
           <a:p>
             <a:r>
-              <a:rPr lang="es-ES" dirty="0"/>
-              <a:t>INTRODUCTION</a:t>
+              <a:rPr lang="en-US" noProof="0" dirty="0"/>
+              <a:t>INTRODUCTION (BACKGROUND)</a:t>
             </a:r>
           </a:p>
         </p:txBody>
@@ -3801,15 +8742,188 @@
             <a:spLocks noGrp="1"/>
           </p:cNvSpPr>
           <p:nvPr>
-            <p:ph idx="1"/>
-          </p:nvPr>
-        </p:nvSpPr>
-        <p:spPr/>
-        <p:txBody>
-          <a:bodyPr/>
+            <p:ph sz="half" idx="1"/>
+          </p:nvPr>
+        </p:nvSpPr>
+        <p:spPr>
+          <a:xfrm>
+            <a:off x="1164772" y="2010878"/>
+            <a:ext cx="5319597" cy="3943608"/>
+          </a:xfrm>
+        </p:spPr>
+        <p:txBody>
+          <a:bodyPr>
+            <a:noAutofit/>
+          </a:bodyPr>
           <a:lstStyle/>
           <a:p>
-            <a:endParaRPr lang="es-ES"/>
+            <a:r>
+              <a:rPr lang="en-US" sz="1800" noProof="0" dirty="0"/>
+              <a:t>Background:  </a:t>
+            </a:r>
+            <a:r>
+              <a:rPr lang="en-US" sz="1800" i="1" noProof="0" dirty="0" err="1"/>
+              <a:t>Philaenus</a:t>
+            </a:r>
+            <a:r>
+              <a:rPr lang="en-US" sz="1800" i="1" noProof="0" dirty="0"/>
+              <a:t> </a:t>
+            </a:r>
+            <a:r>
+              <a:rPr lang="en-US" sz="1800" i="1" noProof="0" dirty="0" err="1"/>
+              <a:t>spumarius</a:t>
+            </a:r>
+            <a:r>
+              <a:rPr lang="en-US" sz="1800" i="1" noProof="0" dirty="0"/>
+              <a:t> </a:t>
+            </a:r>
+            <a:r>
+              <a:rPr lang="en-US" sz="1800" noProof="0" dirty="0"/>
+              <a:t>(“meadow spittlebug”) is a major vector of </a:t>
+            </a:r>
+            <a:r>
+              <a:rPr lang="en-US" sz="1800" i="1" noProof="0" dirty="0"/>
+              <a:t>Xylella fastidiosa </a:t>
+            </a:r>
+            <a:r>
+              <a:rPr lang="en-US" sz="1800" noProof="0" dirty="0"/>
+              <a:t>(also known as Pierce’s disease), a devastating plant pathogen in Europe.</a:t>
+            </a:r>
+          </a:p>
+          <a:p>
+            <a:r>
+              <a:rPr lang="en-US" sz="1800" noProof="0" dirty="0"/>
+              <a:t>Effective control of </a:t>
+            </a:r>
+            <a:r>
+              <a:rPr lang="en-US" sz="1800" i="1" noProof="0" dirty="0"/>
+              <a:t>P. </a:t>
+            </a:r>
+            <a:r>
+              <a:rPr lang="en-US" sz="1800" i="1" noProof="0" dirty="0" err="1"/>
+              <a:t>spumarius</a:t>
+            </a:r>
+            <a:r>
+              <a:rPr lang="en-US" sz="1800" i="1" noProof="0" dirty="0"/>
+              <a:t> </a:t>
+            </a:r>
+            <a:r>
+              <a:rPr lang="en-US" sz="1800" noProof="0" dirty="0"/>
+              <a:t>is important for managing </a:t>
+            </a:r>
+            <a:r>
+              <a:rPr lang="en-US" sz="1800" i="1" noProof="0" dirty="0"/>
+              <a:t>Xylella</a:t>
+            </a:r>
+            <a:r>
+              <a:rPr lang="en-US" sz="1800" noProof="0" dirty="0"/>
+              <a:t> outbreaks and ensuring crop health.</a:t>
+            </a:r>
+          </a:p>
+          <a:p>
+            <a:r>
+              <a:rPr lang="en-GB" sz="1800" noProof="0" dirty="0"/>
+              <a:t>Several insecticides, including ISOCLAST™ (sulfoxaflor), are available to control sap-feeding pests such as the </a:t>
+            </a:r>
+            <a:r>
+              <a:rPr lang="en-GB" sz="1800" dirty="0"/>
+              <a:t>aforementioned. </a:t>
+            </a:r>
+            <a:r>
+              <a:rPr lang="en-GB" sz="1800" noProof="0" dirty="0"/>
+              <a:t>There is a need to assess and compare their efficacy and persistence of these products under semi-field conditions.</a:t>
+            </a:r>
+            <a:endParaRPr lang="en-US" sz="1800" noProof="0" dirty="0"/>
+          </a:p>
+        </p:txBody>
+      </p:sp>
+      <p:pic>
+        <p:nvPicPr>
+          <p:cNvPr id="7" name="Marcador de contenido 6">
+            <a:extLst>
+              <a:ext uri="{FF2B5EF4-FFF2-40B4-BE49-F238E27FC236}">
+                <a16:creationId xmlns:a16="http://schemas.microsoft.com/office/drawing/2014/main" id="{3C9F4586-8A6E-5DE7-2918-7B1A12BD0B3E}"/>
+              </a:ext>
+            </a:extLst>
+          </p:cNvPr>
+          <p:cNvPicPr>
+            <a:picLocks noGrp="1" noChangeAspect="1"/>
+          </p:cNvPicPr>
+          <p:nvPr>
+            <p:ph sz="half" idx="2"/>
+          </p:nvPr>
+        </p:nvPicPr>
+        <p:blipFill>
+          <a:blip r:embed="rId2">
+            <a:extLst>
+              <a:ext uri="{28A0092B-C50C-407E-A947-70E740481C1C}">
+                <a14:useLocalDpi xmlns:a14="http://schemas.microsoft.com/office/drawing/2010/main" val="0"/>
+              </a:ext>
+              <a:ext uri="{837473B0-CC2E-450A-ABE3-18F120FF3D39}">
+                <a1611:picAttrSrcUrl xmlns:a1611="http://schemas.microsoft.com/office/drawing/2016/11/main" r:id="rId3"/>
+              </a:ext>
+            </a:extLst>
+          </a:blip>
+          <a:stretch>
+            <a:fillRect/>
+          </a:stretch>
+        </p:blipFill>
+        <p:spPr>
+          <a:xfrm>
+            <a:off x="6691198" y="1925511"/>
+            <a:ext cx="4937125" cy="3211059"/>
+          </a:xfrm>
+        </p:spPr>
+      </p:pic>
+      <p:sp>
+        <p:nvSpPr>
+          <p:cNvPr id="8" name="CuadroTexto 7">
+            <a:extLst>
+              <a:ext uri="{FF2B5EF4-FFF2-40B4-BE49-F238E27FC236}">
+                <a16:creationId xmlns:a16="http://schemas.microsoft.com/office/drawing/2014/main" id="{32B07AB2-78A4-1EDB-CACF-B3181FE83FDA}"/>
+              </a:ext>
+            </a:extLst>
+          </p:cNvPr>
+          <p:cNvSpPr txBox="1"/>
+          <p:nvPr/>
+        </p:nvSpPr>
+        <p:spPr>
+          <a:xfrm>
+            <a:off x="6691198" y="5136570"/>
+            <a:ext cx="5054488" cy="461665"/>
+          </a:xfrm>
+          <a:prstGeom prst="rect">
+            <a:avLst/>
+          </a:prstGeom>
+          <a:noFill/>
+        </p:spPr>
+        <p:txBody>
+          <a:bodyPr wrap="square" rtlCol="0">
+            <a:spAutoFit/>
+          </a:bodyPr>
+          <a:lstStyle/>
+          <a:p>
+            <a:r>
+              <a:rPr lang="en-US" sz="1200" noProof="0" dirty="0"/>
+              <a:t>This photograph from </a:t>
+            </a:r>
+            <a:r>
+              <a:rPr lang="en-US" sz="1200" noProof="0" dirty="0">
+                <a:hlinkClick r:id="rId4"/>
+              </a:rPr>
+              <a:t>https://www.marylandbiodiversity.com/species/11054</a:t>
+            </a:r>
+            <a:r>
+              <a:rPr lang="en-US" sz="1200" noProof="0" dirty="0"/>
+              <a:t> is under license </a:t>
+            </a:r>
+            <a:r>
+              <a:rPr lang="en-US" sz="1200" noProof="0" dirty="0">
+                <a:hlinkClick r:id="rId5" tooltip="https://creativecommons.org/licenses/by/3.0/"/>
+              </a:rPr>
+              <a:t>CC BY</a:t>
+            </a:r>
+            <a:endParaRPr lang="en-US" sz="1200" noProof="0" dirty="0"/>
           </a:p>
         </p:txBody>
       </p:sp>
@@ -3848,7 +8962,7 @@
           <p:cNvPr id="2" name="Título 1">
             <a:extLst>
               <a:ext uri="{FF2B5EF4-FFF2-40B4-BE49-F238E27FC236}">
-                <a16:creationId xmlns:a16="http://schemas.microsoft.com/office/drawing/2014/main" id="{7DED5265-BE8F-2509-2993-7A253001523D}"/>
+                <a16:creationId xmlns:a16="http://schemas.microsoft.com/office/drawing/2014/main" id="{9C8E19B9-7092-EEB1-308D-CFBDF7F8D67B}"/>
               </a:ext>
             </a:extLst>
           </p:cNvPr>
@@ -3865,64 +8979,8 @@
           <a:lstStyle/>
           <a:p>
             <a:r>
-              <a:rPr lang="es-ES" dirty="0"/>
-              <a:t>1. WHICH </a:t>
-            </a:r>
-            <a:r>
-              <a:rPr lang="es-ES" dirty="0" err="1"/>
-              <a:t>insect</a:t>
-            </a:r>
-            <a:r>
-              <a:rPr lang="es-ES" dirty="0"/>
-              <a:t> </a:t>
-            </a:r>
-            <a:r>
-              <a:rPr lang="es-ES" dirty="0" err="1"/>
-              <a:t>repellent</a:t>
-            </a:r>
-            <a:r>
-              <a:rPr lang="es-ES" dirty="0"/>
-              <a:t> </a:t>
-            </a:r>
-            <a:r>
-              <a:rPr lang="es-ES" dirty="0" err="1"/>
-              <a:t>is</a:t>
-            </a:r>
-            <a:r>
-              <a:rPr lang="es-ES" dirty="0"/>
-              <a:t> more </a:t>
-            </a:r>
-            <a:r>
-              <a:rPr lang="es-ES" dirty="0" err="1"/>
-              <a:t>effective</a:t>
-            </a:r>
-            <a:r>
-              <a:rPr lang="es-ES" dirty="0"/>
-              <a:t> </a:t>
-            </a:r>
-            <a:r>
-              <a:rPr lang="es-ES" dirty="0" err="1"/>
-              <a:t>against</a:t>
-            </a:r>
-            <a:r>
-              <a:rPr lang="es-ES" dirty="0"/>
-              <a:t> </a:t>
-            </a:r>
-            <a:r>
-              <a:rPr lang="es-ES" dirty="0" err="1"/>
-              <a:t>philaenus</a:t>
-            </a:r>
-            <a:r>
-              <a:rPr lang="es-ES" dirty="0"/>
-              <a:t> </a:t>
-            </a:r>
-            <a:r>
-              <a:rPr lang="es-ES" dirty="0" err="1"/>
-              <a:t>spumarius</a:t>
-            </a:r>
-            <a:r>
-              <a:rPr lang="es-ES" dirty="0"/>
-              <a:t>? (2017)</a:t>
+              <a:rPr lang="en-US" noProof="0" dirty="0"/>
+              <a:t>INTRODUCTION (OBJECTIVES OF THE STUDY)</a:t>
             </a:r>
           </a:p>
         </p:txBody>
@@ -3932,7 +8990,7 @@
           <p:cNvPr id="3" name="Marcador de contenido 2">
             <a:extLst>
               <a:ext uri="{FF2B5EF4-FFF2-40B4-BE49-F238E27FC236}">
-                <a16:creationId xmlns:a16="http://schemas.microsoft.com/office/drawing/2014/main" id="{F63E4EC9-FA53-551A-57E6-65AA6B7D9646}"/>
+                <a16:creationId xmlns:a16="http://schemas.microsoft.com/office/drawing/2014/main" id="{D3EA998D-8F8F-F2DF-F88E-78D0328A4D60}"/>
               </a:ext>
             </a:extLst>
           </p:cNvPr>
@@ -3943,19 +9001,93 @@
             <p:ph idx="1"/>
           </p:nvPr>
         </p:nvSpPr>
-        <p:spPr/>
-        <p:txBody>
-          <a:bodyPr/>
+        <p:spPr>
+          <a:xfrm>
+            <a:off x="1197429" y="1951725"/>
+            <a:ext cx="10678885" cy="4395954"/>
+          </a:xfrm>
+        </p:spPr>
+        <p:txBody>
+          <a:bodyPr>
+            <a:normAutofit/>
+          </a:bodyPr>
           <a:lstStyle/>
           <a:p>
-            <a:endParaRPr lang="es-ES"/>
+            <a:pPr marL="0" indent="0">
+              <a:buNone/>
+            </a:pPr>
+            <a:r>
+              <a:rPr lang="en-GB" b="1" dirty="0"/>
+              <a:t>Key Objectives:</a:t>
+            </a:r>
+          </a:p>
+          <a:p>
+            <a:r>
+              <a:rPr lang="en-GB" b="1" dirty="0"/>
+              <a:t>Identify the most effective treatment/insecticide</a:t>
+            </a:r>
+            <a:endParaRPr lang="en-GB" dirty="0"/>
+          </a:p>
+          <a:p>
+            <a:pPr lvl="1"/>
+            <a:r>
+              <a:rPr lang="en-GB" dirty="0"/>
+              <a:t>It must be determined which of the tested products (see 2017 and 2018 tables) provides the highest efficacy against </a:t>
+            </a:r>
+            <a:r>
+              <a:rPr lang="en-GB" i="1" dirty="0" err="1"/>
+              <a:t>Philaenus</a:t>
+            </a:r>
+            <a:r>
+              <a:rPr lang="en-GB" i="1" dirty="0"/>
+              <a:t> </a:t>
+            </a:r>
+            <a:r>
+              <a:rPr lang="en-GB" i="1" dirty="0" err="1"/>
+              <a:t>spumarius</a:t>
+            </a:r>
+            <a:r>
+              <a:rPr lang="en-GB" dirty="0"/>
+              <a:t> under semi-field conditions in each year.  We must also study if there is variability between plots, that is, if the plots have something to do with the differences between individual replicas.</a:t>
+            </a:r>
+          </a:p>
+          <a:p>
+            <a:r>
+              <a:rPr lang="en-GB" b="1" dirty="0"/>
+              <a:t>Compare application methods</a:t>
+            </a:r>
+            <a:endParaRPr lang="en-GB" dirty="0"/>
+          </a:p>
+          <a:p>
+            <a:pPr lvl="1"/>
+            <a:r>
+              <a:rPr lang="en-GB" dirty="0"/>
+              <a:t>It must be assessed whether foliar spray or trunk injection is more effective for delivering each treatment.</a:t>
+            </a:r>
+          </a:p>
+          <a:p>
+            <a:r>
+              <a:rPr lang="en-GB" b="1" dirty="0"/>
+              <a:t>Evaluate persistence of control</a:t>
+            </a:r>
+            <a:endParaRPr lang="en-GB" dirty="0"/>
+          </a:p>
+          <a:p>
+            <a:pPr lvl="1"/>
+            <a:r>
+              <a:rPr lang="en-GB" dirty="0"/>
+              <a:t>We should also measure how persistent each treatment is over time, and identify which offers the longest-lasting protection.</a:t>
+            </a:r>
+          </a:p>
+          <a:p>
+            <a:endParaRPr lang="en-US" noProof="0" dirty="0"/>
           </a:p>
         </p:txBody>
       </p:sp>
     </p:spTree>
     <p:extLst>
       <p:ext uri="{BB962C8B-B14F-4D97-AF65-F5344CB8AC3E}">
-        <p14:creationId xmlns:p14="http://schemas.microsoft.com/office/powerpoint/2010/main" val="1459666830"/>
+        <p14:creationId xmlns:p14="http://schemas.microsoft.com/office/powerpoint/2010/main" val="2256093384"/>
       </p:ext>
     </p:extLst>
   </p:cSld>
@@ -3987,7 +9119,7 @@
           <p:cNvPr id="2" name="Título 1">
             <a:extLst>
               <a:ext uri="{FF2B5EF4-FFF2-40B4-BE49-F238E27FC236}">
-                <a16:creationId xmlns:a16="http://schemas.microsoft.com/office/drawing/2014/main" id="{435AFB6D-CAE7-BA31-6D16-DF43FA1155A8}"/>
+                <a16:creationId xmlns:a16="http://schemas.microsoft.com/office/drawing/2014/main" id="{4ABF40EF-F926-D781-D2DC-134244E72DF1}"/>
               </a:ext>
             </a:extLst>
           </p:cNvPr>
@@ -3998,102 +9130,16 @@
             <p:ph type="title"/>
           </p:nvPr>
         </p:nvSpPr>
-        <p:spPr>
-          <a:xfrm>
-            <a:off x="1451578" y="966497"/>
-            <a:ext cx="9603275" cy="1049235"/>
-          </a:xfrm>
-        </p:spPr>
-        <p:txBody>
-          <a:bodyPr>
-            <a:normAutofit fontScale="90000"/>
-          </a:bodyPr>
+        <p:spPr/>
+        <p:txBody>
+          <a:bodyPr/>
           <a:lstStyle/>
           <a:p>
             <a:r>
-              <a:rPr lang="es-ES" sz="2800" dirty="0"/>
-              <a:t>1.5. 1. WHICH </a:t>
-            </a:r>
-            <a:r>
-              <a:rPr lang="es-ES" sz="2800" dirty="0" err="1"/>
-              <a:t>insect</a:t>
-            </a:r>
-            <a:r>
-              <a:rPr lang="es-ES" sz="2800" dirty="0"/>
-              <a:t> </a:t>
-            </a:r>
-            <a:r>
-              <a:rPr lang="es-ES" sz="2800" dirty="0" err="1"/>
-              <a:t>repellent</a:t>
-            </a:r>
-            <a:r>
-              <a:rPr lang="es-ES" sz="2800" dirty="0"/>
-              <a:t> </a:t>
-            </a:r>
-            <a:r>
-              <a:rPr lang="es-ES" sz="2800" dirty="0" err="1"/>
-              <a:t>is</a:t>
-            </a:r>
-            <a:r>
-              <a:rPr lang="es-ES" sz="2800" dirty="0"/>
-              <a:t> more </a:t>
-            </a:r>
-            <a:r>
-              <a:rPr lang="es-ES" sz="2800" dirty="0" err="1"/>
-              <a:t>effective</a:t>
-            </a:r>
-            <a:r>
-              <a:rPr lang="es-ES" sz="2800" dirty="0"/>
-              <a:t> </a:t>
-            </a:r>
-            <a:r>
-              <a:rPr lang="es-ES" sz="2800" dirty="0" err="1"/>
-              <a:t>against</a:t>
-            </a:r>
-            <a:r>
-              <a:rPr lang="es-ES" sz="2800" dirty="0"/>
-              <a:t> </a:t>
-            </a:r>
-            <a:r>
-              <a:rPr lang="es-ES" sz="2800" dirty="0" err="1"/>
-              <a:t>philaenus</a:t>
-            </a:r>
-            <a:r>
-              <a:rPr lang="es-ES" sz="2800" dirty="0"/>
-              <a:t> </a:t>
-            </a:r>
-            <a:r>
-              <a:rPr lang="es-ES" sz="2800" dirty="0" err="1"/>
-              <a:t>spumarius</a:t>
-            </a:r>
-            <a:r>
-              <a:rPr lang="es-ES" sz="2800" dirty="0"/>
-              <a:t>? (</a:t>
-            </a:r>
-            <a:r>
-              <a:rPr lang="es-ES" sz="2800" dirty="0" err="1"/>
-              <a:t>variability</a:t>
-            </a:r>
-            <a:r>
-              <a:rPr lang="es-ES" sz="2800" dirty="0"/>
-              <a:t> </a:t>
-            </a:r>
-            <a:r>
-              <a:rPr lang="es-ES" sz="2800" dirty="0" err="1"/>
-              <a:t>between</a:t>
-            </a:r>
-            <a:r>
-              <a:rPr lang="es-ES" sz="2800" dirty="0"/>
-              <a:t> </a:t>
-            </a:r>
-            <a:r>
-              <a:rPr lang="es-ES" sz="2800" dirty="0" err="1"/>
-              <a:t>plots</a:t>
-            </a:r>
-            <a:r>
-              <a:rPr lang="es-ES" sz="2800" dirty="0"/>
-              <a:t>)</a:t>
-            </a:r>
+              <a:rPr lang="es-ES" dirty="0"/>
+              <a:t>INTRODUCTION (EXPERIMENTAL PROCEDURE)</a:t>
+            </a:r>
+            <a:endParaRPr lang="en-GB" dirty="0"/>
           </a:p>
         </p:txBody>
       </p:sp>
@@ -4102,7 +9148,7 @@
           <p:cNvPr id="3" name="Marcador de contenido 2">
             <a:extLst>
               <a:ext uri="{FF2B5EF4-FFF2-40B4-BE49-F238E27FC236}">
-                <a16:creationId xmlns:a16="http://schemas.microsoft.com/office/drawing/2014/main" id="{571943F5-9A30-9901-EEDF-6B771F1AA3BA}"/>
+                <a16:creationId xmlns:a16="http://schemas.microsoft.com/office/drawing/2014/main" id="{0477D00E-EEE1-FE55-550D-0A8809F3EAF5}"/>
               </a:ext>
             </a:extLst>
           </p:cNvPr>
@@ -4113,19 +9159,75 @@
             <p:ph idx="1"/>
           </p:nvPr>
         </p:nvSpPr>
-        <p:spPr/>
-        <p:txBody>
-          <a:bodyPr/>
+        <p:spPr>
+          <a:xfrm>
+            <a:off x="849087" y="2015732"/>
+            <a:ext cx="10978654" cy="4037749"/>
+          </a:xfrm>
+        </p:spPr>
+        <p:txBody>
+          <a:bodyPr>
+            <a:normAutofit/>
+          </a:bodyPr>
           <a:lstStyle/>
           <a:p>
-            <a:endParaRPr lang="es-ES"/>
+            <a:pPr marL="0" indent="0">
+              <a:buNone/>
+            </a:pPr>
+            <a:r>
+              <a:rPr lang="en-GB" b="1" dirty="0"/>
+              <a:t>Experimental procedure</a:t>
+            </a:r>
+          </a:p>
+          <a:p>
+            <a:r>
+              <a:rPr lang="en-GB" dirty="0"/>
+              <a:t>The field study was conducted on plots, each containing two trees (and four tree branches per tree in 2018, serving as sub-units).  The assigned insecticide treatments were applied to each plot.</a:t>
+            </a:r>
+          </a:p>
+          <a:p>
+            <a:r>
+              <a:rPr lang="en-GB" dirty="0"/>
+              <a:t>Insects (</a:t>
+            </a:r>
+            <a:r>
+              <a:rPr lang="en-GB" i="1" dirty="0" err="1"/>
+              <a:t>Philaenus</a:t>
+            </a:r>
+            <a:r>
+              <a:rPr lang="en-GB" i="1" dirty="0"/>
+              <a:t> </a:t>
+            </a:r>
+            <a:r>
+              <a:rPr lang="en-GB" i="1" dirty="0" err="1"/>
+              <a:t>spumarius</a:t>
+            </a:r>
+            <a:r>
+              <a:rPr lang="en-GB" dirty="0"/>
+              <a:t>) were introduced into a net enclosure placed on each tree, preventing all individuals from entering simultaneously and preserving the ability to assess insecticide duration.</a:t>
+            </a:r>
+          </a:p>
+          <a:p>
+            <a:r>
+              <a:rPr lang="en-GB" dirty="0"/>
+              <a:t>Over multiple time periods, the number of live insects inside the enclosure was regularly recorded. When counts dropped, new insects were introduced according to the schedule.</a:t>
+            </a:r>
+          </a:p>
+          <a:p>
+            <a:r>
+              <a:rPr lang="en-GB" dirty="0"/>
+              <a:t>Plot assignments to treatments (including untreated controls) were made via randomized block design.</a:t>
+            </a:r>
+          </a:p>
+          <a:p>
+            <a:endParaRPr lang="en-GB" dirty="0"/>
           </a:p>
         </p:txBody>
       </p:sp>
     </p:spTree>
     <p:extLst>
       <p:ext uri="{BB962C8B-B14F-4D97-AF65-F5344CB8AC3E}">
-        <p14:creationId xmlns:p14="http://schemas.microsoft.com/office/powerpoint/2010/main" val="2817751604"/>
+        <p14:creationId xmlns:p14="http://schemas.microsoft.com/office/powerpoint/2010/main" val="20162249"/>
       </p:ext>
     </p:extLst>
   </p:cSld>
@@ -4157,7 +9259,7 @@
           <p:cNvPr id="2" name="Título 1">
             <a:extLst>
               <a:ext uri="{FF2B5EF4-FFF2-40B4-BE49-F238E27FC236}">
-                <a16:creationId xmlns:a16="http://schemas.microsoft.com/office/drawing/2014/main" id="{D3F6DECC-56BF-6FF1-A061-F5F4D8A2778F}"/>
+                <a16:creationId xmlns:a16="http://schemas.microsoft.com/office/drawing/2014/main" id="{8F5F3319-3BFB-4EB0-0689-382C39B91AD1}"/>
               </a:ext>
             </a:extLst>
           </p:cNvPr>
@@ -4175,32 +9277,9 @@
           <a:p>
             <a:r>
               <a:rPr lang="es-ES" dirty="0"/>
-              <a:t>2. </a:t>
-            </a:r>
-            <a:r>
-              <a:rPr lang="es-ES" dirty="0" err="1"/>
-              <a:t>Is</a:t>
-            </a:r>
-            <a:r>
-              <a:rPr lang="es-ES" dirty="0"/>
-              <a:t> </a:t>
-            </a:r>
-            <a:r>
-              <a:rPr lang="es-ES" dirty="0" err="1"/>
-              <a:t>it</a:t>
-            </a:r>
-            <a:r>
-              <a:rPr lang="es-ES" dirty="0"/>
-              <a:t> more </a:t>
-            </a:r>
-            <a:r>
-              <a:rPr lang="es-ES" dirty="0" err="1"/>
-              <a:t>efficient</a:t>
-            </a:r>
-            <a:r>
-              <a:rPr lang="es-ES" dirty="0"/>
-              <a:t> TO MAKE A FOLIAR APPLICATION OF A TREATMENT OR INJECT IT?</a:t>
-            </a:r>
+              <a:t>INTRODUCTION (EXPERIMENTAL PROCEDURE) </a:t>
+            </a:r>
+            <a:endParaRPr lang="en-GB" dirty="0"/>
           </a:p>
         </p:txBody>
       </p:sp>
@@ -4209,7 +9288,7 @@
           <p:cNvPr id="3" name="Marcador de contenido 2">
             <a:extLst>
               <a:ext uri="{FF2B5EF4-FFF2-40B4-BE49-F238E27FC236}">
-                <a16:creationId xmlns:a16="http://schemas.microsoft.com/office/drawing/2014/main" id="{F87A7F39-1AAA-C403-6194-E36BE7F9262A}"/>
+                <a16:creationId xmlns:a16="http://schemas.microsoft.com/office/drawing/2014/main" id="{5870CEE7-9A4B-688B-B430-BA046E0DB409}"/>
               </a:ext>
             </a:extLst>
           </p:cNvPr>
@@ -4225,14 +9304,68 @@
           <a:bodyPr/>
           <a:lstStyle/>
           <a:p>
-            <a:endParaRPr lang="es-ES"/>
-          </a:p>
-        </p:txBody>
-      </p:sp>
+            <a:r>
+              <a:rPr lang="en-GB" dirty="0"/>
+              <a:t>For each time period, cumulative mortality was calculated as:</a:t>
+            </a:r>
+          </a:p>
+          <a:p>
+            <a:endParaRPr lang="en-GB" dirty="0"/>
+          </a:p>
+          <a:p>
+            <a:endParaRPr lang="en-GB" dirty="0"/>
+          </a:p>
+          <a:p>
+            <a:endParaRPr lang="en-GB" dirty="0"/>
+          </a:p>
+          <a:p>
+            <a:r>
+              <a:rPr lang="en-GB" dirty="0"/>
+              <a:t>This formula applies to each period in the study. Notice that the number of introductions of insects are not equal to the number of periods in the study.</a:t>
+            </a:r>
+          </a:p>
+          <a:p>
+            <a:endParaRPr lang="en-GB" dirty="0"/>
+          </a:p>
+          <a:p>
+            <a:endParaRPr lang="en-GB" dirty="0"/>
+          </a:p>
+        </p:txBody>
+      </p:sp>
+      <p:pic>
+        <p:nvPicPr>
+          <p:cNvPr id="6" name="Imagen 5">
+            <a:extLst>
+              <a:ext uri="{FF2B5EF4-FFF2-40B4-BE49-F238E27FC236}">
+                <a16:creationId xmlns:a16="http://schemas.microsoft.com/office/drawing/2014/main" id="{6B2A9329-15CA-ACE9-1B20-88532469F873}"/>
+              </a:ext>
+            </a:extLst>
+          </p:cNvPr>
+          <p:cNvPicPr>
+            <a:picLocks noChangeAspect="1"/>
+          </p:cNvPicPr>
+          <p:nvPr/>
+        </p:nvPicPr>
+        <p:blipFill>
+          <a:blip r:embed="rId2"/>
+          <a:stretch>
+            <a:fillRect/>
+          </a:stretch>
+        </p:blipFill>
+        <p:spPr>
+          <a:xfrm>
+            <a:off x="1451579" y="2540375"/>
+            <a:ext cx="10055376" cy="1044485"/>
+          </a:xfrm>
+          <a:prstGeom prst="rect">
+            <a:avLst/>
+          </a:prstGeom>
+        </p:spPr>
+      </p:pic>
     </p:spTree>
     <p:extLst>
       <p:ext uri="{BB962C8B-B14F-4D97-AF65-F5344CB8AC3E}">
-        <p14:creationId xmlns:p14="http://schemas.microsoft.com/office/powerpoint/2010/main" val="1976488638"/>
+        <p14:creationId xmlns:p14="http://schemas.microsoft.com/office/powerpoint/2010/main" val="3984525004"/>
       </p:ext>
     </p:extLst>
   </p:cSld>
@@ -4247,13 +9380,7 @@
   <p:cSld>
     <p:spTree>
       <p:nvGrpSpPr>
-        <p:cNvPr id="1" name="">
-          <a:extLst>
-            <a:ext uri="{FF2B5EF4-FFF2-40B4-BE49-F238E27FC236}">
-              <a16:creationId xmlns:a16="http://schemas.microsoft.com/office/drawing/2014/main" id="{7864BC69-A547-F9C3-F5CA-2E696BD3069E}"/>
-            </a:ext>
-          </a:extLst>
-        </p:cNvPr>
+        <p:cNvPr id="1" name=""/>
         <p:cNvGrpSpPr/>
         <p:nvPr/>
       </p:nvGrpSpPr>
@@ -4270,7 +9397,7 @@
           <p:cNvPr id="2" name="Título 1">
             <a:extLst>
               <a:ext uri="{FF2B5EF4-FFF2-40B4-BE49-F238E27FC236}">
-                <a16:creationId xmlns:a16="http://schemas.microsoft.com/office/drawing/2014/main" id="{E1E326D2-0E2A-8538-5A13-E117BF12D10F}"/>
+                <a16:creationId xmlns:a16="http://schemas.microsoft.com/office/drawing/2014/main" id="{7DED5265-BE8F-2509-2993-7A253001523D}"/>
               </a:ext>
             </a:extLst>
           </p:cNvPr>
@@ -4278,39 +9405,267 @@
             <a:spLocks noGrp="1"/>
           </p:cNvSpPr>
           <p:nvPr>
-            <p:ph type="title"/>
-          </p:nvPr>
-        </p:nvSpPr>
-        <p:spPr/>
+            <p:ph type="title" idx="4294967295"/>
+          </p:nvPr>
+        </p:nvSpPr>
+        <p:spPr>
+          <a:xfrm>
+            <a:off x="457200" y="472395"/>
+            <a:ext cx="10058400" cy="1449387"/>
+          </a:xfrm>
+        </p:spPr>
         <p:txBody>
           <a:bodyPr/>
           <a:lstStyle/>
           <a:p>
             <a:r>
-              <a:rPr lang="es-ES" dirty="0"/>
-              <a:t>3. </a:t>
-            </a:r>
-            <a:r>
-              <a:rPr lang="es-ES" dirty="0" err="1"/>
-              <a:t>Is</a:t>
-            </a:r>
-            <a:r>
-              <a:rPr lang="es-ES" dirty="0"/>
+              <a:rPr lang="en-US" noProof="0" dirty="0"/>
+              <a:t>1. WHICH insecticide is more effective against </a:t>
+            </a:r>
+            <a:r>
+              <a:rPr lang="en-US" noProof="0" dirty="0" err="1"/>
+              <a:t>philaenus</a:t>
+            </a:r>
+            <a:r>
+              <a:rPr lang="en-US" noProof="0" dirty="0"/>
               <a:t> </a:t>
             </a:r>
             <a:r>
-              <a:rPr lang="es-ES" dirty="0" err="1"/>
-              <a:t>it</a:t>
-            </a:r>
-            <a:r>
-              <a:rPr lang="es-ES" dirty="0"/>
+              <a:rPr lang="en-US" noProof="0" dirty="0" err="1"/>
+              <a:t>spumarius</a:t>
+            </a:r>
+            <a:r>
+              <a:rPr lang="en-US" noProof="0" dirty="0"/>
+              <a:t>? (2017)</a:t>
+            </a:r>
+          </a:p>
+        </p:txBody>
+      </p:sp>
+    </p:spTree>
+    <p:extLst>
+      <p:ext uri="{BB962C8B-B14F-4D97-AF65-F5344CB8AC3E}">
+        <p14:creationId xmlns:p14="http://schemas.microsoft.com/office/powerpoint/2010/main" val="1459666830"/>
+      </p:ext>
+    </p:extLst>
+  </p:cSld>
+  <p:clrMapOvr>
+    <a:masterClrMapping/>
+  </p:clrMapOvr>
+</p:sld>
+</file>
+
+<file path=ppt/slides/slide7.xml><?xml version="1.0" encoding="utf-8"?>
+<p:sld xmlns:a="http://schemas.openxmlformats.org/drawingml/2006/main" xmlns:r="http://schemas.openxmlformats.org/officeDocument/2006/relationships" xmlns:p="http://schemas.openxmlformats.org/presentationml/2006/main">
+  <p:cSld>
+    <p:spTree>
+      <p:nvGrpSpPr>
+        <p:cNvPr id="1" name=""/>
+        <p:cNvGrpSpPr/>
+        <p:nvPr/>
+      </p:nvGrpSpPr>
+      <p:grpSpPr>
+        <a:xfrm>
+          <a:off x="0" y="0"/>
+          <a:ext cx="0" cy="0"/>
+          <a:chOff x="0" y="0"/>
+          <a:chExt cx="0" cy="0"/>
+        </a:xfrm>
+      </p:grpSpPr>
+      <p:sp>
+        <p:nvSpPr>
+          <p:cNvPr id="2" name="Título 1">
+            <a:extLst>
+              <a:ext uri="{FF2B5EF4-FFF2-40B4-BE49-F238E27FC236}">
+                <a16:creationId xmlns:a16="http://schemas.microsoft.com/office/drawing/2014/main" id="{2B3902CA-05C6-86EE-E286-CD0E67A3FDE9}"/>
+              </a:ext>
+            </a:extLst>
+          </p:cNvPr>
+          <p:cNvSpPr>
+            <a:spLocks noGrp="1"/>
+          </p:cNvSpPr>
+          <p:nvPr>
+            <p:ph type="title" idx="4294967295"/>
+          </p:nvPr>
+        </p:nvSpPr>
+        <p:spPr>
+          <a:xfrm>
+            <a:off x="206828" y="54429"/>
+            <a:ext cx="9299575" cy="1368425"/>
+          </a:xfrm>
+        </p:spPr>
+        <p:txBody>
+          <a:bodyPr>
+            <a:normAutofit/>
+          </a:bodyPr>
+          <a:lstStyle/>
+          <a:p>
+            <a:r>
+              <a:rPr lang="en-US" sz="4000" dirty="0"/>
+              <a:t>1. Which insecticide is more effective against </a:t>
+            </a:r>
+            <a:r>
+              <a:rPr lang="en-US" sz="4000" i="1" dirty="0" err="1"/>
+              <a:t>Philaenus</a:t>
+            </a:r>
+            <a:r>
+              <a:rPr lang="en-US" sz="4000" i="1" dirty="0"/>
               <a:t> </a:t>
             </a:r>
             <a:r>
-              <a:rPr lang="es-ES"/>
-              <a:t>more e56?</a:t>
-            </a:r>
-            <a:endParaRPr lang="es-ES" dirty="0"/>
+              <a:rPr lang="en-US" sz="4000" i="1" dirty="0" err="1"/>
+              <a:t>spumarius</a:t>
+            </a:r>
+            <a:r>
+              <a:rPr lang="en-US" sz="4000" dirty="0"/>
+              <a:t>? (2017)</a:t>
+            </a:r>
+            <a:endParaRPr lang="en-GB" sz="4000" dirty="0"/>
+          </a:p>
+        </p:txBody>
+      </p:sp>
+      <p:pic>
+        <p:nvPicPr>
+          <p:cNvPr id="6" name="Marcador de contenido 5">
+            <a:extLst>
+              <a:ext uri="{FF2B5EF4-FFF2-40B4-BE49-F238E27FC236}">
+                <a16:creationId xmlns:a16="http://schemas.microsoft.com/office/drawing/2014/main" id="{B269CDB5-E230-F812-E217-D2C3C53E4AE1}"/>
+              </a:ext>
+            </a:extLst>
+          </p:cNvPr>
+          <p:cNvPicPr>
+            <a:picLocks noGrp="1" noChangeAspect="1"/>
+          </p:cNvPicPr>
+          <p:nvPr>
+            <p:ph sz="half" idx="4294967295"/>
+          </p:nvPr>
+        </p:nvPicPr>
+        <p:blipFill>
+          <a:blip r:embed="rId2">
+            <a:extLst>
+              <a:ext uri="{28A0092B-C50C-407E-A947-70E740481C1C}">
+                <a14:useLocalDpi xmlns:a14="http://schemas.microsoft.com/office/drawing/2010/main" val="0"/>
+              </a:ext>
+            </a:extLst>
+          </a:blip>
+          <a:stretch>
+            <a:fillRect/>
+          </a:stretch>
+        </p:blipFill>
+        <p:spPr>
+          <a:xfrm>
+            <a:off x="315686" y="1368425"/>
+            <a:ext cx="6624638" cy="4090988"/>
+          </a:xfrm>
+        </p:spPr>
+      </p:pic>
+      <p:pic>
+        <p:nvPicPr>
+          <p:cNvPr id="8" name="Imagen 7">
+            <a:extLst>
+              <a:ext uri="{FF2B5EF4-FFF2-40B4-BE49-F238E27FC236}">
+                <a16:creationId xmlns:a16="http://schemas.microsoft.com/office/drawing/2014/main" id="{65F7E54E-D6EB-E8F9-1BE5-113453FD671E}"/>
+              </a:ext>
+            </a:extLst>
+          </p:cNvPr>
+          <p:cNvPicPr>
+            <a:picLocks noChangeAspect="1"/>
+          </p:cNvPicPr>
+          <p:nvPr/>
+        </p:nvPicPr>
+        <p:blipFill>
+          <a:blip r:embed="rId3"/>
+          <a:stretch>
+            <a:fillRect/>
+          </a:stretch>
+        </p:blipFill>
+        <p:spPr>
+          <a:xfrm>
+            <a:off x="446314" y="5459413"/>
+            <a:ext cx="3459480" cy="920712"/>
+          </a:xfrm>
+          <a:prstGeom prst="rect">
+            <a:avLst/>
+          </a:prstGeom>
+        </p:spPr>
+      </p:pic>
+    </p:spTree>
+    <p:extLst>
+      <p:ext uri="{BB962C8B-B14F-4D97-AF65-F5344CB8AC3E}">
+        <p14:creationId xmlns:p14="http://schemas.microsoft.com/office/powerpoint/2010/main" val="2624683563"/>
+      </p:ext>
+    </p:extLst>
+  </p:cSld>
+  <p:clrMapOvr>
+    <a:masterClrMapping/>
+  </p:clrMapOvr>
+</p:sld>
+</file>
+
+<file path=ppt/slides/slide8.xml><?xml version="1.0" encoding="utf-8"?>
+<p:sld xmlns:a="http://schemas.openxmlformats.org/drawingml/2006/main" xmlns:r="http://schemas.openxmlformats.org/officeDocument/2006/relationships" xmlns:p="http://schemas.openxmlformats.org/presentationml/2006/main">
+  <p:cSld>
+    <p:spTree>
+      <p:nvGrpSpPr>
+        <p:cNvPr id="1" name=""/>
+        <p:cNvGrpSpPr/>
+        <p:nvPr/>
+      </p:nvGrpSpPr>
+      <p:grpSpPr>
+        <a:xfrm>
+          <a:off x="0" y="0"/>
+          <a:ext cx="0" cy="0"/>
+          <a:chOff x="0" y="0"/>
+          <a:chExt cx="0" cy="0"/>
+        </a:xfrm>
+      </p:grpSpPr>
+      <p:sp>
+        <p:nvSpPr>
+          <p:cNvPr id="2" name="Título 1">
+            <a:extLst>
+              <a:ext uri="{FF2B5EF4-FFF2-40B4-BE49-F238E27FC236}">
+                <a16:creationId xmlns:a16="http://schemas.microsoft.com/office/drawing/2014/main" id="{435AFB6D-CAE7-BA31-6D16-DF43FA1155A8}"/>
+              </a:ext>
+            </a:extLst>
+          </p:cNvPr>
+          <p:cNvSpPr>
+            <a:spLocks noGrp="1"/>
+          </p:cNvSpPr>
+          <p:nvPr>
+            <p:ph type="title"/>
+          </p:nvPr>
+        </p:nvSpPr>
+        <p:spPr>
+          <a:xfrm>
+            <a:off x="1451578" y="966497"/>
+            <a:ext cx="9603275" cy="1049235"/>
+          </a:xfrm>
+        </p:spPr>
+        <p:txBody>
+          <a:bodyPr>
+            <a:normAutofit/>
+          </a:bodyPr>
+          <a:lstStyle/>
+          <a:p>
+            <a:r>
+              <a:rPr lang="en-US" sz="2800" noProof="0" dirty="0"/>
+              <a:t>1.5. 1. WHICH insecticide is more effective against </a:t>
+            </a:r>
+            <a:r>
+              <a:rPr lang="en-US" sz="2800" noProof="0" dirty="0" err="1"/>
+              <a:t>philaenus</a:t>
+            </a:r>
+            <a:r>
+              <a:rPr lang="en-US" sz="2800" noProof="0" dirty="0"/>
+              <a:t> </a:t>
+            </a:r>
+            <a:r>
+              <a:rPr lang="en-US" sz="2800" noProof="0" dirty="0" err="1"/>
+              <a:t>spumarius</a:t>
+            </a:r>
+            <a:r>
+              <a:rPr lang="en-US" sz="2800" noProof="0" dirty="0"/>
+              <a:t>? (variability between plots)</a:t>
+            </a:r>
           </a:p>
         </p:txBody>
       </p:sp>
@@ -4319,7 +9674,7 @@
           <p:cNvPr id="3" name="Marcador de contenido 2">
             <a:extLst>
               <a:ext uri="{FF2B5EF4-FFF2-40B4-BE49-F238E27FC236}">
-                <a16:creationId xmlns:a16="http://schemas.microsoft.com/office/drawing/2014/main" id="{1A1CDBEB-8836-9DA9-DF04-267AE0CA73D4}"/>
+                <a16:creationId xmlns:a16="http://schemas.microsoft.com/office/drawing/2014/main" id="{571943F5-9A30-9901-EEDF-6B771F1AA3BA}"/>
               </a:ext>
             </a:extLst>
           </p:cNvPr>
@@ -4335,14 +9690,99 @@
           <a:bodyPr/>
           <a:lstStyle/>
           <a:p>
-            <a:endParaRPr lang="es-ES"/>
+            <a:endParaRPr lang="en-US" noProof="0" dirty="0"/>
           </a:p>
         </p:txBody>
       </p:sp>
     </p:spTree>
     <p:extLst>
       <p:ext uri="{BB962C8B-B14F-4D97-AF65-F5344CB8AC3E}">
-        <p14:creationId xmlns:p14="http://schemas.microsoft.com/office/powerpoint/2010/main" val="2293929668"/>
+        <p14:creationId xmlns:p14="http://schemas.microsoft.com/office/powerpoint/2010/main" val="2817751604"/>
+      </p:ext>
+    </p:extLst>
+  </p:cSld>
+  <p:clrMapOvr>
+    <a:masterClrMapping/>
+  </p:clrMapOvr>
+</p:sld>
+</file>
+
+<file path=ppt/slides/slide9.xml><?xml version="1.0" encoding="utf-8"?>
+<p:sld xmlns:a="http://schemas.openxmlformats.org/drawingml/2006/main" xmlns:r="http://schemas.openxmlformats.org/officeDocument/2006/relationships" xmlns:p="http://schemas.openxmlformats.org/presentationml/2006/main">
+  <p:cSld>
+    <p:spTree>
+      <p:nvGrpSpPr>
+        <p:cNvPr id="1" name=""/>
+        <p:cNvGrpSpPr/>
+        <p:nvPr/>
+      </p:nvGrpSpPr>
+      <p:grpSpPr>
+        <a:xfrm>
+          <a:off x="0" y="0"/>
+          <a:ext cx="0" cy="0"/>
+          <a:chOff x="0" y="0"/>
+          <a:chExt cx="0" cy="0"/>
+        </a:xfrm>
+      </p:grpSpPr>
+      <p:sp>
+        <p:nvSpPr>
+          <p:cNvPr id="2" name="Título 1">
+            <a:extLst>
+              <a:ext uri="{FF2B5EF4-FFF2-40B4-BE49-F238E27FC236}">
+                <a16:creationId xmlns:a16="http://schemas.microsoft.com/office/drawing/2014/main" id="{D3F6DECC-56BF-6FF1-A061-F5F4D8A2778F}"/>
+              </a:ext>
+            </a:extLst>
+          </p:cNvPr>
+          <p:cNvSpPr>
+            <a:spLocks noGrp="1"/>
+          </p:cNvSpPr>
+          <p:nvPr>
+            <p:ph type="title"/>
+          </p:nvPr>
+        </p:nvSpPr>
+        <p:spPr/>
+        <p:txBody>
+          <a:bodyPr>
+            <a:normAutofit fontScale="90000"/>
+          </a:bodyPr>
+          <a:lstStyle/>
+          <a:p>
+            <a:r>
+              <a:rPr lang="en-US" noProof="0" dirty="0"/>
+              <a:t>2. Is it more efficient TO MAKE A FOLIAR APPLICATION OF A TREATMENT OR INJECT IT?</a:t>
+            </a:r>
+          </a:p>
+        </p:txBody>
+      </p:sp>
+      <p:sp>
+        <p:nvSpPr>
+          <p:cNvPr id="3" name="Marcador de contenido 2">
+            <a:extLst>
+              <a:ext uri="{FF2B5EF4-FFF2-40B4-BE49-F238E27FC236}">
+                <a16:creationId xmlns:a16="http://schemas.microsoft.com/office/drawing/2014/main" id="{F87A7F39-1AAA-C403-6194-E36BE7F9262A}"/>
+              </a:ext>
+            </a:extLst>
+          </p:cNvPr>
+          <p:cNvSpPr>
+            <a:spLocks noGrp="1"/>
+          </p:cNvSpPr>
+          <p:nvPr>
+            <p:ph idx="1"/>
+          </p:nvPr>
+        </p:nvSpPr>
+        <p:spPr/>
+        <p:txBody>
+          <a:bodyPr/>
+          <a:lstStyle/>
+          <a:p>
+            <a:endParaRPr lang="en-US" noProof="0" dirty="0"/>
+          </a:p>
+        </p:txBody>
+      </p:sp>
+    </p:spTree>
+    <p:extLst>
+      <p:ext uri="{BB962C8B-B14F-4D97-AF65-F5344CB8AC3E}">
+        <p14:creationId xmlns:p14="http://schemas.microsoft.com/office/powerpoint/2010/main" val="1976488638"/>
       </p:ext>
     </p:extLst>
   </p:cSld>
@@ -4353,9 +9793,9 @@
 </file>
 
 <file path=ppt/theme/theme1.xml><?xml version="1.0" encoding="utf-8"?>
-<a:theme xmlns:a="http://schemas.openxmlformats.org/drawingml/2006/main" name="Galería">
+<a:theme xmlns:a="http://schemas.openxmlformats.org/drawingml/2006/main" name="Faceta">
   <a:themeElements>
-    <a:clrScheme name="Galería">
+    <a:clrScheme name="Faceta">
       <a:dk1>
         <a:sysClr val="windowText" lastClr="000000"/>
       </a:dk1>
@@ -4363,52 +9803,52 @@
         <a:sysClr val="window" lastClr="FFFFFF"/>
       </a:lt1>
       <a:dk2>
-        <a:srgbClr val="454545"/>
+        <a:srgbClr val="2C3C43"/>
       </a:dk2>
       <a:lt2>
-        <a:srgbClr val="DFDBD5"/>
+        <a:srgbClr val="EBEBEB"/>
       </a:lt2>
       <a:accent1>
-        <a:srgbClr val="B71E42"/>
+        <a:srgbClr val="90C226"/>
       </a:accent1>
       <a:accent2>
-        <a:srgbClr val="DE478E"/>
+        <a:srgbClr val="54A021"/>
       </a:accent2>
       <a:accent3>
-        <a:srgbClr val="BC72F0"/>
+        <a:srgbClr val="E6B91E"/>
       </a:accent3>
       <a:accent4>
-        <a:srgbClr val="795FAF"/>
+        <a:srgbClr val="E76618"/>
       </a:accent4>
       <a:accent5>
-        <a:srgbClr val="586EA6"/>
+        <a:srgbClr val="C42F1A"/>
       </a:accent5>
       <a:accent6>
-        <a:srgbClr val="6892A0"/>
+        <a:srgbClr val="918655"/>
       </a:accent6>
       <a:hlink>
-        <a:srgbClr val="FA2B5C"/>
+        <a:srgbClr val="99CA3C"/>
       </a:hlink>
       <a:folHlink>
-        <a:srgbClr val="BC658E"/>
+        <a:srgbClr val="B9D181"/>
       </a:folHlink>
     </a:clrScheme>
-    <a:fontScheme name="Galería">
+    <a:fontScheme name="Faceta">
       <a:majorFont>
-        <a:latin typeface="Gill Sans MT" panose="020B0502020104020203"/>
+        <a:latin typeface="Trebuchet MS" panose="020B0603020202020204"/>
         <a:ea typeface=""/>
         <a:cs typeface=""/>
-        <a:font script="Jpan" typeface="游ゴシック Light"/>
+        <a:font script="Jpan" typeface="メイリオ"/>
         <a:font script="Hang" typeface="맑은 고딕"/>
-        <a:font script="Hans" typeface="等线 Light"/>
-        <a:font script="Hant" typeface="新細明體"/>
-        <a:font script="Arab" typeface="Times New Roman"/>
-        <a:font script="Hebr" typeface="Times New Roman"/>
-        <a:font script="Thai" typeface="Angsana New"/>
+        <a:font script="Hans" typeface="方正姚体"/>
+        <a:font script="Hant" typeface="微軟正黑體"/>
+        <a:font script="Arab" typeface="Tahoma"/>
+        <a:font script="Hebr" typeface="Arial"/>
+        <a:font script="Thai" typeface="Cordia New"/>
         <a:font script="Ethi" typeface="Nyala"/>
         <a:font script="Beng" typeface="Vrinda"/>
         <a:font script="Gujr" typeface="Shruti"/>
-        <a:font script="Khmr" typeface="MoolBoran"/>
+        <a:font script="Khmr" typeface="DaunPenh"/>
         <a:font script="Knda" typeface="Tunga"/>
         <a:font script="Guru" typeface="Raavi"/>
         <a:font script="Cans" typeface="Euphemia"/>
@@ -4425,21 +9865,21 @@
         <a:font script="Laoo" typeface="DokChampa"/>
         <a:font script="Sinh" typeface="Iskoola Pota"/>
         <a:font script="Mong" typeface="Mongolian Baiti"/>
-        <a:font script="Viet" typeface="Times New Roman"/>
+        <a:font script="Viet" typeface="Tahoma"/>
         <a:font script="Uigh" typeface="Microsoft Uighur"/>
         <a:font script="Geor" typeface="Sylfaen"/>
       </a:majorFont>
       <a:minorFont>
-        <a:latin typeface="Gill Sans MT" panose="020B0502020104020203"/>
+        <a:latin typeface="Trebuchet MS" panose="020B0603020202020204"/>
         <a:ea typeface=""/>
         <a:cs typeface=""/>
-        <a:font script="Jpan" typeface="游ゴシック"/>
-        <a:font script="Hang" typeface="맑은 고딕"/>
-        <a:font script="Hans" typeface="等线"/>
-        <a:font script="Hant" typeface="新細明體"/>
-        <a:font script="Arab" typeface="Arial"/>
-        <a:font script="Hebr" typeface="Arial"/>
-        <a:font script="Thai" typeface="Cordia New"/>
+        <a:font script="Jpan" typeface="メイリオ"/>
+        <a:font script="Hang" typeface="HY그래픽M"/>
+        <a:font script="Hans" typeface="华文新魏"/>
+        <a:font script="Hant" typeface="微軟正黑體"/>
+        <a:font script="Arab" typeface="Tahoma"/>
+        <a:font script="Hebr" typeface="Gisha"/>
+        <a:font script="Thai" typeface="IrisUPC"/>
         <a:font script="Ethi" typeface="Nyala"/>
         <a:font script="Beng" typeface="Vrinda"/>
         <a:font script="Gujr" typeface="Shruti"/>
@@ -4465,7 +9905,7 @@
         <a:font script="Geor" typeface="Sylfaen"/>
       </a:minorFont>
     </a:fontScheme>
-    <a:fmtScheme name="Galería">
+    <a:fmtScheme name="Faceta">
       <a:fillStyleLst>
         <a:solidFill>
           <a:schemeClr val="phClr"/>
@@ -4474,18 +9914,13 @@
           <a:gsLst>
             <a:gs pos="0">
               <a:schemeClr val="phClr">
-                <a:tint val="54000"/>
-                <a:alpha val="100000"/>
-                <a:satMod val="105000"/>
+                <a:tint val="65000"/>
                 <a:lumMod val="110000"/>
               </a:schemeClr>
             </a:gs>
-            <a:gs pos="100000">
+            <a:gs pos="88000">
               <a:schemeClr val="phClr">
-                <a:tint val="78000"/>
-                <a:alpha val="92000"/>
-                <a:satMod val="109000"/>
-                <a:lumMod val="100000"/>
+                <a:tint val="90000"/>
               </a:schemeClr>
             </a:gs>
           </a:gsLst>
@@ -4495,23 +9930,14 @@
           <a:gsLst>
             <a:gs pos="0">
               <a:schemeClr val="phClr">
-                <a:tint val="98000"/>
-                <a:satMod val="110000"/>
-                <a:lumMod val="104000"/>
+                <a:tint val="96000"/>
+                <a:lumMod val="100000"/>
               </a:schemeClr>
             </a:gs>
-            <a:gs pos="69000">
+            <a:gs pos="78000">
               <a:schemeClr val="phClr">
-                <a:shade val="88000"/>
-                <a:satMod val="130000"/>
-                <a:lumMod val="92000"/>
-              </a:schemeClr>
-            </a:gs>
-            <a:gs pos="100000">
-              <a:schemeClr val="phClr">
-                <a:shade val="78000"/>
-                <a:satMod val="130000"/>
-                <a:lumMod val="92000"/>
+                <a:shade val="94000"/>
+                <a:lumMod val="94000"/>
               </a:schemeClr>
             </a:gs>
           </a:gsLst>
@@ -4519,19 +9945,19 @@
         </a:gradFill>
       </a:fillStyleLst>
       <a:lnStyleLst>
-        <a:ln w="9525" cap="flat" cmpd="sng" algn="ctr">
+        <a:ln w="12700" cap="rnd" cmpd="sng" algn="ctr">
           <a:solidFill>
             <a:schemeClr val="phClr"/>
           </a:solidFill>
           <a:prstDash val="solid"/>
         </a:ln>
-        <a:ln w="15875" cap="flat" cmpd="sng" algn="ctr">
+        <a:ln w="19050" cap="rnd" cmpd="sng" algn="ctr">
           <a:solidFill>
             <a:schemeClr val="phClr"/>
           </a:solidFill>
           <a:prstDash val="solid"/>
         </a:ln>
-        <a:ln w="22225" cap="flat" cmpd="sng" algn="ctr">
+        <a:ln w="25400" cap="rnd" cmpd="sng" algn="ctr">
           <a:solidFill>
             <a:schemeClr val="phClr"/>
           </a:solidFill>
@@ -4543,13 +9969,19 @@
           <a:effectLst/>
         </a:effectStyle>
         <a:effectStyle>
-          <a:effectLst/>
+          <a:effectLst>
+            <a:outerShdw blurRad="38100" dist="25400" dir="5400000" rotWithShape="0">
+              <a:srgbClr val="000000">
+                <a:alpha val="35000"/>
+              </a:srgbClr>
+            </a:outerShdw>
+          </a:effectLst>
         </a:effectStyle>
         <a:effectStyle>
           <a:effectLst>
-            <a:outerShdw blurRad="50800" dist="50800" dir="5400000" sx="96000" sy="96000" rotWithShape="0">
+            <a:outerShdw blurRad="50800" dist="38100" dir="5400000" rotWithShape="0">
               <a:srgbClr val="000000">
-                <a:alpha val="48000"/>
+                <a:alpha val="35000"/>
               </a:srgbClr>
             </a:outerShdw>
           </a:effectLst>
@@ -4557,12 +9989,10 @@
             <a:camera prst="orthographicFront">
               <a:rot lat="0" lon="0" rev="0"/>
             </a:camera>
-            <a:lightRig rig="balanced" dir="t">
-              <a:rot lat="0" lon="0" rev="1080000"/>
-            </a:lightRig>
+            <a:lightRig rig="threePt" dir="tl"/>
           </a:scene3d>
-          <a:sp3d>
-            <a:bevelT w="38100" h="12700" prst="softRound"/>
+          <a:sp3d prstMaterial="plastic">
+            <a:bevelT w="0" h="0"/>
           </a:sp3d>
         </a:effectStyle>
       </a:effectStyleLst>
@@ -4570,26 +10000,40 @@
         <a:solidFill>
           <a:schemeClr val="phClr"/>
         </a:solidFill>
-        <a:solidFill>
-          <a:schemeClr val="phClr"/>
-        </a:solidFill>
         <a:gradFill rotWithShape="1">
           <a:gsLst>
             <a:gs pos="0">
               <a:schemeClr val="phClr">
-                <a:tint val="94000"/>
-                <a:satMod val="80000"/>
-                <a:lumMod val="106000"/>
+                <a:tint val="90000"/>
+                <a:lumMod val="104000"/>
+              </a:schemeClr>
+            </a:gs>
+            <a:gs pos="94000">
+              <a:schemeClr val="phClr">
+                <a:shade val="96000"/>
+                <a:lumMod val="82000"/>
+              </a:schemeClr>
+            </a:gs>
+          </a:gsLst>
+          <a:lin ang="5400000" scaled="0"/>
+        </a:gradFill>
+        <a:gradFill rotWithShape="1">
+          <a:gsLst>
+            <a:gs pos="0">
+              <a:schemeClr val="phClr">
+                <a:tint val="90000"/>
+                <a:lumMod val="110000"/>
               </a:schemeClr>
             </a:gs>
             <a:gs pos="100000">
               <a:schemeClr val="phClr">
-                <a:shade val="80000"/>
+                <a:shade val="94000"/>
+                <a:lumMod val="96000"/>
               </a:schemeClr>
             </a:gs>
           </a:gsLst>
           <a:path path="circle">
-            <a:fillToRect l="43000" r="43000" b="100000"/>
+            <a:fillToRect l="50000" t="50000" r="100000" b="100000"/>
           </a:path>
         </a:gradFill>
       </a:bgFillStyleLst>
@@ -4599,7 +10043,7 @@
   <a:extraClrSchemeLst/>
   <a:extLst>
     <a:ext uri="{05A4C25C-085E-4340-85A3-A5531E510DB2}">
-      <thm15:themeFamily xmlns:thm15="http://schemas.microsoft.com/office/thememl/2012/main" name="Gallery" id="{BBFCD31E-59A1-489D-B089-A3EAD7CAE12E}" vid="{F5E91637-A7B6-4E27-B710-77DA7014EE1E}"/>
+      <thm15:themeFamily xmlns:thm15="http://schemas.microsoft.com/office/thememl/2012/main" name="Facet" id="{C0C680CD-088A-49FC-A102-D699147F32B2}" vid="{CFBC31BA-B70F-4F30-BCAA-4F3011E16C4D}"/>
     </a:ext>
   </a:extLst>
 </a:theme>
